--- a/實驗一/報告/實驗一結報.pptx
+++ b/實驗一/報告/實驗一結報.pptx
@@ -4,22 +4,40 @@
   <p:sldMasterIdLst>
     <p:sldMasterId id="2147483648" r:id="rId1"/>
   </p:sldMasterIdLst>
+  <p:notesMasterIdLst>
+    <p:notesMasterId r:id="rId32"/>
+  </p:notesMasterIdLst>
   <p:sldIdLst>
     <p:sldId id="256" r:id="rId2"/>
     <p:sldId id="257" r:id="rId3"/>
     <p:sldId id="259" r:id="rId4"/>
     <p:sldId id="258" r:id="rId5"/>
-    <p:sldId id="260" r:id="rId6"/>
-    <p:sldId id="261" r:id="rId7"/>
-    <p:sldId id="262" r:id="rId8"/>
-    <p:sldId id="263" r:id="rId9"/>
-    <p:sldId id="264" r:id="rId10"/>
-    <p:sldId id="265" r:id="rId11"/>
-    <p:sldId id="266" r:id="rId12"/>
-    <p:sldId id="267" r:id="rId13"/>
-    <p:sldId id="268" r:id="rId14"/>
-    <p:sldId id="269" r:id="rId15"/>
-    <p:sldId id="271" r:id="rId16"/>
+    <p:sldId id="272" r:id="rId6"/>
+    <p:sldId id="260" r:id="rId7"/>
+    <p:sldId id="261" r:id="rId8"/>
+    <p:sldId id="273" r:id="rId9"/>
+    <p:sldId id="262" r:id="rId10"/>
+    <p:sldId id="281" r:id="rId11"/>
+    <p:sldId id="278" r:id="rId12"/>
+    <p:sldId id="263" r:id="rId13"/>
+    <p:sldId id="264" r:id="rId14"/>
+    <p:sldId id="274" r:id="rId15"/>
+    <p:sldId id="265" r:id="rId16"/>
+    <p:sldId id="279" r:id="rId17"/>
+    <p:sldId id="266" r:id="rId18"/>
+    <p:sldId id="275" r:id="rId19"/>
+    <p:sldId id="267" r:id="rId20"/>
+    <p:sldId id="280" r:id="rId21"/>
+    <p:sldId id="268" r:id="rId22"/>
+    <p:sldId id="276" r:id="rId23"/>
+    <p:sldId id="269" r:id="rId24"/>
+    <p:sldId id="271" r:id="rId25"/>
+    <p:sldId id="277" r:id="rId26"/>
+    <p:sldId id="282" r:id="rId27"/>
+    <p:sldId id="284" r:id="rId28"/>
+    <p:sldId id="285" r:id="rId29"/>
+    <p:sldId id="286" r:id="rId30"/>
+    <p:sldId id="287" r:id="rId31"/>
   </p:sldIdLst>
   <p:sldSz cx="12192000" cy="6858000"/>
   <p:notesSz cx="6858000" cy="9144000"/>
@@ -126,6 +144,440 @@
 </p:presentation>
 </file>
 
+<file path=ppt/notesMasters/notesMaster1.xml><?xml version="1.0" encoding="utf-8"?>
+<p:notesMaster xmlns:a="http://schemas.openxmlformats.org/drawingml/2006/main" xmlns:r="http://schemas.openxmlformats.org/officeDocument/2006/relationships" xmlns:p="http://schemas.openxmlformats.org/presentationml/2006/main">
+  <p:cSld>
+    <p:bg>
+      <p:bgRef idx="1001">
+        <a:schemeClr val="bg1"/>
+      </p:bgRef>
+    </p:bg>
+    <p:spTree>
+      <p:nvGrpSpPr>
+        <p:cNvPr id="1" name=""/>
+        <p:cNvGrpSpPr/>
+        <p:nvPr/>
+      </p:nvGrpSpPr>
+      <p:grpSpPr>
+        <a:xfrm>
+          <a:off x="0" y="0"/>
+          <a:ext cx="0" cy="0"/>
+          <a:chOff x="0" y="0"/>
+          <a:chExt cx="0" cy="0"/>
+        </a:xfrm>
+      </p:grpSpPr>
+      <p:sp>
+        <p:nvSpPr>
+          <p:cNvPr id="2" name="頁首版面配置區 1"/>
+          <p:cNvSpPr>
+            <a:spLocks noGrp="1"/>
+          </p:cNvSpPr>
+          <p:nvPr>
+            <p:ph type="hdr" sz="quarter"/>
+          </p:nvPr>
+        </p:nvSpPr>
+        <p:spPr>
+          <a:xfrm>
+            <a:off x="0" y="0"/>
+            <a:ext cx="2971800" cy="458788"/>
+          </a:xfrm>
+          <a:prstGeom prst="rect">
+            <a:avLst/>
+          </a:prstGeom>
+        </p:spPr>
+        <p:txBody>
+          <a:bodyPr vert="horz" lIns="91440" tIns="45720" rIns="91440" bIns="45720" rtlCol="0"/>
+          <a:lstStyle>
+            <a:lvl1pPr algn="l">
+              <a:defRPr sz="1200"/>
+            </a:lvl1pPr>
+          </a:lstStyle>
+          <a:p>
+            <a:endParaRPr lang="zh-TW" altLang="en-US"/>
+          </a:p>
+        </p:txBody>
+      </p:sp>
+      <p:sp>
+        <p:nvSpPr>
+          <p:cNvPr id="3" name="日期版面配置區 2"/>
+          <p:cNvSpPr>
+            <a:spLocks noGrp="1"/>
+          </p:cNvSpPr>
+          <p:nvPr>
+            <p:ph type="dt" idx="1"/>
+          </p:nvPr>
+        </p:nvSpPr>
+        <p:spPr>
+          <a:xfrm>
+            <a:off x="3884613" y="0"/>
+            <a:ext cx="2971800" cy="458788"/>
+          </a:xfrm>
+          <a:prstGeom prst="rect">
+            <a:avLst/>
+          </a:prstGeom>
+        </p:spPr>
+        <p:txBody>
+          <a:bodyPr vert="horz" lIns="91440" tIns="45720" rIns="91440" bIns="45720" rtlCol="0"/>
+          <a:lstStyle>
+            <a:lvl1pPr algn="r">
+              <a:defRPr sz="1200"/>
+            </a:lvl1pPr>
+          </a:lstStyle>
+          <a:p>
+            <a:fld id="{57D05ABF-D590-45D6-9362-AC05D4E152AF}" type="datetimeFigureOut">
+              <a:rPr lang="zh-TW" altLang="en-US" smtClean="0"/>
+              <a:t>2025/2/28</a:t>
+            </a:fld>
+            <a:endParaRPr lang="zh-TW" altLang="en-US"/>
+          </a:p>
+        </p:txBody>
+      </p:sp>
+      <p:sp>
+        <p:nvSpPr>
+          <p:cNvPr id="4" name="投影片圖像版面配置區 3"/>
+          <p:cNvSpPr>
+            <a:spLocks noGrp="1" noRot="1" noChangeAspect="1"/>
+          </p:cNvSpPr>
+          <p:nvPr>
+            <p:ph type="sldImg" idx="2"/>
+          </p:nvPr>
+        </p:nvSpPr>
+        <p:spPr>
+          <a:xfrm>
+            <a:off x="685800" y="1143000"/>
+            <a:ext cx="5486400" cy="3086100"/>
+          </a:xfrm>
+          <a:prstGeom prst="rect">
+            <a:avLst/>
+          </a:prstGeom>
+          <a:noFill/>
+          <a:ln w="12700">
+            <a:solidFill>
+              <a:prstClr val="black"/>
+            </a:solidFill>
+          </a:ln>
+        </p:spPr>
+        <p:txBody>
+          <a:bodyPr vert="horz" lIns="91440" tIns="45720" rIns="91440" bIns="45720" rtlCol="0" anchor="ctr"/>
+          <a:lstStyle/>
+          <a:p>
+            <a:endParaRPr lang="zh-TW" altLang="en-US"/>
+          </a:p>
+        </p:txBody>
+      </p:sp>
+      <p:sp>
+        <p:nvSpPr>
+          <p:cNvPr id="5" name="備忘稿版面配置區 4"/>
+          <p:cNvSpPr>
+            <a:spLocks noGrp="1"/>
+          </p:cNvSpPr>
+          <p:nvPr>
+            <p:ph type="body" sz="quarter" idx="3"/>
+          </p:nvPr>
+        </p:nvSpPr>
+        <p:spPr>
+          <a:xfrm>
+            <a:off x="685800" y="4400550"/>
+            <a:ext cx="5486400" cy="3600450"/>
+          </a:xfrm>
+          <a:prstGeom prst="rect">
+            <a:avLst/>
+          </a:prstGeom>
+        </p:spPr>
+        <p:txBody>
+          <a:bodyPr vert="horz" lIns="91440" tIns="45720" rIns="91440" bIns="45720" rtlCol="0"/>
+          <a:lstStyle/>
+          <a:p>
+            <a:pPr lvl="0"/>
+            <a:r>
+              <a:rPr lang="zh-TW" altLang="en-US" smtClean="0"/>
+              <a:t>編輯母片文字樣式</a:t>
+            </a:r>
+          </a:p>
+          <a:p>
+            <a:pPr lvl="1"/>
+            <a:r>
+              <a:rPr lang="zh-TW" altLang="en-US" smtClean="0"/>
+              <a:t>第二層</a:t>
+            </a:r>
+          </a:p>
+          <a:p>
+            <a:pPr lvl="2"/>
+            <a:r>
+              <a:rPr lang="zh-TW" altLang="en-US" smtClean="0"/>
+              <a:t>第三層</a:t>
+            </a:r>
+          </a:p>
+          <a:p>
+            <a:pPr lvl="3"/>
+            <a:r>
+              <a:rPr lang="zh-TW" altLang="en-US" smtClean="0"/>
+              <a:t>第四層</a:t>
+            </a:r>
+          </a:p>
+          <a:p>
+            <a:pPr lvl="4"/>
+            <a:r>
+              <a:rPr lang="zh-TW" altLang="en-US" smtClean="0"/>
+              <a:t>第五層</a:t>
+            </a:r>
+            <a:endParaRPr lang="zh-TW" altLang="en-US"/>
+          </a:p>
+        </p:txBody>
+      </p:sp>
+      <p:sp>
+        <p:nvSpPr>
+          <p:cNvPr id="6" name="頁尾版面配置區 5"/>
+          <p:cNvSpPr>
+            <a:spLocks noGrp="1"/>
+          </p:cNvSpPr>
+          <p:nvPr>
+            <p:ph type="ftr" sz="quarter" idx="4"/>
+          </p:nvPr>
+        </p:nvSpPr>
+        <p:spPr>
+          <a:xfrm>
+            <a:off x="0" y="8685213"/>
+            <a:ext cx="2971800" cy="458787"/>
+          </a:xfrm>
+          <a:prstGeom prst="rect">
+            <a:avLst/>
+          </a:prstGeom>
+        </p:spPr>
+        <p:txBody>
+          <a:bodyPr vert="horz" lIns="91440" tIns="45720" rIns="91440" bIns="45720" rtlCol="0" anchor="b"/>
+          <a:lstStyle>
+            <a:lvl1pPr algn="l">
+              <a:defRPr sz="1200"/>
+            </a:lvl1pPr>
+          </a:lstStyle>
+          <a:p>
+            <a:endParaRPr lang="zh-TW" altLang="en-US"/>
+          </a:p>
+        </p:txBody>
+      </p:sp>
+      <p:sp>
+        <p:nvSpPr>
+          <p:cNvPr id="7" name="投影片編號版面配置區 6"/>
+          <p:cNvSpPr>
+            <a:spLocks noGrp="1"/>
+          </p:cNvSpPr>
+          <p:nvPr>
+            <p:ph type="sldNum" sz="quarter" idx="5"/>
+          </p:nvPr>
+        </p:nvSpPr>
+        <p:spPr>
+          <a:xfrm>
+            <a:off x="3884613" y="8685213"/>
+            <a:ext cx="2971800" cy="458787"/>
+          </a:xfrm>
+          <a:prstGeom prst="rect">
+            <a:avLst/>
+          </a:prstGeom>
+        </p:spPr>
+        <p:txBody>
+          <a:bodyPr vert="horz" lIns="91440" tIns="45720" rIns="91440" bIns="45720" rtlCol="0" anchor="b"/>
+          <a:lstStyle>
+            <a:lvl1pPr algn="r">
+              <a:defRPr sz="1200"/>
+            </a:lvl1pPr>
+          </a:lstStyle>
+          <a:p>
+            <a:fld id="{B1E014AC-05A3-4B18-9167-9264044A34F3}" type="slidenum">
+              <a:rPr lang="zh-TW" altLang="en-US" smtClean="0"/>
+              <a:t>‹#›</a:t>
+            </a:fld>
+            <a:endParaRPr lang="zh-TW" altLang="en-US"/>
+          </a:p>
+        </p:txBody>
+      </p:sp>
+    </p:spTree>
+    <p:extLst>
+      <p:ext uri="{BB962C8B-B14F-4D97-AF65-F5344CB8AC3E}">
+        <p14:creationId xmlns:p14="http://schemas.microsoft.com/office/powerpoint/2010/main" val="160080592"/>
+      </p:ext>
+    </p:extLst>
+  </p:cSld>
+  <p:clrMap bg1="lt1" tx1="dk1" bg2="lt2" tx2="dk2" accent1="accent1" accent2="accent2" accent3="accent3" accent4="accent4" accent5="accent5" accent6="accent6" hlink="hlink" folHlink="folHlink"/>
+  <p:notesStyle>
+    <a:lvl1pPr marL="0" algn="l" defTabSz="914400" rtl="0" eaLnBrk="1" latinLnBrk="0" hangingPunct="1">
+      <a:defRPr sz="1200" kern="1200">
+        <a:solidFill>
+          <a:schemeClr val="tx1"/>
+        </a:solidFill>
+        <a:latin typeface="+mn-lt"/>
+        <a:ea typeface="+mn-ea"/>
+        <a:cs typeface="+mn-cs"/>
+      </a:defRPr>
+    </a:lvl1pPr>
+    <a:lvl2pPr marL="457200" algn="l" defTabSz="914400" rtl="0" eaLnBrk="1" latinLnBrk="0" hangingPunct="1">
+      <a:defRPr sz="1200" kern="1200">
+        <a:solidFill>
+          <a:schemeClr val="tx1"/>
+        </a:solidFill>
+        <a:latin typeface="+mn-lt"/>
+        <a:ea typeface="+mn-ea"/>
+        <a:cs typeface="+mn-cs"/>
+      </a:defRPr>
+    </a:lvl2pPr>
+    <a:lvl3pPr marL="914400" algn="l" defTabSz="914400" rtl="0" eaLnBrk="1" latinLnBrk="0" hangingPunct="1">
+      <a:defRPr sz="1200" kern="1200">
+        <a:solidFill>
+          <a:schemeClr val="tx1"/>
+        </a:solidFill>
+        <a:latin typeface="+mn-lt"/>
+        <a:ea typeface="+mn-ea"/>
+        <a:cs typeface="+mn-cs"/>
+      </a:defRPr>
+    </a:lvl3pPr>
+    <a:lvl4pPr marL="1371600" algn="l" defTabSz="914400" rtl="0" eaLnBrk="1" latinLnBrk="0" hangingPunct="1">
+      <a:defRPr sz="1200" kern="1200">
+        <a:solidFill>
+          <a:schemeClr val="tx1"/>
+        </a:solidFill>
+        <a:latin typeface="+mn-lt"/>
+        <a:ea typeface="+mn-ea"/>
+        <a:cs typeface="+mn-cs"/>
+      </a:defRPr>
+    </a:lvl4pPr>
+    <a:lvl5pPr marL="1828800" algn="l" defTabSz="914400" rtl="0" eaLnBrk="1" latinLnBrk="0" hangingPunct="1">
+      <a:defRPr sz="1200" kern="1200">
+        <a:solidFill>
+          <a:schemeClr val="tx1"/>
+        </a:solidFill>
+        <a:latin typeface="+mn-lt"/>
+        <a:ea typeface="+mn-ea"/>
+        <a:cs typeface="+mn-cs"/>
+      </a:defRPr>
+    </a:lvl5pPr>
+    <a:lvl6pPr marL="2286000" algn="l" defTabSz="914400" rtl="0" eaLnBrk="1" latinLnBrk="0" hangingPunct="1">
+      <a:defRPr sz="1200" kern="1200">
+        <a:solidFill>
+          <a:schemeClr val="tx1"/>
+        </a:solidFill>
+        <a:latin typeface="+mn-lt"/>
+        <a:ea typeface="+mn-ea"/>
+        <a:cs typeface="+mn-cs"/>
+      </a:defRPr>
+    </a:lvl6pPr>
+    <a:lvl7pPr marL="2743200" algn="l" defTabSz="914400" rtl="0" eaLnBrk="1" latinLnBrk="0" hangingPunct="1">
+      <a:defRPr sz="1200" kern="1200">
+        <a:solidFill>
+          <a:schemeClr val="tx1"/>
+        </a:solidFill>
+        <a:latin typeface="+mn-lt"/>
+        <a:ea typeface="+mn-ea"/>
+        <a:cs typeface="+mn-cs"/>
+      </a:defRPr>
+    </a:lvl7pPr>
+    <a:lvl8pPr marL="3200400" algn="l" defTabSz="914400" rtl="0" eaLnBrk="1" latinLnBrk="0" hangingPunct="1">
+      <a:defRPr sz="1200" kern="1200">
+        <a:solidFill>
+          <a:schemeClr val="tx1"/>
+        </a:solidFill>
+        <a:latin typeface="+mn-lt"/>
+        <a:ea typeface="+mn-ea"/>
+        <a:cs typeface="+mn-cs"/>
+      </a:defRPr>
+    </a:lvl8pPr>
+    <a:lvl9pPr marL="3657600" algn="l" defTabSz="914400" rtl="0" eaLnBrk="1" latinLnBrk="0" hangingPunct="1">
+      <a:defRPr sz="1200" kern="1200">
+        <a:solidFill>
+          <a:schemeClr val="tx1"/>
+        </a:solidFill>
+        <a:latin typeface="+mn-lt"/>
+        <a:ea typeface="+mn-ea"/>
+        <a:cs typeface="+mn-cs"/>
+      </a:defRPr>
+    </a:lvl9pPr>
+  </p:notesStyle>
+</p:notesMaster>
+</file>
+
+<file path=ppt/notesSlides/notesSlide1.xml><?xml version="1.0" encoding="utf-8"?>
+<p:notes xmlns:a="http://schemas.openxmlformats.org/drawingml/2006/main" xmlns:r="http://schemas.openxmlformats.org/officeDocument/2006/relationships" xmlns:p="http://schemas.openxmlformats.org/presentationml/2006/main">
+  <p:cSld>
+    <p:spTree>
+      <p:nvGrpSpPr>
+        <p:cNvPr id="1" name=""/>
+        <p:cNvGrpSpPr/>
+        <p:nvPr/>
+      </p:nvGrpSpPr>
+      <p:grpSpPr>
+        <a:xfrm>
+          <a:off x="0" y="0"/>
+          <a:ext cx="0" cy="0"/>
+          <a:chOff x="0" y="0"/>
+          <a:chExt cx="0" cy="0"/>
+        </a:xfrm>
+      </p:grpSpPr>
+      <p:sp>
+        <p:nvSpPr>
+          <p:cNvPr id="2" name="投影片圖像版面配置區 1"/>
+          <p:cNvSpPr>
+            <a:spLocks noGrp="1" noRot="1" noChangeAspect="1"/>
+          </p:cNvSpPr>
+          <p:nvPr>
+            <p:ph type="sldImg"/>
+          </p:nvPr>
+        </p:nvSpPr>
+        <p:spPr/>
+      </p:sp>
+      <p:sp>
+        <p:nvSpPr>
+          <p:cNvPr id="3" name="備忘稿版面配置區 2"/>
+          <p:cNvSpPr>
+            <a:spLocks noGrp="1"/>
+          </p:cNvSpPr>
+          <p:nvPr>
+            <p:ph type="body" idx="1"/>
+          </p:nvPr>
+        </p:nvSpPr>
+        <p:spPr/>
+        <p:txBody>
+          <a:bodyPr/>
+          <a:lstStyle/>
+          <a:p>
+            <a:endParaRPr lang="zh-TW" altLang="en-US" dirty="0"/>
+          </a:p>
+        </p:txBody>
+      </p:sp>
+      <p:sp>
+        <p:nvSpPr>
+          <p:cNvPr id="4" name="投影片編號版面配置區 3"/>
+          <p:cNvSpPr>
+            <a:spLocks noGrp="1"/>
+          </p:cNvSpPr>
+          <p:nvPr>
+            <p:ph type="sldNum" sz="quarter" idx="10"/>
+          </p:nvPr>
+        </p:nvSpPr>
+        <p:spPr/>
+        <p:txBody>
+          <a:bodyPr/>
+          <a:lstStyle/>
+          <a:p>
+            <a:fld id="{B1E014AC-05A3-4B18-9167-9264044A34F3}" type="slidenum">
+              <a:rPr lang="zh-TW" altLang="en-US" smtClean="0"/>
+              <a:t>3</a:t>
+            </a:fld>
+            <a:endParaRPr lang="zh-TW" altLang="en-US"/>
+          </a:p>
+        </p:txBody>
+      </p:sp>
+    </p:spTree>
+    <p:extLst>
+      <p:ext uri="{BB962C8B-B14F-4D97-AF65-F5344CB8AC3E}">
+        <p14:creationId xmlns:p14="http://schemas.microsoft.com/office/powerpoint/2010/main" val="2242899010"/>
+      </p:ext>
+    </p:extLst>
+  </p:cSld>
+  <p:clrMapOvr>
+    <a:masterClrMapping/>
+  </p:clrMapOvr>
+</p:notes>
+</file>
+
 <file path=ppt/slideLayouts/slideLayout1.xml><?xml version="1.0" encoding="utf-8"?>
 <p:sldLayout xmlns:a="http://schemas.openxmlformats.org/drawingml/2006/main" xmlns:r="http://schemas.openxmlformats.org/officeDocument/2006/relationships" xmlns:p="http://schemas.openxmlformats.org/presentationml/2006/main" type="title" preserve="1">
   <p:cSld name="標題投影片">
@@ -257,7 +709,7 @@
           <a:p>
             <a:fld id="{A6CAA258-0090-479D-81AE-6C5E423E63D8}" type="datetimeFigureOut">
               <a:rPr lang="zh-TW" altLang="en-US" smtClean="0"/>
-              <a:t>2025/2/27</a:t>
+              <a:t>2025/2/28</a:t>
             </a:fld>
             <a:endParaRPr lang="zh-TW" altLang="en-US"/>
           </a:p>
@@ -427,7 +879,7 @@
           <a:p>
             <a:fld id="{A6CAA258-0090-479D-81AE-6C5E423E63D8}" type="datetimeFigureOut">
               <a:rPr lang="zh-TW" altLang="en-US" smtClean="0"/>
-              <a:t>2025/2/27</a:t>
+              <a:t>2025/2/28</a:t>
             </a:fld>
             <a:endParaRPr lang="zh-TW" altLang="en-US"/>
           </a:p>
@@ -607,7 +1059,7 @@
           <a:p>
             <a:fld id="{A6CAA258-0090-479D-81AE-6C5E423E63D8}" type="datetimeFigureOut">
               <a:rPr lang="zh-TW" altLang="en-US" smtClean="0"/>
-              <a:t>2025/2/27</a:t>
+              <a:t>2025/2/28</a:t>
             </a:fld>
             <a:endParaRPr lang="zh-TW" altLang="en-US"/>
           </a:p>
@@ -777,7 +1229,7 @@
           <a:p>
             <a:fld id="{A6CAA258-0090-479D-81AE-6C5E423E63D8}" type="datetimeFigureOut">
               <a:rPr lang="zh-TW" altLang="en-US" smtClean="0"/>
-              <a:t>2025/2/27</a:t>
+              <a:t>2025/2/28</a:t>
             </a:fld>
             <a:endParaRPr lang="zh-TW" altLang="en-US"/>
           </a:p>
@@ -1023,7 +1475,7 @@
           <a:p>
             <a:fld id="{A6CAA258-0090-479D-81AE-6C5E423E63D8}" type="datetimeFigureOut">
               <a:rPr lang="zh-TW" altLang="en-US" smtClean="0"/>
-              <a:t>2025/2/27</a:t>
+              <a:t>2025/2/28</a:t>
             </a:fld>
             <a:endParaRPr lang="zh-TW" altLang="en-US"/>
           </a:p>
@@ -1255,7 +1707,7 @@
           <a:p>
             <a:fld id="{A6CAA258-0090-479D-81AE-6C5E423E63D8}" type="datetimeFigureOut">
               <a:rPr lang="zh-TW" altLang="en-US" smtClean="0"/>
-              <a:t>2025/2/27</a:t>
+              <a:t>2025/2/28</a:t>
             </a:fld>
             <a:endParaRPr lang="zh-TW" altLang="en-US"/>
           </a:p>
@@ -1622,7 +2074,7 @@
           <a:p>
             <a:fld id="{A6CAA258-0090-479D-81AE-6C5E423E63D8}" type="datetimeFigureOut">
               <a:rPr lang="zh-TW" altLang="en-US" smtClean="0"/>
-              <a:t>2025/2/27</a:t>
+              <a:t>2025/2/28</a:t>
             </a:fld>
             <a:endParaRPr lang="zh-TW" altLang="en-US"/>
           </a:p>
@@ -1740,7 +2192,7 @@
           <a:p>
             <a:fld id="{A6CAA258-0090-479D-81AE-6C5E423E63D8}" type="datetimeFigureOut">
               <a:rPr lang="zh-TW" altLang="en-US" smtClean="0"/>
-              <a:t>2025/2/27</a:t>
+              <a:t>2025/2/28</a:t>
             </a:fld>
             <a:endParaRPr lang="zh-TW" altLang="en-US"/>
           </a:p>
@@ -1835,7 +2287,7 @@
           <a:p>
             <a:fld id="{A6CAA258-0090-479D-81AE-6C5E423E63D8}" type="datetimeFigureOut">
               <a:rPr lang="zh-TW" altLang="en-US" smtClean="0"/>
-              <a:t>2025/2/27</a:t>
+              <a:t>2025/2/28</a:t>
             </a:fld>
             <a:endParaRPr lang="zh-TW" altLang="en-US"/>
           </a:p>
@@ -2112,7 +2564,7 @@
           <a:p>
             <a:fld id="{A6CAA258-0090-479D-81AE-6C5E423E63D8}" type="datetimeFigureOut">
               <a:rPr lang="zh-TW" altLang="en-US" smtClean="0"/>
-              <a:t>2025/2/27</a:t>
+              <a:t>2025/2/28</a:t>
             </a:fld>
             <a:endParaRPr lang="zh-TW" altLang="en-US"/>
           </a:p>
@@ -2365,7 +2817,7 @@
           <a:p>
             <a:fld id="{A6CAA258-0090-479D-81AE-6C5E423E63D8}" type="datetimeFigureOut">
               <a:rPr lang="zh-TW" altLang="en-US" smtClean="0"/>
-              <a:t>2025/2/27</a:t>
+              <a:t>2025/2/28</a:t>
             </a:fld>
             <a:endParaRPr lang="zh-TW" altLang="en-US"/>
           </a:p>
@@ -2578,7 +3030,7 @@
           <a:p>
             <a:fld id="{A6CAA258-0090-479D-81AE-6C5E423E63D8}" type="datetimeFigureOut">
               <a:rPr lang="zh-TW" altLang="en-US" smtClean="0"/>
-              <a:t>2025/2/27</a:t>
+              <a:t>2025/2/28</a:t>
             </a:fld>
             <a:endParaRPr lang="zh-TW" altLang="en-US"/>
           </a:p>
@@ -3076,15 +3528,7 @@
             </a:r>
             <a:r>
               <a:rPr lang="en-US" altLang="zh-TW" dirty="0" smtClean="0"/>
-              <a:t>1-3(</a:t>
-            </a:r>
-            <a:r>
-              <a:rPr lang="zh-TW" altLang="en-US" dirty="0" smtClean="0"/>
-              <a:t>軟體模擬</a:t>
-            </a:r>
-            <a:r>
-              <a:rPr lang="en-US" altLang="zh-TW" dirty="0"/>
-              <a:t>)</a:t>
+              <a:t>1-2</a:t>
             </a:r>
             <a:endParaRPr lang="zh-TW" altLang="en-US" dirty="0"/>
           </a:p>
@@ -3092,7 +3536,7 @@
       </p:sp>
       <p:pic>
         <p:nvPicPr>
-          <p:cNvPr id="3" name="圖片 2"/>
+          <p:cNvPr id="5" name="圖片 4"/>
           <p:cNvPicPr>
             <a:picLocks noChangeAspect="1"/>
           </p:cNvPicPr>
@@ -3106,8 +3550,264 @@
         </p:blipFill>
         <p:spPr>
           <a:xfrm>
-            <a:off x="1854201" y="2599742"/>
-            <a:ext cx="7200900" cy="3817868"/>
+            <a:off x="1076260" y="1690688"/>
+            <a:ext cx="7382905" cy="685896"/>
+          </a:xfrm>
+          <a:prstGeom prst="rect">
+            <a:avLst/>
+          </a:prstGeom>
+        </p:spPr>
+      </p:pic>
+      <p:pic>
+        <p:nvPicPr>
+          <p:cNvPr id="3" name="圖片 2"/>
+          <p:cNvPicPr>
+            <a:picLocks noChangeAspect="1"/>
+          </p:cNvPicPr>
+          <p:nvPr/>
+        </p:nvPicPr>
+        <p:blipFill>
+          <a:blip r:embed="rId3"/>
+          <a:stretch>
+            <a:fillRect/>
+          </a:stretch>
+        </p:blipFill>
+        <p:spPr>
+          <a:xfrm>
+            <a:off x="5344008" y="3016251"/>
+            <a:ext cx="6385178" cy="2707820"/>
+          </a:xfrm>
+          <a:prstGeom prst="rect">
+            <a:avLst/>
+          </a:prstGeom>
+        </p:spPr>
+      </p:pic>
+    </p:spTree>
+    <p:extLst>
+      <p:ext uri="{BB962C8B-B14F-4D97-AF65-F5344CB8AC3E}">
+        <p14:creationId xmlns:p14="http://schemas.microsoft.com/office/powerpoint/2010/main" val="1791802273"/>
+      </p:ext>
+    </p:extLst>
+  </p:cSld>
+  <p:clrMapOvr>
+    <a:masterClrMapping/>
+  </p:clrMapOvr>
+</p:sld>
+</file>
+
+<file path=ppt/slides/slide11.xml><?xml version="1.0" encoding="utf-8"?>
+<p:sld xmlns:a="http://schemas.openxmlformats.org/drawingml/2006/main" xmlns:r="http://schemas.openxmlformats.org/officeDocument/2006/relationships" xmlns:p="http://schemas.openxmlformats.org/presentationml/2006/main">
+  <p:cSld>
+    <p:spTree>
+      <p:nvGrpSpPr>
+        <p:cNvPr id="1" name=""/>
+        <p:cNvGrpSpPr/>
+        <p:nvPr/>
+      </p:nvGrpSpPr>
+      <p:grpSpPr>
+        <a:xfrm>
+          <a:off x="0" y="0"/>
+          <a:ext cx="0" cy="0"/>
+          <a:chOff x="0" y="0"/>
+          <a:chExt cx="0" cy="0"/>
+        </a:xfrm>
+      </p:grpSpPr>
+      <p:sp>
+        <p:nvSpPr>
+          <p:cNvPr id="2" name="標題 1"/>
+          <p:cNvSpPr>
+            <a:spLocks noGrp="1"/>
+          </p:cNvSpPr>
+          <p:nvPr>
+            <p:ph type="title"/>
+          </p:nvPr>
+        </p:nvSpPr>
+        <p:spPr/>
+        <p:txBody>
+          <a:bodyPr/>
+          <a:lstStyle/>
+          <a:p>
+            <a:r>
+              <a:rPr lang="zh-TW" altLang="en-US" dirty="0" smtClean="0"/>
+              <a:t>實驗</a:t>
+            </a:r>
+            <a:r>
+              <a:rPr lang="en-US" altLang="zh-TW" dirty="0" smtClean="0"/>
+              <a:t>1-2(</a:t>
+            </a:r>
+            <a:r>
+              <a:rPr lang="zh-TW" altLang="en-US" dirty="0" smtClean="0"/>
+              <a:t>軟體模擬</a:t>
+            </a:r>
+            <a:r>
+              <a:rPr lang="en-US" altLang="zh-TW" dirty="0"/>
+              <a:t>)</a:t>
+            </a:r>
+            <a:endParaRPr lang="zh-TW" altLang="en-US" dirty="0"/>
+          </a:p>
+        </p:txBody>
+      </p:sp>
+      <p:pic>
+        <p:nvPicPr>
+          <p:cNvPr id="7" name="圖片 6"/>
+          <p:cNvPicPr>
+            <a:picLocks noChangeAspect="1"/>
+          </p:cNvPicPr>
+          <p:nvPr/>
+        </p:nvPicPr>
+        <p:blipFill>
+          <a:blip r:embed="rId2"/>
+          <a:stretch>
+            <a:fillRect/>
+          </a:stretch>
+        </p:blipFill>
+        <p:spPr>
+          <a:xfrm>
+            <a:off x="838200" y="1690688"/>
+            <a:ext cx="7688247" cy="640146"/>
+          </a:xfrm>
+          <a:prstGeom prst="rect">
+            <a:avLst/>
+          </a:prstGeom>
+        </p:spPr>
+      </p:pic>
+      <p:pic>
+        <p:nvPicPr>
+          <p:cNvPr id="3" name="圖片 2"/>
+          <p:cNvPicPr>
+            <a:picLocks noChangeAspect="1"/>
+          </p:cNvPicPr>
+          <p:nvPr/>
+        </p:nvPicPr>
+        <p:blipFill>
+          <a:blip r:embed="rId3"/>
+          <a:stretch>
+            <a:fillRect/>
+          </a:stretch>
+        </p:blipFill>
+        <p:spPr>
+          <a:xfrm>
+            <a:off x="1942289" y="2583752"/>
+            <a:ext cx="8307421" cy="3883442"/>
+          </a:xfrm>
+          <a:prstGeom prst="rect">
+            <a:avLst/>
+          </a:prstGeom>
+        </p:spPr>
+      </p:pic>
+    </p:spTree>
+    <p:extLst>
+      <p:ext uri="{BB962C8B-B14F-4D97-AF65-F5344CB8AC3E}">
+        <p14:creationId xmlns:p14="http://schemas.microsoft.com/office/powerpoint/2010/main" val="1958282983"/>
+      </p:ext>
+    </p:extLst>
+  </p:cSld>
+  <p:clrMapOvr>
+    <a:masterClrMapping/>
+  </p:clrMapOvr>
+</p:sld>
+</file>
+
+<file path=ppt/slides/slide12.xml><?xml version="1.0" encoding="utf-8"?>
+<p:sld xmlns:a="http://schemas.openxmlformats.org/drawingml/2006/main" xmlns:r="http://schemas.openxmlformats.org/officeDocument/2006/relationships" xmlns:p="http://schemas.openxmlformats.org/presentationml/2006/main">
+  <p:cSld>
+    <p:spTree>
+      <p:nvGrpSpPr>
+        <p:cNvPr id="1" name=""/>
+        <p:cNvGrpSpPr/>
+        <p:nvPr/>
+      </p:nvGrpSpPr>
+      <p:grpSpPr>
+        <a:xfrm>
+          <a:off x="0" y="0"/>
+          <a:ext cx="0" cy="0"/>
+          <a:chOff x="0" y="0"/>
+          <a:chExt cx="0" cy="0"/>
+        </a:xfrm>
+      </p:grpSpPr>
+      <p:sp>
+        <p:nvSpPr>
+          <p:cNvPr id="2" name="標題 1"/>
+          <p:cNvSpPr>
+            <a:spLocks noGrp="1"/>
+          </p:cNvSpPr>
+          <p:nvPr>
+            <p:ph type="title"/>
+          </p:nvPr>
+        </p:nvSpPr>
+        <p:spPr/>
+        <p:txBody>
+          <a:bodyPr/>
+          <a:lstStyle/>
+          <a:p>
+            <a:r>
+              <a:rPr lang="zh-TW" altLang="en-US" dirty="0" smtClean="0"/>
+              <a:t>實驗</a:t>
+            </a:r>
+            <a:r>
+              <a:rPr lang="en-US" altLang="zh-TW" dirty="0" smtClean="0"/>
+              <a:t>1-2(</a:t>
+            </a:r>
+            <a:r>
+              <a:rPr lang="zh-TW" altLang="en-US" dirty="0" smtClean="0"/>
+              <a:t>軟體模擬</a:t>
+            </a:r>
+            <a:r>
+              <a:rPr lang="en-US" altLang="zh-TW" dirty="0"/>
+              <a:t>)</a:t>
+            </a:r>
+            <a:endParaRPr lang="zh-TW" altLang="en-US" dirty="0"/>
+          </a:p>
+        </p:txBody>
+      </p:sp>
+      <p:pic>
+        <p:nvPicPr>
+          <p:cNvPr id="7" name="圖片 6"/>
+          <p:cNvPicPr>
+            <a:picLocks noChangeAspect="1"/>
+          </p:cNvPicPr>
+          <p:nvPr/>
+        </p:nvPicPr>
+        <p:blipFill>
+          <a:blip r:embed="rId2"/>
+          <a:stretch>
+            <a:fillRect/>
+          </a:stretch>
+        </p:blipFill>
+        <p:spPr>
+          <a:xfrm>
+            <a:off x="838200" y="1690688"/>
+            <a:ext cx="7688247" cy="640146"/>
+          </a:xfrm>
+          <a:prstGeom prst="rect">
+            <a:avLst/>
+          </a:prstGeom>
+        </p:spPr>
+      </p:pic>
+      <p:pic>
+        <p:nvPicPr>
+          <p:cNvPr id="3" name="圖片 2"/>
+          <p:cNvPicPr>
+            <a:picLocks noChangeAspect="1"/>
+          </p:cNvPicPr>
+          <p:nvPr/>
+        </p:nvPicPr>
+        <p:blipFill>
+          <a:blip r:embed="rId3" cstate="print">
+            <a:extLst>
+              <a:ext uri="{28A0092B-C50C-407E-A947-70E740481C1C}">
+                <a14:useLocalDpi xmlns:a14="http://schemas.microsoft.com/office/drawing/2010/main" val="0"/>
+              </a:ext>
+            </a:extLst>
+          </a:blip>
+          <a:stretch>
+            <a:fillRect/>
+          </a:stretch>
+        </p:blipFill>
+        <p:spPr>
+          <a:xfrm>
+            <a:off x="60325" y="2692400"/>
+            <a:ext cx="3888803" cy="3581400"/>
           </a:xfrm>
           <a:prstGeom prst="rect">
             <a:avLst/>
@@ -3123,7 +3823,1256 @@
           <p:nvPr/>
         </p:nvPicPr>
         <p:blipFill>
+          <a:blip r:embed="rId4" cstate="print">
+            <a:extLst>
+              <a:ext uri="{28A0092B-C50C-407E-A947-70E740481C1C}">
+                <a14:useLocalDpi xmlns:a14="http://schemas.microsoft.com/office/drawing/2010/main" val="0"/>
+              </a:ext>
+            </a:extLst>
+          </a:blip>
+          <a:stretch>
+            <a:fillRect/>
+          </a:stretch>
+        </p:blipFill>
+        <p:spPr>
+          <a:xfrm>
+            <a:off x="4009453" y="2692400"/>
+            <a:ext cx="3888803" cy="3581400"/>
+          </a:xfrm>
+          <a:prstGeom prst="rect">
+            <a:avLst/>
+          </a:prstGeom>
+        </p:spPr>
+      </p:pic>
+      <p:pic>
+        <p:nvPicPr>
+          <p:cNvPr id="5" name="圖片 4"/>
+          <p:cNvPicPr>
+            <a:picLocks noChangeAspect="1"/>
+          </p:cNvPicPr>
+          <p:nvPr/>
+        </p:nvPicPr>
+        <p:blipFill>
+          <a:blip r:embed="rId5" cstate="print">
+            <a:extLst>
+              <a:ext uri="{28A0092B-C50C-407E-A947-70E740481C1C}">
+                <a14:useLocalDpi xmlns:a14="http://schemas.microsoft.com/office/drawing/2010/main" val="0"/>
+              </a:ext>
+            </a:extLst>
+          </a:blip>
+          <a:stretch>
+            <a:fillRect/>
+          </a:stretch>
+        </p:blipFill>
+        <p:spPr>
+          <a:xfrm>
+            <a:off x="8018906" y="2692400"/>
+            <a:ext cx="4040494" cy="3721100"/>
+          </a:xfrm>
+          <a:prstGeom prst="rect">
+            <a:avLst/>
+          </a:prstGeom>
+        </p:spPr>
+      </p:pic>
+    </p:spTree>
+    <p:extLst>
+      <p:ext uri="{BB962C8B-B14F-4D97-AF65-F5344CB8AC3E}">
+        <p14:creationId xmlns:p14="http://schemas.microsoft.com/office/powerpoint/2010/main" val="3495108380"/>
+      </p:ext>
+    </p:extLst>
+  </p:cSld>
+  <p:clrMapOvr>
+    <a:masterClrMapping/>
+  </p:clrMapOvr>
+</p:sld>
+</file>
+
+<file path=ppt/slides/slide13.xml><?xml version="1.0" encoding="utf-8"?>
+<p:sld xmlns:a="http://schemas.openxmlformats.org/drawingml/2006/main" xmlns:r="http://schemas.openxmlformats.org/officeDocument/2006/relationships" xmlns:p="http://schemas.openxmlformats.org/presentationml/2006/main">
+  <p:cSld>
+    <p:spTree>
+      <p:nvGrpSpPr>
+        <p:cNvPr id="1" name=""/>
+        <p:cNvGrpSpPr/>
+        <p:nvPr/>
+      </p:nvGrpSpPr>
+      <p:grpSpPr>
+        <a:xfrm>
+          <a:off x="0" y="0"/>
+          <a:ext cx="0" cy="0"/>
+          <a:chOff x="0" y="0"/>
+          <a:chExt cx="0" cy="0"/>
+        </a:xfrm>
+      </p:grpSpPr>
+      <p:sp>
+        <p:nvSpPr>
+          <p:cNvPr id="2" name="標題 1"/>
+          <p:cNvSpPr>
+            <a:spLocks noGrp="1"/>
+          </p:cNvSpPr>
+          <p:nvPr>
+            <p:ph type="title"/>
+          </p:nvPr>
+        </p:nvSpPr>
+        <p:spPr/>
+        <p:txBody>
+          <a:bodyPr/>
+          <a:lstStyle/>
+          <a:p>
+            <a:r>
+              <a:rPr lang="zh-TW" altLang="en-US" dirty="0" smtClean="0"/>
+              <a:t>實驗</a:t>
+            </a:r>
+            <a:r>
+              <a:rPr lang="en-US" altLang="zh-TW" dirty="0" smtClean="0"/>
+              <a:t>1-2(</a:t>
+            </a:r>
+            <a:r>
+              <a:rPr lang="zh-TW" altLang="en-US" dirty="0" smtClean="0"/>
+              <a:t>軟體模擬</a:t>
+            </a:r>
+            <a:r>
+              <a:rPr lang="en-US" altLang="zh-TW" dirty="0"/>
+              <a:t>)</a:t>
+            </a:r>
+            <a:endParaRPr lang="zh-TW" altLang="en-US" dirty="0"/>
+          </a:p>
+        </p:txBody>
+      </p:sp>
+      <p:pic>
+        <p:nvPicPr>
+          <p:cNvPr id="7" name="圖片 6"/>
+          <p:cNvPicPr>
+            <a:picLocks noChangeAspect="1"/>
+          </p:cNvPicPr>
+          <p:nvPr/>
+        </p:nvPicPr>
+        <p:blipFill>
+          <a:blip r:embed="rId2"/>
+          <a:stretch>
+            <a:fillRect/>
+          </a:stretch>
+        </p:blipFill>
+        <p:spPr>
+          <a:xfrm>
+            <a:off x="838200" y="1690688"/>
+            <a:ext cx="7688247" cy="640146"/>
+          </a:xfrm>
+          <a:prstGeom prst="rect">
+            <a:avLst/>
+          </a:prstGeom>
+        </p:spPr>
+      </p:pic>
+      <p:pic>
+        <p:nvPicPr>
+          <p:cNvPr id="6" name="圖片 5"/>
+          <p:cNvPicPr>
+            <a:picLocks noChangeAspect="1"/>
+          </p:cNvPicPr>
+          <p:nvPr/>
+        </p:nvPicPr>
+        <p:blipFill>
+          <a:blip r:embed="rId3" cstate="print">
+            <a:extLst>
+              <a:ext uri="{28A0092B-C50C-407E-A947-70E740481C1C}">
+                <a14:useLocalDpi xmlns:a14="http://schemas.microsoft.com/office/drawing/2010/main" val="0"/>
+              </a:ext>
+            </a:extLst>
+          </a:blip>
+          <a:stretch>
+            <a:fillRect/>
+          </a:stretch>
+        </p:blipFill>
+        <p:spPr>
+          <a:xfrm>
+            <a:off x="3375979" y="2451100"/>
+            <a:ext cx="4481776" cy="4127500"/>
+          </a:xfrm>
+          <a:prstGeom prst="rect">
+            <a:avLst/>
+          </a:prstGeom>
+        </p:spPr>
+      </p:pic>
+    </p:spTree>
+    <p:extLst>
+      <p:ext uri="{BB962C8B-B14F-4D97-AF65-F5344CB8AC3E}">
+        <p14:creationId xmlns:p14="http://schemas.microsoft.com/office/powerpoint/2010/main" val="3153904139"/>
+      </p:ext>
+    </p:extLst>
+  </p:cSld>
+  <p:clrMapOvr>
+    <a:masterClrMapping/>
+  </p:clrMapOvr>
+</p:sld>
+</file>
+
+<file path=ppt/slides/slide14.xml><?xml version="1.0" encoding="utf-8"?>
+<p:sld xmlns:a="http://schemas.openxmlformats.org/drawingml/2006/main" xmlns:r="http://schemas.openxmlformats.org/officeDocument/2006/relationships" xmlns:p="http://schemas.openxmlformats.org/presentationml/2006/main">
+  <p:cSld>
+    <p:spTree>
+      <p:nvGrpSpPr>
+        <p:cNvPr id="1" name=""/>
+        <p:cNvGrpSpPr/>
+        <p:nvPr/>
+      </p:nvGrpSpPr>
+      <p:grpSpPr>
+        <a:xfrm>
+          <a:off x="0" y="0"/>
+          <a:ext cx="0" cy="0"/>
+          <a:chOff x="0" y="0"/>
+          <a:chExt cx="0" cy="0"/>
+        </a:xfrm>
+      </p:grpSpPr>
+      <p:sp>
+        <p:nvSpPr>
+          <p:cNvPr id="2" name="標題 1"/>
+          <p:cNvSpPr>
+            <a:spLocks noGrp="1"/>
+          </p:cNvSpPr>
+          <p:nvPr>
+            <p:ph type="title"/>
+          </p:nvPr>
+        </p:nvSpPr>
+        <p:spPr/>
+        <p:txBody>
+          <a:bodyPr/>
+          <a:lstStyle/>
+          <a:p>
+            <a:r>
+              <a:rPr lang="zh-TW" altLang="en-US" dirty="0" smtClean="0"/>
+              <a:t>實驗</a:t>
+            </a:r>
+            <a:r>
+              <a:rPr lang="en-US" altLang="zh-TW" dirty="0" smtClean="0"/>
+              <a:t>1-2</a:t>
+            </a:r>
+            <a:r>
+              <a:rPr lang="en-US" altLang="zh-TW" dirty="0" smtClean="0"/>
+              <a:t>(</a:t>
+            </a:r>
+            <a:r>
+              <a:rPr lang="zh-TW" altLang="en-US" dirty="0"/>
+              <a:t>實體驗證</a:t>
+            </a:r>
+            <a:r>
+              <a:rPr lang="en-US" altLang="zh-TW" dirty="0" smtClean="0"/>
+              <a:t>)</a:t>
+            </a:r>
+            <a:endParaRPr lang="zh-TW" altLang="en-US" dirty="0"/>
+          </a:p>
+        </p:txBody>
+      </p:sp>
+      <p:pic>
+        <p:nvPicPr>
+          <p:cNvPr id="7" name="圖片 6"/>
+          <p:cNvPicPr>
+            <a:picLocks noChangeAspect="1"/>
+          </p:cNvPicPr>
+          <p:nvPr/>
+        </p:nvPicPr>
+        <p:blipFill>
+          <a:blip r:embed="rId2"/>
+          <a:stretch>
+            <a:fillRect/>
+          </a:stretch>
+        </p:blipFill>
+        <p:spPr>
+          <a:xfrm>
+            <a:off x="838200" y="1690688"/>
+            <a:ext cx="7688247" cy="640146"/>
+          </a:xfrm>
+          <a:prstGeom prst="rect">
+            <a:avLst/>
+          </a:prstGeom>
+        </p:spPr>
+      </p:pic>
+      <p:pic>
+        <p:nvPicPr>
+          <p:cNvPr id="5" name="圖片 4"/>
+          <p:cNvPicPr>
+            <a:picLocks noChangeAspect="1"/>
+          </p:cNvPicPr>
+          <p:nvPr/>
+        </p:nvPicPr>
+        <p:blipFill>
+          <a:blip r:embed="rId3">
+            <a:extLst>
+              <a:ext uri="{28A0092B-C50C-407E-A947-70E740481C1C}">
+                <a14:useLocalDpi xmlns:a14="http://schemas.microsoft.com/office/drawing/2010/main" val="0"/>
+              </a:ext>
+            </a:extLst>
+          </a:blip>
+          <a:stretch>
+            <a:fillRect/>
+          </a:stretch>
+        </p:blipFill>
+        <p:spPr>
+          <a:xfrm>
+            <a:off x="1097964" y="2687312"/>
+            <a:ext cx="4663054" cy="3840162"/>
+          </a:xfrm>
+          <a:prstGeom prst="rect">
+            <a:avLst/>
+          </a:prstGeom>
+        </p:spPr>
+      </p:pic>
+      <p:pic>
+        <p:nvPicPr>
+          <p:cNvPr id="8" name="圖片 7"/>
+          <p:cNvPicPr>
+            <a:picLocks noChangeAspect="1"/>
+          </p:cNvPicPr>
+          <p:nvPr/>
+        </p:nvPicPr>
+        <p:blipFill>
+          <a:blip r:embed="rId4">
+            <a:extLst>
+              <a:ext uri="{28A0092B-C50C-407E-A947-70E740481C1C}">
+                <a14:useLocalDpi xmlns:a14="http://schemas.microsoft.com/office/drawing/2010/main" val="0"/>
+              </a:ext>
+            </a:extLst>
+          </a:blip>
+          <a:stretch>
+            <a:fillRect/>
+          </a:stretch>
+        </p:blipFill>
+        <p:spPr>
+          <a:xfrm>
+            <a:off x="5861258" y="2687312"/>
+            <a:ext cx="4663054" cy="3840162"/>
+          </a:xfrm>
+          <a:prstGeom prst="rect">
+            <a:avLst/>
+          </a:prstGeom>
+        </p:spPr>
+      </p:pic>
+    </p:spTree>
+    <p:extLst>
+      <p:ext uri="{BB962C8B-B14F-4D97-AF65-F5344CB8AC3E}">
+        <p14:creationId xmlns:p14="http://schemas.microsoft.com/office/powerpoint/2010/main" val="4205371284"/>
+      </p:ext>
+    </p:extLst>
+  </p:cSld>
+  <p:clrMapOvr>
+    <a:masterClrMapping/>
+  </p:clrMapOvr>
+</p:sld>
+</file>
+
+<file path=ppt/slides/slide15.xml><?xml version="1.0" encoding="utf-8"?>
+<p:sld xmlns:a="http://schemas.openxmlformats.org/drawingml/2006/main" xmlns:r="http://schemas.openxmlformats.org/officeDocument/2006/relationships" xmlns:p="http://schemas.openxmlformats.org/presentationml/2006/main">
+  <p:cSld>
+    <p:spTree>
+      <p:nvGrpSpPr>
+        <p:cNvPr id="1" name=""/>
+        <p:cNvGrpSpPr/>
+        <p:nvPr/>
+      </p:nvGrpSpPr>
+      <p:grpSpPr>
+        <a:xfrm>
+          <a:off x="0" y="0"/>
+          <a:ext cx="0" cy="0"/>
+          <a:chOff x="0" y="0"/>
+          <a:chExt cx="0" cy="0"/>
+        </a:xfrm>
+      </p:grpSpPr>
+      <p:sp>
+        <p:nvSpPr>
+          <p:cNvPr id="2" name="標題 1"/>
+          <p:cNvSpPr>
+            <a:spLocks noGrp="1"/>
+          </p:cNvSpPr>
+          <p:nvPr>
+            <p:ph type="title"/>
+          </p:nvPr>
+        </p:nvSpPr>
+        <p:spPr/>
+        <p:txBody>
+          <a:bodyPr/>
+          <a:lstStyle/>
+          <a:p>
+            <a:r>
+              <a:rPr lang="zh-TW" altLang="en-US" dirty="0" smtClean="0"/>
+              <a:t>實驗</a:t>
+            </a:r>
+            <a:r>
+              <a:rPr lang="en-US" altLang="zh-TW" dirty="0" smtClean="0"/>
+              <a:t>1-3</a:t>
+            </a:r>
+            <a:endParaRPr lang="zh-TW" altLang="en-US" dirty="0"/>
+          </a:p>
+        </p:txBody>
+      </p:sp>
+      <p:pic>
+        <p:nvPicPr>
+          <p:cNvPr id="7" name="圖片 6"/>
+          <p:cNvPicPr>
+            <a:picLocks noChangeAspect="1"/>
+          </p:cNvPicPr>
+          <p:nvPr/>
+        </p:nvPicPr>
+        <p:blipFill>
+          <a:blip r:embed="rId2"/>
+          <a:stretch>
+            <a:fillRect/>
+          </a:stretch>
+        </p:blipFill>
+        <p:spPr>
+          <a:xfrm>
+            <a:off x="6767420" y="2788342"/>
+            <a:ext cx="4586380" cy="3579056"/>
+          </a:xfrm>
+          <a:prstGeom prst="rect">
+            <a:avLst/>
+          </a:prstGeom>
+        </p:spPr>
+      </p:pic>
+      <p:pic>
+        <p:nvPicPr>
+          <p:cNvPr id="8" name="圖片 7"/>
+          <p:cNvPicPr>
+            <a:picLocks noChangeAspect="1"/>
+          </p:cNvPicPr>
+          <p:nvPr/>
+        </p:nvPicPr>
+        <p:blipFill>
           <a:blip r:embed="rId3"/>
+          <a:stretch>
+            <a:fillRect/>
+          </a:stretch>
+        </p:blipFill>
+        <p:spPr>
+          <a:xfrm>
+            <a:off x="838200" y="1690688"/>
+            <a:ext cx="6563641" cy="733527"/>
+          </a:xfrm>
+          <a:prstGeom prst="rect">
+            <a:avLst/>
+          </a:prstGeom>
+        </p:spPr>
+      </p:pic>
+      <mc:AlternateContent xmlns:mc="http://schemas.openxmlformats.org/markup-compatibility/2006">
+        <mc:Choice xmlns:a14="http://schemas.microsoft.com/office/drawing/2010/main" Requires="a14">
+          <p:sp>
+            <p:nvSpPr>
+              <p:cNvPr id="9" name="文字方塊 8"/>
+              <p:cNvSpPr txBox="1"/>
+              <p:nvPr/>
+            </p:nvSpPr>
+            <p:spPr>
+              <a:xfrm>
+                <a:off x="838200" y="3188856"/>
+                <a:ext cx="6130433" cy="2519985"/>
+              </a:xfrm>
+              <a:prstGeom prst="rect">
+                <a:avLst/>
+              </a:prstGeom>
+              <a:noFill/>
+            </p:spPr>
+            <p:txBody>
+              <a:bodyPr wrap="square" lIns="0" tIns="0" rIns="0" bIns="0" rtlCol="0">
+                <a:spAutoFit/>
+              </a:bodyPr>
+              <a:lstStyle/>
+              <a:p>
+                <a14:m>
+                  <m:oMathPara xmlns:m="http://schemas.openxmlformats.org/officeDocument/2006/math">
+                    <m:oMathParaPr>
+                      <m:jc m:val="centerGroup"/>
+                    </m:oMathParaPr>
+                    <m:oMath xmlns:m="http://schemas.openxmlformats.org/officeDocument/2006/math">
+                      <m:r>
+                        <a:rPr lang="en-US" altLang="zh-TW" b="0" i="1" smtClean="0">
+                          <a:latin typeface="Cambria Math" panose="02040503050406030204" pitchFamily="18" charset="0"/>
+                        </a:rPr>
+                        <m:t>𝑓𝑜𝑟𝑚𝑢𝑙𝑎</m:t>
+                      </m:r>
+                      <m:r>
+                        <a:rPr lang="en-US" altLang="zh-TW" b="0" i="1" smtClean="0">
+                          <a:latin typeface="Cambria Math" panose="02040503050406030204" pitchFamily="18" charset="0"/>
+                        </a:rPr>
+                        <m:t>:</m:t>
+                      </m:r>
+                      <m:r>
+                        <a:rPr lang="en-US" altLang="zh-TW" b="0" i="1" smtClean="0">
+                          <a:latin typeface="Cambria Math" panose="02040503050406030204" pitchFamily="18" charset="0"/>
+                        </a:rPr>
+                        <m:t>𝐼</m:t>
+                      </m:r>
+                      <m:r>
+                        <a:rPr lang="en-US" altLang="zh-TW" b="0" i="1" smtClean="0">
+                          <a:latin typeface="Cambria Math" panose="02040503050406030204" pitchFamily="18" charset="0"/>
+                        </a:rPr>
+                        <m:t>=</m:t>
+                      </m:r>
+                      <m:r>
+                        <a:rPr lang="en-US" altLang="zh-TW" b="0" i="1" smtClean="0">
+                          <a:latin typeface="Cambria Math" panose="02040503050406030204" pitchFamily="18" charset="0"/>
+                        </a:rPr>
+                        <m:t>𝐶</m:t>
+                      </m:r>
+                      <m:f>
+                        <m:fPr>
+                          <m:ctrlPr>
+                            <a:rPr lang="en-US" altLang="zh-TW" b="0" i="1" smtClean="0">
+                              <a:latin typeface="Cambria Math" panose="02040503050406030204" pitchFamily="18" charset="0"/>
+                            </a:rPr>
+                          </m:ctrlPr>
+                        </m:fPr>
+                        <m:num>
+                          <m:r>
+                            <a:rPr lang="en-US" altLang="zh-TW" b="0" i="1" smtClean="0">
+                              <a:latin typeface="Cambria Math" panose="02040503050406030204" pitchFamily="18" charset="0"/>
+                            </a:rPr>
+                            <m:t>𝑑𝑉</m:t>
+                          </m:r>
+                        </m:num>
+                        <m:den>
+                          <m:r>
+                            <a:rPr lang="en-US" altLang="zh-TW" b="0" i="1" smtClean="0">
+                              <a:latin typeface="Cambria Math" panose="02040503050406030204" pitchFamily="18" charset="0"/>
+                            </a:rPr>
+                            <m:t>𝑑𝑡</m:t>
+                          </m:r>
+                        </m:den>
+                      </m:f>
+                    </m:oMath>
+                  </m:oMathPara>
+                </a14:m>
+                <a:endParaRPr lang="en-US" altLang="zh-TW" dirty="0" smtClean="0"/>
+              </a:p>
+              <a:p>
+                <a:endParaRPr lang="en-US" altLang="zh-TW" dirty="0" smtClean="0"/>
+              </a:p>
+              <a:p>
+                <a14:m>
+                  <m:oMathPara xmlns:m="http://schemas.openxmlformats.org/officeDocument/2006/math">
+                    <m:oMathParaPr>
+                      <m:jc m:val="centerGroup"/>
+                    </m:oMathParaPr>
+                    <m:oMath xmlns:m="http://schemas.openxmlformats.org/officeDocument/2006/math">
+                      <m:r>
+                        <a:rPr lang="en-US" altLang="zh-TW" b="0" i="1" smtClean="0">
+                          <a:latin typeface="Cambria Math" panose="02040503050406030204" pitchFamily="18" charset="0"/>
+                        </a:rPr>
+                        <m:t>𝑖</m:t>
+                      </m:r>
+                      <m:r>
+                        <a:rPr lang="en-US" altLang="zh-TW" b="0" i="1" smtClean="0">
+                          <a:latin typeface="Cambria Math" panose="02040503050406030204" pitchFamily="18" charset="0"/>
+                        </a:rPr>
+                        <m:t>=</m:t>
+                      </m:r>
+                      <m:f>
+                        <m:fPr>
+                          <m:ctrlPr>
+                            <a:rPr lang="en-US" altLang="zh-TW" b="0" i="1" smtClean="0">
+                              <a:latin typeface="Cambria Math" panose="02040503050406030204" pitchFamily="18" charset="0"/>
+                            </a:rPr>
+                          </m:ctrlPr>
+                        </m:fPr>
+                        <m:num>
+                          <m:sSub>
+                            <m:sSubPr>
+                              <m:ctrlPr>
+                                <a:rPr lang="en-US" altLang="zh-TW" b="0" i="1" smtClean="0">
+                                  <a:latin typeface="Cambria Math" panose="02040503050406030204" pitchFamily="18" charset="0"/>
+                                </a:rPr>
+                              </m:ctrlPr>
+                            </m:sSubPr>
+                            <m:e>
+                              <m:r>
+                                <a:rPr lang="en-US" altLang="zh-TW" b="0" i="1" smtClean="0">
+                                  <a:latin typeface="Cambria Math" panose="02040503050406030204" pitchFamily="18" charset="0"/>
+                                </a:rPr>
+                                <m:t>𝑉</m:t>
+                              </m:r>
+                            </m:e>
+                            <m:sub>
+                              <m:r>
+                                <a:rPr lang="en-US" altLang="zh-TW" b="0" i="1" smtClean="0">
+                                  <a:latin typeface="Cambria Math" panose="02040503050406030204" pitchFamily="18" charset="0"/>
+                                </a:rPr>
+                                <m:t>𝑖</m:t>
+                              </m:r>
+                            </m:sub>
+                          </m:sSub>
+                          <m:r>
+                            <a:rPr lang="en-US" altLang="zh-TW" b="0" i="1" smtClean="0">
+                              <a:latin typeface="Cambria Math" panose="02040503050406030204" pitchFamily="18" charset="0"/>
+                            </a:rPr>
+                            <m:t>−0</m:t>
+                          </m:r>
+                        </m:num>
+                        <m:den>
+                          <m:sSub>
+                            <m:sSubPr>
+                              <m:ctrlPr>
+                                <a:rPr lang="en-US" altLang="zh-TW" b="0" i="1" smtClean="0">
+                                  <a:latin typeface="Cambria Math" panose="02040503050406030204" pitchFamily="18" charset="0"/>
+                                </a:rPr>
+                              </m:ctrlPr>
+                            </m:sSubPr>
+                            <m:e>
+                              <m:r>
+                                <a:rPr lang="en-US" altLang="zh-TW" b="0" i="1" smtClean="0">
+                                  <a:latin typeface="Cambria Math" panose="02040503050406030204" pitchFamily="18" charset="0"/>
+                                </a:rPr>
+                                <m:t>𝑅</m:t>
+                              </m:r>
+                            </m:e>
+                            <m:sub>
+                              <m:r>
+                                <a:rPr lang="en-US" altLang="zh-TW" b="0" i="1" smtClean="0">
+                                  <a:latin typeface="Cambria Math" panose="02040503050406030204" pitchFamily="18" charset="0"/>
+                                </a:rPr>
+                                <m:t>𝑖</m:t>
+                              </m:r>
+                            </m:sub>
+                          </m:sSub>
+                        </m:den>
+                      </m:f>
+                      <m:r>
+                        <a:rPr lang="en-US" altLang="zh-TW" b="0" i="1" smtClean="0">
+                          <a:latin typeface="Cambria Math" panose="02040503050406030204" pitchFamily="18" charset="0"/>
+                        </a:rPr>
+                        <m:t>=</m:t>
+                      </m:r>
+                      <m:f>
+                        <m:fPr>
+                          <m:ctrlPr>
+                            <a:rPr lang="en-US" altLang="zh-TW" b="0" i="1" smtClean="0">
+                              <a:latin typeface="Cambria Math" panose="02040503050406030204" pitchFamily="18" charset="0"/>
+                            </a:rPr>
+                          </m:ctrlPr>
+                        </m:fPr>
+                        <m:num>
+                          <m:sSub>
+                            <m:sSubPr>
+                              <m:ctrlPr>
+                                <a:rPr lang="en-US" altLang="zh-TW" b="0" i="1" smtClean="0">
+                                  <a:latin typeface="Cambria Math" panose="02040503050406030204" pitchFamily="18" charset="0"/>
+                                </a:rPr>
+                              </m:ctrlPr>
+                            </m:sSubPr>
+                            <m:e>
+                              <m:r>
+                                <a:rPr lang="en-US" altLang="zh-TW" b="0" i="1" smtClean="0">
+                                  <a:latin typeface="Cambria Math" panose="02040503050406030204" pitchFamily="18" charset="0"/>
+                                </a:rPr>
+                                <m:t>𝑉</m:t>
+                              </m:r>
+                            </m:e>
+                            <m:sub>
+                              <m:r>
+                                <a:rPr lang="en-US" altLang="zh-TW" b="0" i="1" smtClean="0">
+                                  <a:latin typeface="Cambria Math" panose="02040503050406030204" pitchFamily="18" charset="0"/>
+                                </a:rPr>
+                                <m:t>𝑖</m:t>
+                              </m:r>
+                            </m:sub>
+                          </m:sSub>
+                        </m:num>
+                        <m:den>
+                          <m:sSub>
+                            <m:sSubPr>
+                              <m:ctrlPr>
+                                <a:rPr lang="en-US" altLang="zh-TW" b="0" i="1" smtClean="0">
+                                  <a:latin typeface="Cambria Math" panose="02040503050406030204" pitchFamily="18" charset="0"/>
+                                </a:rPr>
+                              </m:ctrlPr>
+                            </m:sSubPr>
+                            <m:e>
+                              <m:r>
+                                <a:rPr lang="en-US" altLang="zh-TW" b="0" i="1" smtClean="0">
+                                  <a:latin typeface="Cambria Math" panose="02040503050406030204" pitchFamily="18" charset="0"/>
+                                </a:rPr>
+                                <m:t>𝑅</m:t>
+                              </m:r>
+                            </m:e>
+                            <m:sub>
+                              <m:r>
+                                <a:rPr lang="en-US" altLang="zh-TW" b="0" i="1" smtClean="0">
+                                  <a:latin typeface="Cambria Math" panose="02040503050406030204" pitchFamily="18" charset="0"/>
+                                </a:rPr>
+                                <m:t>𝑖</m:t>
+                              </m:r>
+                            </m:sub>
+                          </m:sSub>
+                        </m:den>
+                      </m:f>
+                      <m:r>
+                        <a:rPr lang="en-US" altLang="zh-TW" b="0" i="1" smtClean="0">
+                          <a:latin typeface="Cambria Math" panose="02040503050406030204" pitchFamily="18" charset="0"/>
+                        </a:rPr>
+                        <m:t>=</m:t>
+                      </m:r>
+                      <m:r>
+                        <a:rPr lang="en-US" altLang="zh-TW" b="0" i="1" smtClean="0">
+                          <a:latin typeface="Cambria Math" panose="02040503050406030204" pitchFamily="18" charset="0"/>
+                        </a:rPr>
+                        <m:t>𝐶</m:t>
+                      </m:r>
+                      <m:f>
+                        <m:fPr>
+                          <m:ctrlPr>
+                            <a:rPr lang="en-US" altLang="zh-TW" b="0" i="1" smtClean="0">
+                              <a:latin typeface="Cambria Math" panose="02040503050406030204" pitchFamily="18" charset="0"/>
+                            </a:rPr>
+                          </m:ctrlPr>
+                        </m:fPr>
+                        <m:num>
+                          <m:r>
+                            <a:rPr lang="en-US" altLang="zh-TW" b="0" i="1" smtClean="0">
+                              <a:latin typeface="Cambria Math" panose="02040503050406030204" pitchFamily="18" charset="0"/>
+                            </a:rPr>
+                            <m:t>𝑑</m:t>
+                          </m:r>
+                          <m:d>
+                            <m:dPr>
+                              <m:ctrlPr>
+                                <a:rPr lang="en-US" altLang="zh-TW" b="0" i="1" smtClean="0">
+                                  <a:latin typeface="Cambria Math" panose="02040503050406030204" pitchFamily="18" charset="0"/>
+                                </a:rPr>
+                              </m:ctrlPr>
+                            </m:dPr>
+                            <m:e>
+                              <m:r>
+                                <a:rPr lang="en-US" altLang="zh-TW" b="0" i="1" smtClean="0">
+                                  <a:latin typeface="Cambria Math" panose="02040503050406030204" pitchFamily="18" charset="0"/>
+                                </a:rPr>
+                                <m:t>0−</m:t>
+                              </m:r>
+                              <m:sSub>
+                                <m:sSubPr>
+                                  <m:ctrlPr>
+                                    <a:rPr lang="en-US" altLang="zh-TW" b="0" i="1" smtClean="0">
+                                      <a:latin typeface="Cambria Math" panose="02040503050406030204" pitchFamily="18" charset="0"/>
+                                    </a:rPr>
+                                  </m:ctrlPr>
+                                </m:sSubPr>
+                                <m:e>
+                                  <m:r>
+                                    <a:rPr lang="en-US" altLang="zh-TW" b="0" i="1" smtClean="0">
+                                      <a:latin typeface="Cambria Math" panose="02040503050406030204" pitchFamily="18" charset="0"/>
+                                    </a:rPr>
+                                    <m:t>𝑉</m:t>
+                                  </m:r>
+                                </m:e>
+                                <m:sub>
+                                  <m:r>
+                                    <a:rPr lang="en-US" altLang="zh-TW" b="0" i="1" smtClean="0">
+                                      <a:latin typeface="Cambria Math" panose="02040503050406030204" pitchFamily="18" charset="0"/>
+                                    </a:rPr>
+                                    <m:t>𝑜</m:t>
+                                  </m:r>
+                                </m:sub>
+                              </m:sSub>
+                            </m:e>
+                          </m:d>
+                        </m:num>
+                        <m:den>
+                          <m:r>
+                            <a:rPr lang="en-US" altLang="zh-TW" b="0" i="1" smtClean="0">
+                              <a:latin typeface="Cambria Math" panose="02040503050406030204" pitchFamily="18" charset="0"/>
+                            </a:rPr>
+                            <m:t>𝑑𝑡</m:t>
+                          </m:r>
+                        </m:den>
+                      </m:f>
+                      <m:r>
+                        <a:rPr lang="en-US" altLang="zh-TW" b="0" i="1" smtClean="0">
+                          <a:latin typeface="Cambria Math" panose="02040503050406030204" pitchFamily="18" charset="0"/>
+                        </a:rPr>
+                        <m:t>=−</m:t>
+                      </m:r>
+                      <m:r>
+                        <a:rPr lang="en-US" altLang="zh-TW" b="0" i="1" smtClean="0">
+                          <a:latin typeface="Cambria Math" panose="02040503050406030204" pitchFamily="18" charset="0"/>
+                        </a:rPr>
+                        <m:t>𝐶</m:t>
+                      </m:r>
+                      <m:f>
+                        <m:fPr>
+                          <m:ctrlPr>
+                            <a:rPr lang="en-US" altLang="zh-TW" b="0" i="1" smtClean="0">
+                              <a:latin typeface="Cambria Math" panose="02040503050406030204" pitchFamily="18" charset="0"/>
+                            </a:rPr>
+                          </m:ctrlPr>
+                        </m:fPr>
+                        <m:num>
+                          <m:r>
+                            <a:rPr lang="en-US" altLang="zh-TW" b="0" i="1" smtClean="0">
+                              <a:latin typeface="Cambria Math" panose="02040503050406030204" pitchFamily="18" charset="0"/>
+                            </a:rPr>
+                            <m:t>𝑑</m:t>
+                          </m:r>
+                          <m:sSub>
+                            <m:sSubPr>
+                              <m:ctrlPr>
+                                <a:rPr lang="en-US" altLang="zh-TW" b="0" i="1" smtClean="0">
+                                  <a:latin typeface="Cambria Math" panose="02040503050406030204" pitchFamily="18" charset="0"/>
+                                </a:rPr>
+                              </m:ctrlPr>
+                            </m:sSubPr>
+                            <m:e>
+                              <m:r>
+                                <a:rPr lang="en-US" altLang="zh-TW" b="0" i="1" smtClean="0">
+                                  <a:latin typeface="Cambria Math" panose="02040503050406030204" pitchFamily="18" charset="0"/>
+                                </a:rPr>
+                                <m:t>𝑉</m:t>
+                              </m:r>
+                            </m:e>
+                            <m:sub>
+                              <m:r>
+                                <a:rPr lang="en-US" altLang="zh-TW" b="0" i="1" smtClean="0">
+                                  <a:latin typeface="Cambria Math" panose="02040503050406030204" pitchFamily="18" charset="0"/>
+                                </a:rPr>
+                                <m:t>0</m:t>
+                              </m:r>
+                            </m:sub>
+                          </m:sSub>
+                        </m:num>
+                        <m:den>
+                          <m:r>
+                            <a:rPr lang="en-US" altLang="zh-TW" b="0" i="1" smtClean="0">
+                              <a:latin typeface="Cambria Math" panose="02040503050406030204" pitchFamily="18" charset="0"/>
+                            </a:rPr>
+                            <m:t>𝑑𝑡</m:t>
+                          </m:r>
+                        </m:den>
+                      </m:f>
+                    </m:oMath>
+                  </m:oMathPara>
+                </a14:m>
+                <a:endParaRPr lang="en-US" altLang="zh-TW" b="0" dirty="0" smtClean="0"/>
+              </a:p>
+              <a:p>
+                <a14:m>
+                  <m:oMathPara xmlns:m="http://schemas.openxmlformats.org/officeDocument/2006/math">
+                    <m:oMathParaPr>
+                      <m:jc m:val="centerGroup"/>
+                    </m:oMathParaPr>
+                    <m:oMath xmlns:m="http://schemas.openxmlformats.org/officeDocument/2006/math">
+                      <m:r>
+                        <a:rPr lang="en-US" altLang="zh-TW" b="0" i="1" smtClean="0">
+                          <a:latin typeface="Cambria Math" panose="02040503050406030204" pitchFamily="18" charset="0"/>
+                        </a:rPr>
+                        <m:t>∴</m:t>
+                      </m:r>
+                      <m:r>
+                        <a:rPr lang="en-US" altLang="zh-TW" b="0" i="1" smtClean="0">
+                          <a:latin typeface="Cambria Math" panose="02040503050406030204" pitchFamily="18" charset="0"/>
+                        </a:rPr>
+                        <m:t>𝑑</m:t>
+                      </m:r>
+                      <m:sSub>
+                        <m:sSubPr>
+                          <m:ctrlPr>
+                            <a:rPr lang="en-US" altLang="zh-TW" b="0" i="1" smtClean="0">
+                              <a:latin typeface="Cambria Math" panose="02040503050406030204" pitchFamily="18" charset="0"/>
+                            </a:rPr>
+                          </m:ctrlPr>
+                        </m:sSubPr>
+                        <m:e>
+                          <m:r>
+                            <a:rPr lang="en-US" altLang="zh-TW" b="0" i="1" smtClean="0">
+                              <a:latin typeface="Cambria Math" panose="02040503050406030204" pitchFamily="18" charset="0"/>
+                            </a:rPr>
+                            <m:t>𝑉</m:t>
+                          </m:r>
+                        </m:e>
+                        <m:sub>
+                          <m:r>
+                            <a:rPr lang="en-US" altLang="zh-TW" b="0" i="1" smtClean="0">
+                              <a:latin typeface="Cambria Math" panose="02040503050406030204" pitchFamily="18" charset="0"/>
+                            </a:rPr>
+                            <m:t>𝑜</m:t>
+                          </m:r>
+                        </m:sub>
+                      </m:sSub>
+                      <m:r>
+                        <a:rPr lang="en-US" altLang="zh-TW" b="0" i="1" smtClean="0">
+                          <a:latin typeface="Cambria Math" panose="02040503050406030204" pitchFamily="18" charset="0"/>
+                        </a:rPr>
+                        <m:t>=−</m:t>
+                      </m:r>
+                      <m:f>
+                        <m:fPr>
+                          <m:ctrlPr>
+                            <a:rPr lang="en-US" altLang="zh-TW" b="0" i="1" smtClean="0">
+                              <a:latin typeface="Cambria Math" panose="02040503050406030204" pitchFamily="18" charset="0"/>
+                            </a:rPr>
+                          </m:ctrlPr>
+                        </m:fPr>
+                        <m:num>
+                          <m:sSub>
+                            <m:sSubPr>
+                              <m:ctrlPr>
+                                <a:rPr lang="en-US" altLang="zh-TW" b="0" i="1" smtClean="0">
+                                  <a:latin typeface="Cambria Math" panose="02040503050406030204" pitchFamily="18" charset="0"/>
+                                </a:rPr>
+                              </m:ctrlPr>
+                            </m:sSubPr>
+                            <m:e>
+                              <m:r>
+                                <a:rPr lang="en-US" altLang="zh-TW" b="0" i="1" smtClean="0">
+                                  <a:latin typeface="Cambria Math" panose="02040503050406030204" pitchFamily="18" charset="0"/>
+                                </a:rPr>
+                                <m:t>𝑉</m:t>
+                              </m:r>
+                            </m:e>
+                            <m:sub>
+                              <m:r>
+                                <a:rPr lang="en-US" altLang="zh-TW" b="0" i="1" smtClean="0">
+                                  <a:latin typeface="Cambria Math" panose="02040503050406030204" pitchFamily="18" charset="0"/>
+                                </a:rPr>
+                                <m:t>𝑖</m:t>
+                              </m:r>
+                            </m:sub>
+                          </m:sSub>
+                        </m:num>
+                        <m:den>
+                          <m:sSub>
+                            <m:sSubPr>
+                              <m:ctrlPr>
+                                <a:rPr lang="en-US" altLang="zh-TW" b="0" i="1" smtClean="0">
+                                  <a:latin typeface="Cambria Math" panose="02040503050406030204" pitchFamily="18" charset="0"/>
+                                </a:rPr>
+                              </m:ctrlPr>
+                            </m:sSubPr>
+                            <m:e>
+                              <m:r>
+                                <a:rPr lang="en-US" altLang="zh-TW" b="0" i="1" smtClean="0">
+                                  <a:latin typeface="Cambria Math" panose="02040503050406030204" pitchFamily="18" charset="0"/>
+                                </a:rPr>
+                                <m:t>𝑅</m:t>
+                              </m:r>
+                            </m:e>
+                            <m:sub>
+                              <m:r>
+                                <a:rPr lang="en-US" altLang="zh-TW" b="0" i="1" smtClean="0">
+                                  <a:latin typeface="Cambria Math" panose="02040503050406030204" pitchFamily="18" charset="0"/>
+                                </a:rPr>
+                                <m:t>𝑖</m:t>
+                              </m:r>
+                            </m:sub>
+                          </m:sSub>
+                          <m:r>
+                            <a:rPr lang="en-US" altLang="zh-TW" b="0" i="1" smtClean="0">
+                              <a:latin typeface="Cambria Math" panose="02040503050406030204" pitchFamily="18" charset="0"/>
+                            </a:rPr>
+                            <m:t>𝐶</m:t>
+                          </m:r>
+                        </m:den>
+                      </m:f>
+                      <m:r>
+                        <a:rPr lang="en-US" altLang="zh-TW" b="0" i="1" smtClean="0">
+                          <a:latin typeface="Cambria Math" panose="02040503050406030204" pitchFamily="18" charset="0"/>
+                        </a:rPr>
+                        <m:t>𝑑𝑡</m:t>
+                      </m:r>
+                    </m:oMath>
+                  </m:oMathPara>
+                </a14:m>
+                <a:endParaRPr lang="en-US" altLang="zh-TW" b="0" dirty="0" smtClean="0"/>
+              </a:p>
+              <a:p>
+                <a14:m>
+                  <m:oMathPara xmlns:m="http://schemas.openxmlformats.org/officeDocument/2006/math">
+                    <m:oMathParaPr>
+                      <m:jc m:val="centerGroup"/>
+                    </m:oMathParaPr>
+                    <m:oMath xmlns:m="http://schemas.openxmlformats.org/officeDocument/2006/math">
+                      <m:r>
+                        <a:rPr lang="en-US" altLang="zh-TW" b="0" i="1" smtClean="0">
+                          <a:latin typeface="Cambria Math" panose="02040503050406030204" pitchFamily="18" charset="0"/>
+                        </a:rPr>
+                        <m:t>∫</m:t>
+                      </m:r>
+                      <m:r>
+                        <a:rPr lang="en-US" altLang="zh-TW" b="0" i="1" smtClean="0">
+                          <a:latin typeface="Cambria Math" panose="02040503050406030204" pitchFamily="18" charset="0"/>
+                        </a:rPr>
+                        <m:t>𝑑</m:t>
+                      </m:r>
+                      <m:sSub>
+                        <m:sSubPr>
+                          <m:ctrlPr>
+                            <a:rPr lang="en-US" altLang="zh-TW" b="0" i="1" smtClean="0">
+                              <a:latin typeface="Cambria Math" panose="02040503050406030204" pitchFamily="18" charset="0"/>
+                            </a:rPr>
+                          </m:ctrlPr>
+                        </m:sSubPr>
+                        <m:e>
+                          <m:r>
+                            <a:rPr lang="en-US" altLang="zh-TW" b="0" i="1" smtClean="0">
+                              <a:latin typeface="Cambria Math" panose="02040503050406030204" pitchFamily="18" charset="0"/>
+                            </a:rPr>
+                            <m:t>𝑉</m:t>
+                          </m:r>
+                        </m:e>
+                        <m:sub>
+                          <m:r>
+                            <a:rPr lang="en-US" altLang="zh-TW" b="0" i="1" smtClean="0">
+                              <a:latin typeface="Cambria Math" panose="02040503050406030204" pitchFamily="18" charset="0"/>
+                            </a:rPr>
+                            <m:t>𝑜</m:t>
+                          </m:r>
+                        </m:sub>
+                      </m:sSub>
+                      <m:r>
+                        <a:rPr lang="en-US" altLang="zh-TW" b="0" i="1" smtClean="0">
+                          <a:latin typeface="Cambria Math" panose="02040503050406030204" pitchFamily="18" charset="0"/>
+                        </a:rPr>
+                        <m:t>=</m:t>
+                      </m:r>
+                      <m:sSub>
+                        <m:sSubPr>
+                          <m:ctrlPr>
+                            <a:rPr lang="en-US" altLang="zh-TW" b="0" i="1" smtClean="0">
+                              <a:latin typeface="Cambria Math" panose="02040503050406030204" pitchFamily="18" charset="0"/>
+                            </a:rPr>
+                          </m:ctrlPr>
+                        </m:sSubPr>
+                        <m:e>
+                          <m:r>
+                            <a:rPr lang="en-US" altLang="zh-TW" b="0" i="1" smtClean="0">
+                              <a:latin typeface="Cambria Math" panose="02040503050406030204" pitchFamily="18" charset="0"/>
+                            </a:rPr>
+                            <m:t>𝑉</m:t>
+                          </m:r>
+                        </m:e>
+                        <m:sub>
+                          <m:r>
+                            <a:rPr lang="en-US" altLang="zh-TW" b="0" i="1" smtClean="0">
+                              <a:latin typeface="Cambria Math" panose="02040503050406030204" pitchFamily="18" charset="0"/>
+                            </a:rPr>
+                            <m:t>𝑜</m:t>
+                          </m:r>
+                        </m:sub>
+                      </m:sSub>
+                      <m:r>
+                        <a:rPr lang="en-US" altLang="zh-TW" b="0" i="1" smtClean="0">
+                          <a:latin typeface="Cambria Math" panose="02040503050406030204" pitchFamily="18" charset="0"/>
+                        </a:rPr>
+                        <m:t>= −</m:t>
+                      </m:r>
+                      <m:f>
+                        <m:fPr>
+                          <m:ctrlPr>
+                            <a:rPr lang="en-US" altLang="zh-TW" b="0" i="1" smtClean="0">
+                              <a:latin typeface="Cambria Math" panose="02040503050406030204" pitchFamily="18" charset="0"/>
+                            </a:rPr>
+                          </m:ctrlPr>
+                        </m:fPr>
+                        <m:num>
+                          <m:r>
+                            <a:rPr lang="en-US" altLang="zh-TW" b="0" i="1" smtClean="0">
+                              <a:latin typeface="Cambria Math" panose="02040503050406030204" pitchFamily="18" charset="0"/>
+                            </a:rPr>
+                            <m:t>1</m:t>
+                          </m:r>
+                        </m:num>
+                        <m:den>
+                          <m:sSub>
+                            <m:sSubPr>
+                              <m:ctrlPr>
+                                <a:rPr lang="en-US" altLang="zh-TW" b="0" i="1" smtClean="0">
+                                  <a:latin typeface="Cambria Math" panose="02040503050406030204" pitchFamily="18" charset="0"/>
+                                </a:rPr>
+                              </m:ctrlPr>
+                            </m:sSubPr>
+                            <m:e>
+                              <m:r>
+                                <a:rPr lang="en-US" altLang="zh-TW" b="0" i="1" smtClean="0">
+                                  <a:latin typeface="Cambria Math" panose="02040503050406030204" pitchFamily="18" charset="0"/>
+                                </a:rPr>
+                                <m:t>𝑅</m:t>
+                              </m:r>
+                            </m:e>
+                            <m:sub>
+                              <m:r>
+                                <a:rPr lang="en-US" altLang="zh-TW" b="0" i="1" smtClean="0">
+                                  <a:latin typeface="Cambria Math" panose="02040503050406030204" pitchFamily="18" charset="0"/>
+                                </a:rPr>
+                                <m:t>𝑖</m:t>
+                              </m:r>
+                            </m:sub>
+                          </m:sSub>
+                          <m:r>
+                            <a:rPr lang="en-US" altLang="zh-TW" b="0" i="1" smtClean="0">
+                              <a:latin typeface="Cambria Math" panose="02040503050406030204" pitchFamily="18" charset="0"/>
+                            </a:rPr>
+                            <m:t>𝐶</m:t>
+                          </m:r>
+                        </m:den>
+                      </m:f>
+                      <m:r>
+                        <a:rPr lang="en-US" altLang="zh-TW" b="0" i="1" smtClean="0">
+                          <a:latin typeface="Cambria Math" panose="02040503050406030204" pitchFamily="18" charset="0"/>
+                        </a:rPr>
+                        <m:t>∫</m:t>
+                      </m:r>
+                      <m:sSub>
+                        <m:sSubPr>
+                          <m:ctrlPr>
+                            <a:rPr lang="en-US" altLang="zh-TW" b="0" i="1" smtClean="0">
+                              <a:latin typeface="Cambria Math" panose="02040503050406030204" pitchFamily="18" charset="0"/>
+                            </a:rPr>
+                          </m:ctrlPr>
+                        </m:sSubPr>
+                        <m:e>
+                          <m:r>
+                            <a:rPr lang="en-US" altLang="zh-TW" b="0" i="1" smtClean="0">
+                              <a:latin typeface="Cambria Math" panose="02040503050406030204" pitchFamily="18" charset="0"/>
+                            </a:rPr>
+                            <m:t>𝑉</m:t>
+                          </m:r>
+                        </m:e>
+                        <m:sub>
+                          <m:r>
+                            <a:rPr lang="en-US" altLang="zh-TW" b="0" i="1" smtClean="0">
+                              <a:latin typeface="Cambria Math" panose="02040503050406030204" pitchFamily="18" charset="0"/>
+                            </a:rPr>
+                            <m:t>𝑖</m:t>
+                          </m:r>
+                        </m:sub>
+                      </m:sSub>
+                      <m:r>
+                        <a:rPr lang="en-US" altLang="zh-TW" b="0" i="1" smtClean="0">
+                          <a:latin typeface="Cambria Math" panose="02040503050406030204" pitchFamily="18" charset="0"/>
+                        </a:rPr>
+                        <m:t>𝑑𝑡</m:t>
+                      </m:r>
+                      <m:r>
+                        <a:rPr lang="zh-TW" altLang="en-US" i="1">
+                          <a:latin typeface="Cambria Math" panose="02040503050406030204" pitchFamily="18" charset="0"/>
+                        </a:rPr>
+                        <m:t> </m:t>
+                      </m:r>
+                    </m:oMath>
+                  </m:oMathPara>
+                </a14:m>
+                <a:endParaRPr lang="en-US" altLang="zh-TW" b="0" dirty="0" smtClean="0"/>
+              </a:p>
+            </p:txBody>
+          </p:sp>
+        </mc:Choice>
+        <mc:Fallback>
+          <p:sp>
+            <p:nvSpPr>
+              <p:cNvPr id="9" name="文字方塊 8"/>
+              <p:cNvSpPr txBox="1">
+                <a:spLocks noRot="1" noChangeAspect="1" noMove="1" noResize="1" noEditPoints="1" noAdjustHandles="1" noChangeArrowheads="1" noChangeShapeType="1" noTextEdit="1"/>
+              </p:cNvSpPr>
+              <p:nvPr/>
+            </p:nvSpPr>
+            <p:spPr>
+              <a:xfrm>
+                <a:off x="838200" y="3188856"/>
+                <a:ext cx="6130433" cy="2519985"/>
+              </a:xfrm>
+              <a:prstGeom prst="rect">
+                <a:avLst/>
+              </a:prstGeom>
+              <a:blipFill>
+                <a:blip r:embed="rId4"/>
+                <a:stretch>
+                  <a:fillRect/>
+                </a:stretch>
+              </a:blipFill>
+            </p:spPr>
+            <p:txBody>
+              <a:bodyPr/>
+              <a:lstStyle/>
+              <a:p>
+                <a:r>
+                  <a:rPr lang="zh-TW" altLang="en-US">
+                    <a:noFill/>
+                  </a:rPr>
+                  <a:t> </a:t>
+                </a:r>
+              </a:p>
+            </p:txBody>
+          </p:sp>
+        </mc:Fallback>
+      </mc:AlternateContent>
+    </p:spTree>
+    <p:extLst>
+      <p:ext uri="{BB962C8B-B14F-4D97-AF65-F5344CB8AC3E}">
+        <p14:creationId xmlns:p14="http://schemas.microsoft.com/office/powerpoint/2010/main" val="1174769568"/>
+      </p:ext>
+    </p:extLst>
+  </p:cSld>
+  <p:clrMapOvr>
+    <a:masterClrMapping/>
+  </p:clrMapOvr>
+</p:sld>
+</file>
+
+<file path=ppt/slides/slide16.xml><?xml version="1.0" encoding="utf-8"?>
+<p:sld xmlns:a="http://schemas.openxmlformats.org/drawingml/2006/main" xmlns:r="http://schemas.openxmlformats.org/officeDocument/2006/relationships" xmlns:p="http://schemas.openxmlformats.org/presentationml/2006/main">
+  <p:cSld>
+    <p:spTree>
+      <p:nvGrpSpPr>
+        <p:cNvPr id="1" name=""/>
+        <p:cNvGrpSpPr/>
+        <p:nvPr/>
+      </p:nvGrpSpPr>
+      <p:grpSpPr>
+        <a:xfrm>
+          <a:off x="0" y="0"/>
+          <a:ext cx="0" cy="0"/>
+          <a:chOff x="0" y="0"/>
+          <a:chExt cx="0" cy="0"/>
+        </a:xfrm>
+      </p:grpSpPr>
+      <p:sp>
+        <p:nvSpPr>
+          <p:cNvPr id="2" name="標題 1"/>
+          <p:cNvSpPr>
+            <a:spLocks noGrp="1"/>
+          </p:cNvSpPr>
+          <p:nvPr>
+            <p:ph type="title"/>
+          </p:nvPr>
+        </p:nvSpPr>
+        <p:spPr/>
+        <p:txBody>
+          <a:bodyPr/>
+          <a:lstStyle/>
+          <a:p>
+            <a:r>
+              <a:rPr lang="zh-TW" altLang="en-US" dirty="0" smtClean="0"/>
+              <a:t>實驗</a:t>
+            </a:r>
+            <a:r>
+              <a:rPr lang="en-US" altLang="zh-TW" dirty="0" smtClean="0"/>
+              <a:t>1-3(</a:t>
+            </a:r>
+            <a:r>
+              <a:rPr lang="zh-TW" altLang="en-US" dirty="0" smtClean="0"/>
+              <a:t>軟體模擬</a:t>
+            </a:r>
+            <a:r>
+              <a:rPr lang="en-US" altLang="zh-TW" dirty="0"/>
+              <a:t>)</a:t>
+            </a:r>
+            <a:endParaRPr lang="zh-TW" altLang="en-US" dirty="0"/>
+          </a:p>
+        </p:txBody>
+      </p:sp>
+      <p:pic>
+        <p:nvPicPr>
+          <p:cNvPr id="4" name="圖片 3"/>
+          <p:cNvPicPr>
+            <a:picLocks noChangeAspect="1"/>
+          </p:cNvPicPr>
+          <p:nvPr/>
+        </p:nvPicPr>
+        <p:blipFill>
+          <a:blip r:embed="rId2"/>
           <a:stretch>
             <a:fillRect/>
           </a:stretch>
@@ -3138,10 +5087,34 @@
           </a:prstGeom>
         </p:spPr>
       </p:pic>
+      <p:pic>
+        <p:nvPicPr>
+          <p:cNvPr id="5" name="圖片 4"/>
+          <p:cNvPicPr>
+            <a:picLocks noChangeAspect="1"/>
+          </p:cNvPicPr>
+          <p:nvPr/>
+        </p:nvPicPr>
+        <p:blipFill>
+          <a:blip r:embed="rId3"/>
+          <a:stretch>
+            <a:fillRect/>
+          </a:stretch>
+        </p:blipFill>
+        <p:spPr>
+          <a:xfrm>
+            <a:off x="2219998" y="2730591"/>
+            <a:ext cx="7905780" cy="4130238"/>
+          </a:xfrm>
+          <a:prstGeom prst="rect">
+            <a:avLst/>
+          </a:prstGeom>
+        </p:spPr>
+      </p:pic>
     </p:spTree>
     <p:extLst>
       <p:ext uri="{BB962C8B-B14F-4D97-AF65-F5344CB8AC3E}">
-        <p14:creationId xmlns:p14="http://schemas.microsoft.com/office/powerpoint/2010/main" val="1174769568"/>
+        <p14:creationId xmlns:p14="http://schemas.microsoft.com/office/powerpoint/2010/main" val="403374960"/>
       </p:ext>
     </p:extLst>
   </p:cSld>
@@ -3151,7 +5124,7 @@
 </p:sld>
 </file>
 
-<file path=ppt/slides/slide11.xml><?xml version="1.0" encoding="utf-8"?>
+<file path=ppt/slides/slide17.xml><?xml version="1.0" encoding="utf-8"?>
 <p:sld xmlns:a="http://schemas.openxmlformats.org/drawingml/2006/main" xmlns:r="http://schemas.openxmlformats.org/officeDocument/2006/relationships" xmlns:p="http://schemas.openxmlformats.org/presentationml/2006/main">
   <p:cSld>
     <p:spTree>
@@ -3337,7 +5310,1415 @@
 </p:sld>
 </file>
 
-<file path=ppt/slides/slide12.xml><?xml version="1.0" encoding="utf-8"?>
+<file path=ppt/slides/slide18.xml><?xml version="1.0" encoding="utf-8"?>
+<p:sld xmlns:a="http://schemas.openxmlformats.org/drawingml/2006/main" xmlns:r="http://schemas.openxmlformats.org/officeDocument/2006/relationships" xmlns:p="http://schemas.openxmlformats.org/presentationml/2006/main">
+  <p:cSld>
+    <p:spTree>
+      <p:nvGrpSpPr>
+        <p:cNvPr id="1" name=""/>
+        <p:cNvGrpSpPr/>
+        <p:nvPr/>
+      </p:nvGrpSpPr>
+      <p:grpSpPr>
+        <a:xfrm>
+          <a:off x="0" y="0"/>
+          <a:ext cx="0" cy="0"/>
+          <a:chOff x="0" y="0"/>
+          <a:chExt cx="0" cy="0"/>
+        </a:xfrm>
+      </p:grpSpPr>
+      <p:sp>
+        <p:nvSpPr>
+          <p:cNvPr id="2" name="標題 1"/>
+          <p:cNvSpPr>
+            <a:spLocks noGrp="1"/>
+          </p:cNvSpPr>
+          <p:nvPr>
+            <p:ph type="title"/>
+          </p:nvPr>
+        </p:nvSpPr>
+        <p:spPr/>
+        <p:txBody>
+          <a:bodyPr/>
+          <a:lstStyle/>
+          <a:p>
+            <a:r>
+              <a:rPr lang="zh-TW" altLang="en-US" dirty="0" smtClean="0"/>
+              <a:t>實驗</a:t>
+            </a:r>
+            <a:r>
+              <a:rPr lang="en-US" altLang="zh-TW" dirty="0" smtClean="0"/>
+              <a:t>1-3</a:t>
+            </a:r>
+            <a:r>
+              <a:rPr lang="en-US" altLang="zh-TW" dirty="0" smtClean="0"/>
+              <a:t>(</a:t>
+            </a:r>
+            <a:r>
+              <a:rPr lang="zh-TW" altLang="en-US" dirty="0" smtClean="0"/>
+              <a:t>實體驗證</a:t>
+            </a:r>
+            <a:r>
+              <a:rPr lang="en-US" altLang="zh-TW" dirty="0" smtClean="0"/>
+              <a:t>)</a:t>
+            </a:r>
+            <a:endParaRPr lang="zh-TW" altLang="en-US" dirty="0"/>
+          </a:p>
+        </p:txBody>
+      </p:sp>
+      <p:pic>
+        <p:nvPicPr>
+          <p:cNvPr id="4" name="圖片 3"/>
+          <p:cNvPicPr>
+            <a:picLocks noChangeAspect="1"/>
+          </p:cNvPicPr>
+          <p:nvPr/>
+        </p:nvPicPr>
+        <p:blipFill>
+          <a:blip r:embed="rId2"/>
+          <a:stretch>
+            <a:fillRect/>
+          </a:stretch>
+        </p:blipFill>
+        <p:spPr>
+          <a:xfrm>
+            <a:off x="435654" y="1690688"/>
+            <a:ext cx="11019746" cy="1039903"/>
+          </a:xfrm>
+          <a:prstGeom prst="rect">
+            <a:avLst/>
+          </a:prstGeom>
+        </p:spPr>
+      </p:pic>
+      <p:pic>
+        <p:nvPicPr>
+          <p:cNvPr id="3" name="圖片 2"/>
+          <p:cNvPicPr>
+            <a:picLocks noChangeAspect="1"/>
+          </p:cNvPicPr>
+          <p:nvPr/>
+        </p:nvPicPr>
+        <p:blipFill>
+          <a:blip r:embed="rId3">
+            <a:extLst>
+              <a:ext uri="{28A0092B-C50C-407E-A947-70E740481C1C}">
+                <a14:useLocalDpi xmlns:a14="http://schemas.microsoft.com/office/drawing/2010/main" val="0"/>
+              </a:ext>
+            </a:extLst>
+          </a:blip>
+          <a:stretch>
+            <a:fillRect/>
+          </a:stretch>
+        </p:blipFill>
+        <p:spPr>
+          <a:xfrm>
+            <a:off x="3768893" y="2624402"/>
+            <a:ext cx="4797703" cy="4030070"/>
+          </a:xfrm>
+          <a:prstGeom prst="rect">
+            <a:avLst/>
+          </a:prstGeom>
+        </p:spPr>
+      </p:pic>
+    </p:spTree>
+    <p:extLst>
+      <p:ext uri="{BB962C8B-B14F-4D97-AF65-F5344CB8AC3E}">
+        <p14:creationId xmlns:p14="http://schemas.microsoft.com/office/powerpoint/2010/main" val="146173463"/>
+      </p:ext>
+    </p:extLst>
+  </p:cSld>
+  <p:clrMapOvr>
+    <a:masterClrMapping/>
+  </p:clrMapOvr>
+  <p:timing>
+    <p:tnLst>
+      <p:par>
+        <p:cTn id="1" dur="indefinite" restart="never" nodeType="tmRoot"/>
+      </p:par>
+    </p:tnLst>
+  </p:timing>
+</p:sld>
+</file>
+
+<file path=ppt/slides/slide19.xml><?xml version="1.0" encoding="utf-8"?>
+<p:sld xmlns:a="http://schemas.openxmlformats.org/drawingml/2006/main" xmlns:r="http://schemas.openxmlformats.org/officeDocument/2006/relationships" xmlns:p="http://schemas.openxmlformats.org/presentationml/2006/main">
+  <p:cSld>
+    <p:spTree>
+      <p:nvGrpSpPr>
+        <p:cNvPr id="1" name=""/>
+        <p:cNvGrpSpPr/>
+        <p:nvPr/>
+      </p:nvGrpSpPr>
+      <p:grpSpPr>
+        <a:xfrm>
+          <a:off x="0" y="0"/>
+          <a:ext cx="0" cy="0"/>
+          <a:chOff x="0" y="0"/>
+          <a:chExt cx="0" cy="0"/>
+        </a:xfrm>
+      </p:grpSpPr>
+      <p:sp>
+        <p:nvSpPr>
+          <p:cNvPr id="2" name="標題 1"/>
+          <p:cNvSpPr>
+            <a:spLocks noGrp="1"/>
+          </p:cNvSpPr>
+          <p:nvPr>
+            <p:ph type="title"/>
+          </p:nvPr>
+        </p:nvSpPr>
+        <p:spPr/>
+        <p:txBody>
+          <a:bodyPr/>
+          <a:lstStyle/>
+          <a:p>
+            <a:r>
+              <a:rPr lang="zh-TW" altLang="en-US" dirty="0" smtClean="0"/>
+              <a:t>實驗</a:t>
+            </a:r>
+            <a:r>
+              <a:rPr lang="en-US" altLang="zh-TW" dirty="0" smtClean="0"/>
+              <a:t>1-4(</a:t>
+            </a:r>
+            <a:r>
+              <a:rPr lang="zh-TW" altLang="en-US" dirty="0" smtClean="0"/>
+              <a:t>軟體模擬</a:t>
+            </a:r>
+            <a:r>
+              <a:rPr lang="en-US" altLang="zh-TW" dirty="0"/>
+              <a:t>)</a:t>
+            </a:r>
+            <a:endParaRPr lang="zh-TW" altLang="en-US" dirty="0"/>
+          </a:p>
+        </p:txBody>
+      </p:sp>
+      <p:pic>
+        <p:nvPicPr>
+          <p:cNvPr id="3" name="圖片 2"/>
+          <p:cNvPicPr>
+            <a:picLocks noChangeAspect="1"/>
+          </p:cNvPicPr>
+          <p:nvPr/>
+        </p:nvPicPr>
+        <p:blipFill>
+          <a:blip r:embed="rId2"/>
+          <a:stretch>
+            <a:fillRect/>
+          </a:stretch>
+        </p:blipFill>
+        <p:spPr>
+          <a:xfrm>
+            <a:off x="343250" y="1690688"/>
+            <a:ext cx="11505499" cy="983967"/>
+          </a:xfrm>
+          <a:prstGeom prst="rect">
+            <a:avLst/>
+          </a:prstGeom>
+        </p:spPr>
+      </p:pic>
+      <p:pic>
+        <p:nvPicPr>
+          <p:cNvPr id="5" name="圖片 4"/>
+          <p:cNvPicPr>
+            <a:picLocks noChangeAspect="1"/>
+          </p:cNvPicPr>
+          <p:nvPr/>
+        </p:nvPicPr>
+        <p:blipFill>
+          <a:blip r:embed="rId3"/>
+          <a:stretch>
+            <a:fillRect/>
+          </a:stretch>
+        </p:blipFill>
+        <p:spPr>
+          <a:xfrm>
+            <a:off x="6596512" y="2674655"/>
+            <a:ext cx="5060391" cy="4006143"/>
+          </a:xfrm>
+          <a:prstGeom prst="rect">
+            <a:avLst/>
+          </a:prstGeom>
+        </p:spPr>
+      </p:pic>
+      <mc:AlternateContent xmlns:mc="http://schemas.openxmlformats.org/markup-compatibility/2006">
+        <mc:Choice xmlns:a14="http://schemas.microsoft.com/office/drawing/2010/main" Requires="a14">
+          <p:sp>
+            <p:nvSpPr>
+              <p:cNvPr id="6" name="文字方塊 5"/>
+              <p:cNvSpPr txBox="1"/>
+              <p:nvPr/>
+            </p:nvSpPr>
+            <p:spPr>
+              <a:xfrm>
+                <a:off x="1068404" y="3776646"/>
+                <a:ext cx="4870384" cy="1944443"/>
+              </a:xfrm>
+              <a:prstGeom prst="rect">
+                <a:avLst/>
+              </a:prstGeom>
+              <a:noFill/>
+            </p:spPr>
+            <p:txBody>
+              <a:bodyPr wrap="square" lIns="0" tIns="0" rIns="0" bIns="0" rtlCol="0">
+                <a:spAutoFit/>
+              </a:bodyPr>
+              <a:lstStyle/>
+              <a:p>
+                <a14:m>
+                  <m:oMathPara xmlns:m="http://schemas.openxmlformats.org/officeDocument/2006/math">
+                    <m:oMathParaPr>
+                      <m:jc m:val="centerGroup"/>
+                    </m:oMathParaPr>
+                    <m:oMath xmlns:m="http://schemas.openxmlformats.org/officeDocument/2006/math">
+                      <m:r>
+                        <a:rPr lang="en-US" altLang="zh-TW" b="0" i="1" smtClean="0">
+                          <a:latin typeface="Cambria Math" panose="02040503050406030204" pitchFamily="18" charset="0"/>
+                        </a:rPr>
+                        <m:t>𝑓𝑜𝑟𝑚𝑢𝑙𝑎</m:t>
+                      </m:r>
+                      <m:r>
+                        <a:rPr lang="en-US" altLang="zh-TW" b="0" i="1" smtClean="0">
+                          <a:latin typeface="Cambria Math" panose="02040503050406030204" pitchFamily="18" charset="0"/>
+                        </a:rPr>
+                        <m:t> :</m:t>
+                      </m:r>
+                      <m:r>
+                        <a:rPr lang="en-US" altLang="zh-TW" b="0" i="1" smtClean="0">
+                          <a:latin typeface="Cambria Math" panose="02040503050406030204" pitchFamily="18" charset="0"/>
+                        </a:rPr>
+                        <m:t>𝑖</m:t>
+                      </m:r>
+                      <m:r>
+                        <a:rPr lang="en-US" altLang="zh-TW" b="0" i="1" smtClean="0">
+                          <a:latin typeface="Cambria Math" panose="02040503050406030204" pitchFamily="18" charset="0"/>
+                        </a:rPr>
+                        <m:t>=</m:t>
+                      </m:r>
+                      <m:r>
+                        <a:rPr lang="en-US" altLang="zh-TW" b="0" i="1" smtClean="0">
+                          <a:latin typeface="Cambria Math" panose="02040503050406030204" pitchFamily="18" charset="0"/>
+                        </a:rPr>
+                        <m:t>𝐶</m:t>
+                      </m:r>
+                      <m:f>
+                        <m:fPr>
+                          <m:ctrlPr>
+                            <a:rPr lang="en-US" altLang="zh-TW" b="0" i="1" smtClean="0">
+                              <a:latin typeface="Cambria Math" panose="02040503050406030204" pitchFamily="18" charset="0"/>
+                            </a:rPr>
+                          </m:ctrlPr>
+                        </m:fPr>
+                        <m:num>
+                          <m:r>
+                            <a:rPr lang="en-US" altLang="zh-TW" b="0" i="1" smtClean="0">
+                              <a:latin typeface="Cambria Math" panose="02040503050406030204" pitchFamily="18" charset="0"/>
+                            </a:rPr>
+                            <m:t>𝑑𝑉</m:t>
+                          </m:r>
+                        </m:num>
+                        <m:den>
+                          <m:r>
+                            <a:rPr lang="en-US" altLang="zh-TW" b="0" i="1" smtClean="0">
+                              <a:latin typeface="Cambria Math" panose="02040503050406030204" pitchFamily="18" charset="0"/>
+                            </a:rPr>
+                            <m:t>𝑑𝑡</m:t>
+                          </m:r>
+                        </m:den>
+                      </m:f>
+                    </m:oMath>
+                  </m:oMathPara>
+                </a14:m>
+                <a:endParaRPr lang="en-US" altLang="zh-TW" dirty="0" smtClean="0"/>
+              </a:p>
+              <a:p>
+                <a:endParaRPr lang="en-US" altLang="zh-TW" dirty="0"/>
+              </a:p>
+              <a:p>
+                <a14:m>
+                  <m:oMathPara xmlns:m="http://schemas.openxmlformats.org/officeDocument/2006/math">
+                    <m:oMathParaPr>
+                      <m:jc m:val="centerGroup"/>
+                    </m:oMathParaPr>
+                    <m:oMath xmlns:m="http://schemas.openxmlformats.org/officeDocument/2006/math">
+                      <m:r>
+                        <a:rPr lang="en-US" altLang="zh-TW" b="0" i="1" smtClean="0">
+                          <a:latin typeface="Cambria Math" panose="02040503050406030204" pitchFamily="18" charset="0"/>
+                        </a:rPr>
+                        <m:t>𝑖</m:t>
+                      </m:r>
+                      <m:r>
+                        <a:rPr lang="en-US" altLang="zh-TW" b="0" i="1" smtClean="0">
+                          <a:latin typeface="Cambria Math" panose="02040503050406030204" pitchFamily="18" charset="0"/>
+                        </a:rPr>
+                        <m:t>=</m:t>
+                      </m:r>
+                      <m:r>
+                        <a:rPr lang="en-US" altLang="zh-TW" b="0" i="1" smtClean="0">
+                          <a:latin typeface="Cambria Math" panose="02040503050406030204" pitchFamily="18" charset="0"/>
+                        </a:rPr>
+                        <m:t>𝐶</m:t>
+                      </m:r>
+                      <m:f>
+                        <m:fPr>
+                          <m:ctrlPr>
+                            <a:rPr lang="en-US" altLang="zh-TW" b="0" i="1" smtClean="0">
+                              <a:latin typeface="Cambria Math" panose="02040503050406030204" pitchFamily="18" charset="0"/>
+                            </a:rPr>
+                          </m:ctrlPr>
+                        </m:fPr>
+                        <m:num>
+                          <m:r>
+                            <a:rPr lang="en-US" altLang="zh-TW" b="0" i="1" smtClean="0">
+                              <a:latin typeface="Cambria Math" panose="02040503050406030204" pitchFamily="18" charset="0"/>
+                            </a:rPr>
+                            <m:t>𝑑</m:t>
+                          </m:r>
+                          <m:d>
+                            <m:dPr>
+                              <m:ctrlPr>
+                                <a:rPr lang="en-US" altLang="zh-TW" b="0" i="1" smtClean="0">
+                                  <a:latin typeface="Cambria Math" panose="02040503050406030204" pitchFamily="18" charset="0"/>
+                                </a:rPr>
+                              </m:ctrlPr>
+                            </m:dPr>
+                            <m:e>
+                              <m:sSub>
+                                <m:sSubPr>
+                                  <m:ctrlPr>
+                                    <a:rPr lang="en-US" altLang="zh-TW" b="0" i="1" smtClean="0">
+                                      <a:latin typeface="Cambria Math" panose="02040503050406030204" pitchFamily="18" charset="0"/>
+                                    </a:rPr>
+                                  </m:ctrlPr>
+                                </m:sSubPr>
+                                <m:e>
+                                  <m:r>
+                                    <a:rPr lang="en-US" altLang="zh-TW" b="0" i="1" smtClean="0">
+                                      <a:latin typeface="Cambria Math" panose="02040503050406030204" pitchFamily="18" charset="0"/>
+                                    </a:rPr>
+                                    <m:t>𝑉</m:t>
+                                  </m:r>
+                                </m:e>
+                                <m:sub>
+                                  <m:r>
+                                    <a:rPr lang="en-US" altLang="zh-TW" b="0" i="1" smtClean="0">
+                                      <a:latin typeface="Cambria Math" panose="02040503050406030204" pitchFamily="18" charset="0"/>
+                                    </a:rPr>
+                                    <m:t>𝑖</m:t>
+                                  </m:r>
+                                </m:sub>
+                              </m:sSub>
+                              <m:r>
+                                <a:rPr lang="en-US" altLang="zh-TW" b="0" i="1" smtClean="0">
+                                  <a:latin typeface="Cambria Math" panose="02040503050406030204" pitchFamily="18" charset="0"/>
+                                </a:rPr>
+                                <m:t>−0</m:t>
+                              </m:r>
+                            </m:e>
+                          </m:d>
+                        </m:num>
+                        <m:den>
+                          <m:r>
+                            <a:rPr lang="en-US" altLang="zh-TW" b="0" i="1" smtClean="0">
+                              <a:latin typeface="Cambria Math" panose="02040503050406030204" pitchFamily="18" charset="0"/>
+                            </a:rPr>
+                            <m:t>𝑑𝑡</m:t>
+                          </m:r>
+                        </m:den>
+                      </m:f>
+                      <m:r>
+                        <a:rPr lang="en-US" altLang="zh-TW" b="0" i="1" smtClean="0">
+                          <a:latin typeface="Cambria Math" panose="02040503050406030204" pitchFamily="18" charset="0"/>
+                        </a:rPr>
+                        <m:t>=</m:t>
+                      </m:r>
+                      <m:f>
+                        <m:fPr>
+                          <m:ctrlPr>
+                            <a:rPr lang="en-US" altLang="zh-TW" b="0" i="1" smtClean="0">
+                              <a:latin typeface="Cambria Math" panose="02040503050406030204" pitchFamily="18" charset="0"/>
+                            </a:rPr>
+                          </m:ctrlPr>
+                        </m:fPr>
+                        <m:num>
+                          <m:r>
+                            <a:rPr lang="en-US" altLang="zh-TW" b="0" i="1" smtClean="0">
+                              <a:latin typeface="Cambria Math" panose="02040503050406030204" pitchFamily="18" charset="0"/>
+                            </a:rPr>
+                            <m:t>0−</m:t>
+                          </m:r>
+                          <m:sSub>
+                            <m:sSubPr>
+                              <m:ctrlPr>
+                                <a:rPr lang="en-US" altLang="zh-TW" b="0" i="1" smtClean="0">
+                                  <a:latin typeface="Cambria Math" panose="02040503050406030204" pitchFamily="18" charset="0"/>
+                                </a:rPr>
+                              </m:ctrlPr>
+                            </m:sSubPr>
+                            <m:e>
+                              <m:r>
+                                <a:rPr lang="en-US" altLang="zh-TW" b="0" i="1" smtClean="0">
+                                  <a:latin typeface="Cambria Math" panose="02040503050406030204" pitchFamily="18" charset="0"/>
+                                </a:rPr>
+                                <m:t>𝑉</m:t>
+                              </m:r>
+                            </m:e>
+                            <m:sub>
+                              <m:r>
+                                <a:rPr lang="en-US" altLang="zh-TW" b="0" i="1" smtClean="0">
+                                  <a:latin typeface="Cambria Math" panose="02040503050406030204" pitchFamily="18" charset="0"/>
+                                </a:rPr>
+                                <m:t>𝑜</m:t>
+                              </m:r>
+                            </m:sub>
+                          </m:sSub>
+                        </m:num>
+                        <m:den>
+                          <m:sSub>
+                            <m:sSubPr>
+                              <m:ctrlPr>
+                                <a:rPr lang="en-US" altLang="zh-TW" b="0" i="1" smtClean="0">
+                                  <a:latin typeface="Cambria Math" panose="02040503050406030204" pitchFamily="18" charset="0"/>
+                                </a:rPr>
+                              </m:ctrlPr>
+                            </m:sSubPr>
+                            <m:e>
+                              <m:r>
+                                <a:rPr lang="en-US" altLang="zh-TW" b="0" i="1" smtClean="0">
+                                  <a:latin typeface="Cambria Math" panose="02040503050406030204" pitchFamily="18" charset="0"/>
+                                </a:rPr>
+                                <m:t>𝑅</m:t>
+                              </m:r>
+                            </m:e>
+                            <m:sub>
+                              <m:r>
+                                <a:rPr lang="en-US" altLang="zh-TW" b="0" i="1" smtClean="0">
+                                  <a:latin typeface="Cambria Math" panose="02040503050406030204" pitchFamily="18" charset="0"/>
+                                </a:rPr>
+                                <m:t>𝑓</m:t>
+                              </m:r>
+                            </m:sub>
+                          </m:sSub>
+                        </m:den>
+                      </m:f>
+                    </m:oMath>
+                  </m:oMathPara>
+                </a14:m>
+                <a:endParaRPr lang="en-US" altLang="zh-TW" b="0" dirty="0" smtClean="0"/>
+              </a:p>
+              <a:p>
+                <a14:m>
+                  <m:oMathPara xmlns:m="http://schemas.openxmlformats.org/officeDocument/2006/math">
+                    <m:oMathParaPr>
+                      <m:jc m:val="centerGroup"/>
+                    </m:oMathParaPr>
+                    <m:oMath xmlns:m="http://schemas.openxmlformats.org/officeDocument/2006/math">
+                      <m:r>
+                        <a:rPr lang="en-US" altLang="zh-TW" b="0" i="1" smtClean="0">
+                          <a:latin typeface="Cambria Math" panose="02040503050406030204" pitchFamily="18" charset="0"/>
+                        </a:rPr>
+                        <m:t>∴</m:t>
+                      </m:r>
+                      <m:sSub>
+                        <m:sSubPr>
+                          <m:ctrlPr>
+                            <a:rPr lang="en-US" altLang="zh-TW" b="0" i="1" smtClean="0">
+                              <a:latin typeface="Cambria Math" panose="02040503050406030204" pitchFamily="18" charset="0"/>
+                            </a:rPr>
+                          </m:ctrlPr>
+                        </m:sSubPr>
+                        <m:e>
+                          <m:r>
+                            <a:rPr lang="en-US" altLang="zh-TW" b="0" i="1" smtClean="0">
+                              <a:latin typeface="Cambria Math" panose="02040503050406030204" pitchFamily="18" charset="0"/>
+                            </a:rPr>
+                            <m:t>𝑉</m:t>
+                          </m:r>
+                        </m:e>
+                        <m:sub>
+                          <m:r>
+                            <a:rPr lang="en-US" altLang="zh-TW" b="0" i="1" smtClean="0">
+                              <a:latin typeface="Cambria Math" panose="02040503050406030204" pitchFamily="18" charset="0"/>
+                            </a:rPr>
+                            <m:t>𝑜</m:t>
+                          </m:r>
+                        </m:sub>
+                      </m:sSub>
+                      <m:r>
+                        <a:rPr lang="en-US" altLang="zh-TW" b="0" i="1" smtClean="0">
+                          <a:latin typeface="Cambria Math" panose="02040503050406030204" pitchFamily="18" charset="0"/>
+                        </a:rPr>
+                        <m:t>=−</m:t>
+                      </m:r>
+                      <m:sSub>
+                        <m:sSubPr>
+                          <m:ctrlPr>
+                            <a:rPr lang="en-US" altLang="zh-TW" b="0" i="1" smtClean="0">
+                              <a:latin typeface="Cambria Math" panose="02040503050406030204" pitchFamily="18" charset="0"/>
+                            </a:rPr>
+                          </m:ctrlPr>
+                        </m:sSubPr>
+                        <m:e>
+                          <m:r>
+                            <a:rPr lang="en-US" altLang="zh-TW" b="0" i="1" smtClean="0">
+                              <a:latin typeface="Cambria Math" panose="02040503050406030204" pitchFamily="18" charset="0"/>
+                            </a:rPr>
+                            <m:t>𝑅</m:t>
+                          </m:r>
+                        </m:e>
+                        <m:sub>
+                          <m:r>
+                            <a:rPr lang="en-US" altLang="zh-TW" b="0" i="1" smtClean="0">
+                              <a:latin typeface="Cambria Math" panose="02040503050406030204" pitchFamily="18" charset="0"/>
+                            </a:rPr>
+                            <m:t>𝑓</m:t>
+                          </m:r>
+                        </m:sub>
+                      </m:sSub>
+                      <m:r>
+                        <a:rPr lang="en-US" altLang="zh-TW" b="0" i="1" smtClean="0">
+                          <a:latin typeface="Cambria Math" panose="02040503050406030204" pitchFamily="18" charset="0"/>
+                        </a:rPr>
+                        <m:t>𝐶</m:t>
+                      </m:r>
+                      <m:f>
+                        <m:fPr>
+                          <m:ctrlPr>
+                            <a:rPr lang="en-US" altLang="zh-TW" b="0" i="1" smtClean="0">
+                              <a:latin typeface="Cambria Math" panose="02040503050406030204" pitchFamily="18" charset="0"/>
+                            </a:rPr>
+                          </m:ctrlPr>
+                        </m:fPr>
+                        <m:num>
+                          <m:r>
+                            <a:rPr lang="en-US" altLang="zh-TW" b="0" i="1" smtClean="0">
+                              <a:latin typeface="Cambria Math" panose="02040503050406030204" pitchFamily="18" charset="0"/>
+                            </a:rPr>
+                            <m:t>𝑑</m:t>
+                          </m:r>
+                          <m:sSub>
+                            <m:sSubPr>
+                              <m:ctrlPr>
+                                <a:rPr lang="en-US" altLang="zh-TW" b="0" i="1" smtClean="0">
+                                  <a:latin typeface="Cambria Math" panose="02040503050406030204" pitchFamily="18" charset="0"/>
+                                </a:rPr>
+                              </m:ctrlPr>
+                            </m:sSubPr>
+                            <m:e>
+                              <m:r>
+                                <a:rPr lang="en-US" altLang="zh-TW" b="0" i="1" smtClean="0">
+                                  <a:latin typeface="Cambria Math" panose="02040503050406030204" pitchFamily="18" charset="0"/>
+                                </a:rPr>
+                                <m:t>𝑉</m:t>
+                              </m:r>
+                            </m:e>
+                            <m:sub>
+                              <m:r>
+                                <a:rPr lang="en-US" altLang="zh-TW" b="0" i="1" smtClean="0">
+                                  <a:latin typeface="Cambria Math" panose="02040503050406030204" pitchFamily="18" charset="0"/>
+                                </a:rPr>
+                                <m:t>𝑖</m:t>
+                              </m:r>
+                            </m:sub>
+                          </m:sSub>
+                        </m:num>
+                        <m:den>
+                          <m:r>
+                            <a:rPr lang="en-US" altLang="zh-TW" b="0" i="1" smtClean="0">
+                              <a:latin typeface="Cambria Math" panose="02040503050406030204" pitchFamily="18" charset="0"/>
+                            </a:rPr>
+                            <m:t>𝑑𝑡</m:t>
+                          </m:r>
+                        </m:den>
+                      </m:f>
+                    </m:oMath>
+                  </m:oMathPara>
+                </a14:m>
+                <a:endParaRPr lang="zh-TW" altLang="en-US" dirty="0"/>
+              </a:p>
+            </p:txBody>
+          </p:sp>
+        </mc:Choice>
+        <mc:Fallback>
+          <p:sp>
+            <p:nvSpPr>
+              <p:cNvPr id="6" name="文字方塊 5"/>
+              <p:cNvSpPr txBox="1">
+                <a:spLocks noRot="1" noChangeAspect="1" noMove="1" noResize="1" noEditPoints="1" noAdjustHandles="1" noChangeArrowheads="1" noChangeShapeType="1" noTextEdit="1"/>
+              </p:cNvSpPr>
+              <p:nvPr/>
+            </p:nvSpPr>
+            <p:spPr>
+              <a:xfrm>
+                <a:off x="1068404" y="3776646"/>
+                <a:ext cx="4870384" cy="1944443"/>
+              </a:xfrm>
+              <a:prstGeom prst="rect">
+                <a:avLst/>
+              </a:prstGeom>
+              <a:blipFill>
+                <a:blip r:embed="rId4"/>
+                <a:stretch>
+                  <a:fillRect/>
+                </a:stretch>
+              </a:blipFill>
+            </p:spPr>
+            <p:txBody>
+              <a:bodyPr/>
+              <a:lstStyle/>
+              <a:p>
+                <a:r>
+                  <a:rPr lang="zh-TW" altLang="en-US">
+                    <a:noFill/>
+                  </a:rPr>
+                  <a:t> </a:t>
+                </a:r>
+              </a:p>
+            </p:txBody>
+          </p:sp>
+        </mc:Fallback>
+      </mc:AlternateContent>
+    </p:spTree>
+    <p:extLst>
+      <p:ext uri="{BB962C8B-B14F-4D97-AF65-F5344CB8AC3E}">
+        <p14:creationId xmlns:p14="http://schemas.microsoft.com/office/powerpoint/2010/main" val="4040254271"/>
+      </p:ext>
+    </p:extLst>
+  </p:cSld>
+  <p:clrMapOvr>
+    <a:masterClrMapping/>
+  </p:clrMapOvr>
+  <p:timing>
+    <p:tnLst>
+      <p:par>
+        <p:cTn id="1" dur="indefinite" restart="never" nodeType="tmRoot"/>
+      </p:par>
+    </p:tnLst>
+  </p:timing>
+</p:sld>
+</file>
+
+<file path=ppt/slides/slide2.xml><?xml version="1.0" encoding="utf-8"?>
+<p:sld xmlns:a="http://schemas.openxmlformats.org/drawingml/2006/main" xmlns:r="http://schemas.openxmlformats.org/officeDocument/2006/relationships" xmlns:p="http://schemas.openxmlformats.org/presentationml/2006/main">
+  <p:cSld>
+    <p:spTree>
+      <p:nvGrpSpPr>
+        <p:cNvPr id="1" name=""/>
+        <p:cNvGrpSpPr/>
+        <p:nvPr/>
+      </p:nvGrpSpPr>
+      <p:grpSpPr>
+        <a:xfrm>
+          <a:off x="0" y="0"/>
+          <a:ext cx="0" cy="0"/>
+          <a:chOff x="0" y="0"/>
+          <a:chExt cx="0" cy="0"/>
+        </a:xfrm>
+      </p:grpSpPr>
+      <p:sp>
+        <p:nvSpPr>
+          <p:cNvPr id="2" name="標題 1"/>
+          <p:cNvSpPr>
+            <a:spLocks noGrp="1"/>
+          </p:cNvSpPr>
+          <p:nvPr>
+            <p:ph type="title"/>
+          </p:nvPr>
+        </p:nvSpPr>
+        <p:spPr/>
+        <p:txBody>
+          <a:bodyPr/>
+          <a:lstStyle/>
+          <a:p>
+            <a:r>
+              <a:rPr lang="zh-TW" altLang="en-US" dirty="0" smtClean="0"/>
+              <a:t>實驗</a:t>
+            </a:r>
+            <a:r>
+              <a:rPr lang="en-US" altLang="zh-TW" dirty="0" smtClean="0"/>
+              <a:t>1-1</a:t>
+            </a:r>
+            <a:endParaRPr lang="zh-TW" altLang="en-US" dirty="0"/>
+          </a:p>
+        </p:txBody>
+      </p:sp>
+      <mc:AlternateContent xmlns:mc="http://schemas.openxmlformats.org/markup-compatibility/2006">
+        <mc:Choice xmlns:a14="http://schemas.microsoft.com/office/drawing/2010/main" Requires="a14">
+          <p:sp>
+            <p:nvSpPr>
+              <p:cNvPr id="7" name="文字方塊 6"/>
+              <p:cNvSpPr txBox="1"/>
+              <p:nvPr/>
+            </p:nvSpPr>
+            <p:spPr>
+              <a:xfrm>
+                <a:off x="1124492" y="3074003"/>
+                <a:ext cx="4785420" cy="2899768"/>
+              </a:xfrm>
+              <a:prstGeom prst="rect">
+                <a:avLst/>
+              </a:prstGeom>
+              <a:noFill/>
+            </p:spPr>
+            <p:txBody>
+              <a:bodyPr wrap="square" lIns="0" tIns="0" rIns="0" bIns="0" rtlCol="0">
+                <a:spAutoFit/>
+              </a:bodyPr>
+              <a:lstStyle/>
+              <a:p>
+                <a14:m>
+                  <m:oMathPara xmlns:m="http://schemas.openxmlformats.org/officeDocument/2006/math">
+                    <m:oMathParaPr>
+                      <m:jc m:val="centerGroup"/>
+                    </m:oMathParaPr>
+                    <m:oMath xmlns:m="http://schemas.openxmlformats.org/officeDocument/2006/math">
+                      <m:r>
+                        <a:rPr lang="en-US" altLang="zh-TW" i="1" smtClean="0">
+                          <a:latin typeface="Cambria Math" panose="02040503050406030204" pitchFamily="18" charset="0"/>
+                        </a:rPr>
+                        <m:t>∵</m:t>
+                      </m:r>
+                      <m:sSub>
+                        <m:sSubPr>
+                          <m:ctrlPr>
+                            <a:rPr lang="en-US" altLang="zh-TW" b="0" i="1" smtClean="0">
+                              <a:latin typeface="Cambria Math" panose="02040503050406030204" pitchFamily="18" charset="0"/>
+                            </a:rPr>
+                          </m:ctrlPr>
+                        </m:sSubPr>
+                        <m:e>
+                          <m:r>
+                            <a:rPr lang="en-US" altLang="zh-TW" b="0" i="1" smtClean="0">
+                              <a:latin typeface="Cambria Math" panose="02040503050406030204" pitchFamily="18" charset="0"/>
+                            </a:rPr>
+                            <m:t>𝐼</m:t>
+                          </m:r>
+                        </m:e>
+                        <m:sub>
+                          <m:r>
+                            <a:rPr lang="en-US" altLang="zh-TW" b="0" i="1" smtClean="0">
+                              <a:latin typeface="Cambria Math" panose="02040503050406030204" pitchFamily="18" charset="0"/>
+                            </a:rPr>
+                            <m:t>1</m:t>
+                          </m:r>
+                        </m:sub>
+                      </m:sSub>
+                      <m:r>
+                        <a:rPr lang="en-US" altLang="zh-TW" b="0" i="1" smtClean="0">
+                          <a:latin typeface="Cambria Math" panose="02040503050406030204" pitchFamily="18" charset="0"/>
+                        </a:rPr>
+                        <m:t>=</m:t>
+                      </m:r>
+                      <m:sSub>
+                        <m:sSubPr>
+                          <m:ctrlPr>
+                            <a:rPr lang="en-US" altLang="zh-TW" b="0" i="1" smtClean="0">
+                              <a:latin typeface="Cambria Math" panose="02040503050406030204" pitchFamily="18" charset="0"/>
+                            </a:rPr>
+                          </m:ctrlPr>
+                        </m:sSubPr>
+                        <m:e>
+                          <m:r>
+                            <a:rPr lang="en-US" altLang="zh-TW" b="0" i="1" smtClean="0">
+                              <a:latin typeface="Cambria Math" panose="02040503050406030204" pitchFamily="18" charset="0"/>
+                            </a:rPr>
+                            <m:t>𝐼</m:t>
+                          </m:r>
+                        </m:e>
+                        <m:sub>
+                          <m:r>
+                            <a:rPr lang="en-US" altLang="zh-TW" b="0" i="1" smtClean="0">
+                              <a:latin typeface="Cambria Math" panose="02040503050406030204" pitchFamily="18" charset="0"/>
+                            </a:rPr>
+                            <m:t>2</m:t>
+                          </m:r>
+                        </m:sub>
+                      </m:sSub>
+                    </m:oMath>
+                  </m:oMathPara>
+                </a14:m>
+                <a:endParaRPr lang="en-US" altLang="zh-TW" b="0" dirty="0" smtClean="0"/>
+              </a:p>
+              <a:p>
+                <a:endParaRPr lang="en-US" altLang="zh-TW" b="0" dirty="0" smtClean="0"/>
+              </a:p>
+              <a:p>
+                <a14:m>
+                  <m:oMathPara xmlns:m="http://schemas.openxmlformats.org/officeDocument/2006/math">
+                    <m:oMathParaPr>
+                      <m:jc m:val="centerGroup"/>
+                    </m:oMathParaPr>
+                    <m:oMath xmlns:m="http://schemas.openxmlformats.org/officeDocument/2006/math">
+                      <m:r>
+                        <a:rPr lang="en-US" altLang="zh-TW" b="0" i="1" smtClean="0">
+                          <a:latin typeface="Cambria Math" panose="02040503050406030204" pitchFamily="18" charset="0"/>
+                        </a:rPr>
+                        <m:t>∴</m:t>
+                      </m:r>
+                      <m:f>
+                        <m:fPr>
+                          <m:ctrlPr>
+                            <a:rPr lang="en-US" altLang="zh-TW" b="0" i="1" smtClean="0">
+                              <a:latin typeface="Cambria Math" panose="02040503050406030204" pitchFamily="18" charset="0"/>
+                            </a:rPr>
+                          </m:ctrlPr>
+                        </m:fPr>
+                        <m:num>
+                          <m:sSub>
+                            <m:sSubPr>
+                              <m:ctrlPr>
+                                <a:rPr lang="en-US" altLang="zh-TW" b="0" i="1" smtClean="0">
+                                  <a:latin typeface="Cambria Math" panose="02040503050406030204" pitchFamily="18" charset="0"/>
+                                </a:rPr>
+                              </m:ctrlPr>
+                            </m:sSubPr>
+                            <m:e>
+                              <m:r>
+                                <a:rPr lang="en-US" altLang="zh-TW" b="0" i="1" smtClean="0">
+                                  <a:latin typeface="Cambria Math" panose="02040503050406030204" pitchFamily="18" charset="0"/>
+                                </a:rPr>
+                                <m:t>𝑉</m:t>
+                              </m:r>
+                            </m:e>
+                            <m:sub>
+                              <m:r>
+                                <a:rPr lang="en-US" altLang="zh-TW" b="0" i="1" smtClean="0">
+                                  <a:latin typeface="Cambria Math" panose="02040503050406030204" pitchFamily="18" charset="0"/>
+                                </a:rPr>
+                                <m:t>𝑖</m:t>
+                              </m:r>
+                            </m:sub>
+                          </m:sSub>
+                          <m:r>
+                            <a:rPr lang="en-US" altLang="zh-TW" b="0" i="1" smtClean="0">
+                              <a:latin typeface="Cambria Math" panose="02040503050406030204" pitchFamily="18" charset="0"/>
+                            </a:rPr>
+                            <m:t>−0</m:t>
+                          </m:r>
+                        </m:num>
+                        <m:den>
+                          <m:sSub>
+                            <m:sSubPr>
+                              <m:ctrlPr>
+                                <a:rPr lang="en-US" altLang="zh-TW" b="0" i="1" smtClean="0">
+                                  <a:latin typeface="Cambria Math" panose="02040503050406030204" pitchFamily="18" charset="0"/>
+                                </a:rPr>
+                              </m:ctrlPr>
+                            </m:sSubPr>
+                            <m:e>
+                              <m:r>
+                                <a:rPr lang="en-US" altLang="zh-TW" b="0" i="1" smtClean="0">
+                                  <a:latin typeface="Cambria Math" panose="02040503050406030204" pitchFamily="18" charset="0"/>
+                                </a:rPr>
+                                <m:t>𝑅</m:t>
+                              </m:r>
+                            </m:e>
+                            <m:sub>
+                              <m:r>
+                                <a:rPr lang="en-US" altLang="zh-TW" b="0" i="1" smtClean="0">
+                                  <a:latin typeface="Cambria Math" panose="02040503050406030204" pitchFamily="18" charset="0"/>
+                                </a:rPr>
+                                <m:t>𝑖</m:t>
+                              </m:r>
+                            </m:sub>
+                          </m:sSub>
+                        </m:den>
+                      </m:f>
+                      <m:r>
+                        <a:rPr lang="en-US" altLang="zh-TW" b="0" i="1" smtClean="0">
+                          <a:latin typeface="Cambria Math" panose="02040503050406030204" pitchFamily="18" charset="0"/>
+                        </a:rPr>
+                        <m:t>=</m:t>
+                      </m:r>
+                      <m:f>
+                        <m:fPr>
+                          <m:ctrlPr>
+                            <a:rPr lang="en-US" altLang="zh-TW" b="0" i="1" smtClean="0">
+                              <a:latin typeface="Cambria Math" panose="02040503050406030204" pitchFamily="18" charset="0"/>
+                            </a:rPr>
+                          </m:ctrlPr>
+                        </m:fPr>
+                        <m:num>
+                          <m:r>
+                            <a:rPr lang="en-US" altLang="zh-TW" b="0" i="1" smtClean="0">
+                              <a:latin typeface="Cambria Math" panose="02040503050406030204" pitchFamily="18" charset="0"/>
+                            </a:rPr>
+                            <m:t>0 −</m:t>
+                          </m:r>
+                          <m:sSub>
+                            <m:sSubPr>
+                              <m:ctrlPr>
+                                <a:rPr lang="en-US" altLang="zh-TW" b="0" i="1" smtClean="0">
+                                  <a:latin typeface="Cambria Math" panose="02040503050406030204" pitchFamily="18" charset="0"/>
+                                </a:rPr>
+                              </m:ctrlPr>
+                            </m:sSubPr>
+                            <m:e>
+                              <m:r>
+                                <a:rPr lang="en-US" altLang="zh-TW" b="0" i="1" smtClean="0">
+                                  <a:latin typeface="Cambria Math" panose="02040503050406030204" pitchFamily="18" charset="0"/>
+                                </a:rPr>
+                                <m:t>𝑉</m:t>
+                              </m:r>
+                            </m:e>
+                            <m:sub>
+                              <m:r>
+                                <a:rPr lang="en-US" altLang="zh-TW" b="0" i="1" smtClean="0">
+                                  <a:latin typeface="Cambria Math" panose="02040503050406030204" pitchFamily="18" charset="0"/>
+                                </a:rPr>
+                                <m:t>0</m:t>
+                              </m:r>
+                            </m:sub>
+                          </m:sSub>
+                        </m:num>
+                        <m:den>
+                          <m:sSub>
+                            <m:sSubPr>
+                              <m:ctrlPr>
+                                <a:rPr lang="en-US" altLang="zh-TW" b="0" i="1" smtClean="0">
+                                  <a:latin typeface="Cambria Math" panose="02040503050406030204" pitchFamily="18" charset="0"/>
+                                </a:rPr>
+                              </m:ctrlPr>
+                            </m:sSubPr>
+                            <m:e>
+                              <m:r>
+                                <a:rPr lang="en-US" altLang="zh-TW" b="0" i="1" smtClean="0">
+                                  <a:latin typeface="Cambria Math" panose="02040503050406030204" pitchFamily="18" charset="0"/>
+                                </a:rPr>
+                                <m:t>𝑅</m:t>
+                              </m:r>
+                            </m:e>
+                            <m:sub>
+                              <m:r>
+                                <a:rPr lang="en-US" altLang="zh-TW" b="0" i="1" smtClean="0">
+                                  <a:latin typeface="Cambria Math" panose="02040503050406030204" pitchFamily="18" charset="0"/>
+                                </a:rPr>
+                                <m:t>𝑓</m:t>
+                              </m:r>
+                            </m:sub>
+                          </m:sSub>
+                        </m:den>
+                      </m:f>
+                      <m:r>
+                        <a:rPr lang="en-US" altLang="zh-TW" b="0" i="1" smtClean="0">
+                          <a:latin typeface="Cambria Math" panose="02040503050406030204" pitchFamily="18" charset="0"/>
+                        </a:rPr>
+                        <m:t>=−</m:t>
+                      </m:r>
+                      <m:f>
+                        <m:fPr>
+                          <m:ctrlPr>
+                            <a:rPr lang="en-US" altLang="zh-TW" b="0" i="1" smtClean="0">
+                              <a:latin typeface="Cambria Math" panose="02040503050406030204" pitchFamily="18" charset="0"/>
+                            </a:rPr>
+                          </m:ctrlPr>
+                        </m:fPr>
+                        <m:num>
+                          <m:sSub>
+                            <m:sSubPr>
+                              <m:ctrlPr>
+                                <a:rPr lang="en-US" altLang="zh-TW" b="0" i="1" smtClean="0">
+                                  <a:latin typeface="Cambria Math" panose="02040503050406030204" pitchFamily="18" charset="0"/>
+                                </a:rPr>
+                              </m:ctrlPr>
+                            </m:sSubPr>
+                            <m:e>
+                              <m:r>
+                                <a:rPr lang="en-US" altLang="zh-TW" b="0" i="1" smtClean="0">
+                                  <a:latin typeface="Cambria Math" panose="02040503050406030204" pitchFamily="18" charset="0"/>
+                                </a:rPr>
+                                <m:t>𝑉</m:t>
+                              </m:r>
+                            </m:e>
+                            <m:sub>
+                              <m:r>
+                                <a:rPr lang="en-US" altLang="zh-TW" b="0" i="1" smtClean="0">
+                                  <a:latin typeface="Cambria Math" panose="02040503050406030204" pitchFamily="18" charset="0"/>
+                                </a:rPr>
+                                <m:t>𝑜</m:t>
+                              </m:r>
+                            </m:sub>
+                          </m:sSub>
+                        </m:num>
+                        <m:den>
+                          <m:sSub>
+                            <m:sSubPr>
+                              <m:ctrlPr>
+                                <a:rPr lang="en-US" altLang="zh-TW" b="0" i="1" smtClean="0">
+                                  <a:latin typeface="Cambria Math" panose="02040503050406030204" pitchFamily="18" charset="0"/>
+                                </a:rPr>
+                              </m:ctrlPr>
+                            </m:sSubPr>
+                            <m:e>
+                              <m:r>
+                                <a:rPr lang="en-US" altLang="zh-TW" b="0" i="1" smtClean="0">
+                                  <a:latin typeface="Cambria Math" panose="02040503050406030204" pitchFamily="18" charset="0"/>
+                                </a:rPr>
+                                <m:t>𝑅</m:t>
+                              </m:r>
+                            </m:e>
+                            <m:sub>
+                              <m:r>
+                                <a:rPr lang="en-US" altLang="zh-TW" b="0" i="1" smtClean="0">
+                                  <a:latin typeface="Cambria Math" panose="02040503050406030204" pitchFamily="18" charset="0"/>
+                                </a:rPr>
+                                <m:t>𝑓</m:t>
+                              </m:r>
+                            </m:sub>
+                          </m:sSub>
+                        </m:den>
+                      </m:f>
+                    </m:oMath>
+                  </m:oMathPara>
+                </a14:m>
+                <a:endParaRPr lang="en-US" altLang="zh-TW" b="0" dirty="0" smtClean="0"/>
+              </a:p>
+              <a:p>
+                <a14:m>
+                  <m:oMathPara xmlns:m="http://schemas.openxmlformats.org/officeDocument/2006/math">
+                    <m:oMathParaPr>
+                      <m:jc m:val="centerGroup"/>
+                    </m:oMathParaPr>
+                    <m:oMath xmlns:m="http://schemas.openxmlformats.org/officeDocument/2006/math">
+                      <m:f>
+                        <m:fPr>
+                          <m:ctrlPr>
+                            <a:rPr lang="en-US" altLang="zh-TW" b="0" i="1" smtClean="0">
+                              <a:latin typeface="Cambria Math" panose="02040503050406030204" pitchFamily="18" charset="0"/>
+                            </a:rPr>
+                          </m:ctrlPr>
+                        </m:fPr>
+                        <m:num>
+                          <m:sSub>
+                            <m:sSubPr>
+                              <m:ctrlPr>
+                                <a:rPr lang="en-US" altLang="zh-TW" b="0" i="1" smtClean="0">
+                                  <a:latin typeface="Cambria Math" panose="02040503050406030204" pitchFamily="18" charset="0"/>
+                                </a:rPr>
+                              </m:ctrlPr>
+                            </m:sSubPr>
+                            <m:e>
+                              <m:r>
+                                <a:rPr lang="en-US" altLang="zh-TW" b="0" i="1" smtClean="0">
+                                  <a:latin typeface="Cambria Math" panose="02040503050406030204" pitchFamily="18" charset="0"/>
+                                </a:rPr>
+                                <m:t>𝑉</m:t>
+                              </m:r>
+                            </m:e>
+                            <m:sub>
+                              <m:r>
+                                <a:rPr lang="en-US" altLang="zh-TW" b="0" i="1" smtClean="0">
+                                  <a:latin typeface="Cambria Math" panose="02040503050406030204" pitchFamily="18" charset="0"/>
+                                </a:rPr>
+                                <m:t>𝑜</m:t>
+                              </m:r>
+                            </m:sub>
+                          </m:sSub>
+                        </m:num>
+                        <m:den>
+                          <m:sSub>
+                            <m:sSubPr>
+                              <m:ctrlPr>
+                                <a:rPr lang="en-US" altLang="zh-TW" b="0" i="1" smtClean="0">
+                                  <a:latin typeface="Cambria Math" panose="02040503050406030204" pitchFamily="18" charset="0"/>
+                                </a:rPr>
+                              </m:ctrlPr>
+                            </m:sSubPr>
+                            <m:e>
+                              <m:r>
+                                <a:rPr lang="en-US" altLang="zh-TW" b="0" i="1" smtClean="0">
+                                  <a:latin typeface="Cambria Math" panose="02040503050406030204" pitchFamily="18" charset="0"/>
+                                </a:rPr>
+                                <m:t>𝑉</m:t>
+                              </m:r>
+                            </m:e>
+                            <m:sub>
+                              <m:r>
+                                <a:rPr lang="en-US" altLang="zh-TW" b="0" i="1" smtClean="0">
+                                  <a:latin typeface="Cambria Math" panose="02040503050406030204" pitchFamily="18" charset="0"/>
+                                </a:rPr>
+                                <m:t>𝑖</m:t>
+                              </m:r>
+                            </m:sub>
+                          </m:sSub>
+                        </m:den>
+                      </m:f>
+                      <m:r>
+                        <a:rPr lang="en-US" altLang="zh-TW" b="0" i="1" smtClean="0">
+                          <a:latin typeface="Cambria Math" panose="02040503050406030204" pitchFamily="18" charset="0"/>
+                        </a:rPr>
+                        <m:t>=−</m:t>
+                      </m:r>
+                      <m:f>
+                        <m:fPr>
+                          <m:ctrlPr>
+                            <a:rPr lang="en-US" altLang="zh-TW" b="0" i="1" smtClean="0">
+                              <a:latin typeface="Cambria Math" panose="02040503050406030204" pitchFamily="18" charset="0"/>
+                            </a:rPr>
+                          </m:ctrlPr>
+                        </m:fPr>
+                        <m:num>
+                          <m:sSub>
+                            <m:sSubPr>
+                              <m:ctrlPr>
+                                <a:rPr lang="en-US" altLang="zh-TW" b="0" i="1" smtClean="0">
+                                  <a:latin typeface="Cambria Math" panose="02040503050406030204" pitchFamily="18" charset="0"/>
+                                </a:rPr>
+                              </m:ctrlPr>
+                            </m:sSubPr>
+                            <m:e>
+                              <m:r>
+                                <a:rPr lang="en-US" altLang="zh-TW" b="0" i="1" smtClean="0">
+                                  <a:latin typeface="Cambria Math" panose="02040503050406030204" pitchFamily="18" charset="0"/>
+                                </a:rPr>
+                                <m:t>𝑅</m:t>
+                              </m:r>
+                            </m:e>
+                            <m:sub>
+                              <m:r>
+                                <a:rPr lang="en-US" altLang="zh-TW" b="0" i="1" smtClean="0">
+                                  <a:latin typeface="Cambria Math" panose="02040503050406030204" pitchFamily="18" charset="0"/>
+                                </a:rPr>
+                                <m:t>𝑓</m:t>
+                              </m:r>
+                            </m:sub>
+                          </m:sSub>
+                        </m:num>
+                        <m:den>
+                          <m:sSub>
+                            <m:sSubPr>
+                              <m:ctrlPr>
+                                <a:rPr lang="en-US" altLang="zh-TW" b="0" i="1" smtClean="0">
+                                  <a:latin typeface="Cambria Math" panose="02040503050406030204" pitchFamily="18" charset="0"/>
+                                </a:rPr>
+                              </m:ctrlPr>
+                            </m:sSubPr>
+                            <m:e>
+                              <m:r>
+                                <a:rPr lang="en-US" altLang="zh-TW" b="0" i="1" smtClean="0">
+                                  <a:latin typeface="Cambria Math" panose="02040503050406030204" pitchFamily="18" charset="0"/>
+                                </a:rPr>
+                                <m:t>𝑅</m:t>
+                              </m:r>
+                            </m:e>
+                            <m:sub>
+                              <m:r>
+                                <a:rPr lang="en-US" altLang="zh-TW" b="0" i="1" smtClean="0">
+                                  <a:latin typeface="Cambria Math" panose="02040503050406030204" pitchFamily="18" charset="0"/>
+                                </a:rPr>
+                                <m:t>𝑖</m:t>
+                              </m:r>
+                            </m:sub>
+                          </m:sSub>
+                        </m:den>
+                      </m:f>
+                    </m:oMath>
+                  </m:oMathPara>
+                </a14:m>
+                <a:endParaRPr lang="en-US" altLang="zh-TW" b="0" dirty="0" smtClean="0"/>
+              </a:p>
+              <a:p>
+                <a14:m>
+                  <m:oMathPara xmlns:m="http://schemas.openxmlformats.org/officeDocument/2006/math">
+                    <m:oMathParaPr>
+                      <m:jc m:val="centerGroup"/>
+                    </m:oMathParaPr>
+                    <m:oMath xmlns:m="http://schemas.openxmlformats.org/officeDocument/2006/math">
+                      <m:r>
+                        <a:rPr lang="en-US" altLang="zh-TW" b="0" i="1" smtClean="0">
+                          <a:latin typeface="Cambria Math" panose="02040503050406030204" pitchFamily="18" charset="0"/>
+                        </a:rPr>
+                        <m:t>∴</m:t>
+                      </m:r>
+                      <m:r>
+                        <a:rPr lang="en-US" altLang="zh-TW" b="0" i="1" smtClean="0">
+                          <a:latin typeface="Cambria Math" panose="02040503050406030204" pitchFamily="18" charset="0"/>
+                        </a:rPr>
+                        <m:t>𝑔𝑎𝑖𝑛</m:t>
+                      </m:r>
+                      <m:r>
+                        <a:rPr lang="en-US" altLang="zh-TW" b="0" i="1" smtClean="0">
+                          <a:latin typeface="Cambria Math" panose="02040503050406030204" pitchFamily="18" charset="0"/>
+                        </a:rPr>
+                        <m:t>=−</m:t>
+                      </m:r>
+                      <m:f>
+                        <m:fPr>
+                          <m:ctrlPr>
+                            <a:rPr lang="en-US" altLang="zh-TW" b="0" i="1" smtClean="0">
+                              <a:latin typeface="Cambria Math" panose="02040503050406030204" pitchFamily="18" charset="0"/>
+                            </a:rPr>
+                          </m:ctrlPr>
+                        </m:fPr>
+                        <m:num>
+                          <m:sSub>
+                            <m:sSubPr>
+                              <m:ctrlPr>
+                                <a:rPr lang="en-US" altLang="zh-TW" b="0" i="1" smtClean="0">
+                                  <a:latin typeface="Cambria Math" panose="02040503050406030204" pitchFamily="18" charset="0"/>
+                                </a:rPr>
+                              </m:ctrlPr>
+                            </m:sSubPr>
+                            <m:e>
+                              <m:r>
+                                <a:rPr lang="en-US" altLang="zh-TW" b="0" i="1" smtClean="0">
+                                  <a:latin typeface="Cambria Math" panose="02040503050406030204" pitchFamily="18" charset="0"/>
+                                </a:rPr>
+                                <m:t>𝑅</m:t>
+                              </m:r>
+                            </m:e>
+                            <m:sub>
+                              <m:r>
+                                <a:rPr lang="en-US" altLang="zh-TW" b="0" i="1" smtClean="0">
+                                  <a:latin typeface="Cambria Math" panose="02040503050406030204" pitchFamily="18" charset="0"/>
+                                </a:rPr>
+                                <m:t>𝑓</m:t>
+                              </m:r>
+                            </m:sub>
+                          </m:sSub>
+                        </m:num>
+                        <m:den>
+                          <m:sSub>
+                            <m:sSubPr>
+                              <m:ctrlPr>
+                                <a:rPr lang="en-US" altLang="zh-TW" b="0" i="1" smtClean="0">
+                                  <a:latin typeface="Cambria Math" panose="02040503050406030204" pitchFamily="18" charset="0"/>
+                                </a:rPr>
+                              </m:ctrlPr>
+                            </m:sSubPr>
+                            <m:e>
+                              <m:r>
+                                <a:rPr lang="en-US" altLang="zh-TW" b="0" i="1" smtClean="0">
+                                  <a:latin typeface="Cambria Math" panose="02040503050406030204" pitchFamily="18" charset="0"/>
+                                </a:rPr>
+                                <m:t>𝑅</m:t>
+                              </m:r>
+                            </m:e>
+                            <m:sub>
+                              <m:r>
+                                <a:rPr lang="en-US" altLang="zh-TW" b="0" i="1" smtClean="0">
+                                  <a:latin typeface="Cambria Math" panose="02040503050406030204" pitchFamily="18" charset="0"/>
+                                </a:rPr>
+                                <m:t>𝑖</m:t>
+                              </m:r>
+                            </m:sub>
+                          </m:sSub>
+                        </m:den>
+                      </m:f>
+                    </m:oMath>
+                  </m:oMathPara>
+                </a14:m>
+                <a:endParaRPr lang="en-US" altLang="zh-TW" b="0" dirty="0" smtClean="0"/>
+              </a:p>
+              <a:p>
+                <a:endParaRPr lang="en-US" altLang="zh-TW" b="0" dirty="0" smtClean="0"/>
+              </a:p>
+              <a:p>
+                <a:endParaRPr lang="en-US" altLang="zh-TW" b="0" dirty="0" smtClean="0"/>
+              </a:p>
+            </p:txBody>
+          </p:sp>
+        </mc:Choice>
+        <mc:Fallback>
+          <p:sp>
+            <p:nvSpPr>
+              <p:cNvPr id="7" name="文字方塊 6"/>
+              <p:cNvSpPr txBox="1">
+                <a:spLocks noRot="1" noChangeAspect="1" noMove="1" noResize="1" noEditPoints="1" noAdjustHandles="1" noChangeArrowheads="1" noChangeShapeType="1" noTextEdit="1"/>
+              </p:cNvSpPr>
+              <p:nvPr/>
+            </p:nvSpPr>
+            <p:spPr>
+              <a:xfrm>
+                <a:off x="1124492" y="3074003"/>
+                <a:ext cx="4785420" cy="2899768"/>
+              </a:xfrm>
+              <a:prstGeom prst="rect">
+                <a:avLst/>
+              </a:prstGeom>
+              <a:blipFill>
+                <a:blip r:embed="rId2"/>
+                <a:stretch>
+                  <a:fillRect/>
+                </a:stretch>
+              </a:blipFill>
+            </p:spPr>
+            <p:txBody>
+              <a:bodyPr/>
+              <a:lstStyle/>
+              <a:p>
+                <a:r>
+                  <a:rPr lang="zh-TW" altLang="en-US">
+                    <a:noFill/>
+                  </a:rPr>
+                  <a:t> </a:t>
+                </a:r>
+              </a:p>
+            </p:txBody>
+          </p:sp>
+        </mc:Fallback>
+      </mc:AlternateContent>
+      <p:pic>
+        <p:nvPicPr>
+          <p:cNvPr id="8" name="圖片 7"/>
+          <p:cNvPicPr>
+            <a:picLocks noChangeAspect="1"/>
+          </p:cNvPicPr>
+          <p:nvPr/>
+        </p:nvPicPr>
+        <p:blipFill>
+          <a:blip r:embed="rId3"/>
+          <a:stretch>
+            <a:fillRect/>
+          </a:stretch>
+        </p:blipFill>
+        <p:spPr>
+          <a:xfrm>
+            <a:off x="1124492" y="1805992"/>
+            <a:ext cx="6563641" cy="704948"/>
+          </a:xfrm>
+          <a:prstGeom prst="rect">
+            <a:avLst/>
+          </a:prstGeom>
+        </p:spPr>
+      </p:pic>
+      <p:pic>
+        <p:nvPicPr>
+          <p:cNvPr id="9" name="圖片 8"/>
+          <p:cNvPicPr>
+            <a:picLocks noChangeAspect="1"/>
+          </p:cNvPicPr>
+          <p:nvPr/>
+        </p:nvPicPr>
+        <p:blipFill>
+          <a:blip r:embed="rId4"/>
+          <a:stretch>
+            <a:fillRect/>
+          </a:stretch>
+        </p:blipFill>
+        <p:spPr>
+          <a:xfrm>
+            <a:off x="6174202" y="2626244"/>
+            <a:ext cx="4628218" cy="3516837"/>
+          </a:xfrm>
+          <a:prstGeom prst="rect">
+            <a:avLst/>
+          </a:prstGeom>
+        </p:spPr>
+      </p:pic>
+    </p:spTree>
+    <p:extLst>
+      <p:ext uri="{BB962C8B-B14F-4D97-AF65-F5344CB8AC3E}">
+        <p14:creationId xmlns:p14="http://schemas.microsoft.com/office/powerpoint/2010/main" val="4087887732"/>
+      </p:ext>
+    </p:extLst>
+  </p:cSld>
+  <p:clrMapOvr>
+    <a:masterClrMapping/>
+  </p:clrMapOvr>
+</p:sld>
+</file>
+
+<file path=ppt/slides/slide20.xml><?xml version="1.0" encoding="utf-8"?>
 <p:sld xmlns:a="http://schemas.openxmlformats.org/drawingml/2006/main" xmlns:r="http://schemas.openxmlformats.org/officeDocument/2006/relationships" xmlns:p="http://schemas.openxmlformats.org/presentationml/2006/main">
   <p:cSld>
     <p:spTree>
@@ -3440,7 +6821,7 @@
     </p:spTree>
     <p:extLst>
       <p:ext uri="{BB962C8B-B14F-4D97-AF65-F5344CB8AC3E}">
-        <p14:creationId xmlns:p14="http://schemas.microsoft.com/office/powerpoint/2010/main" val="4040254271"/>
+        <p14:creationId xmlns:p14="http://schemas.microsoft.com/office/powerpoint/2010/main" val="2128937099"/>
       </p:ext>
     </p:extLst>
   </p:cSld>
@@ -3457,7 +6838,7 @@
 </p:sld>
 </file>
 
-<file path=ppt/slides/slide13.xml><?xml version="1.0" encoding="utf-8"?>
+<file path=ppt/slides/slide21.xml><?xml version="1.0" encoding="utf-8"?>
 <p:sld xmlns:a="http://schemas.openxmlformats.org/drawingml/2006/main" xmlns:r="http://schemas.openxmlformats.org/officeDocument/2006/relationships" xmlns:p="http://schemas.openxmlformats.org/presentationml/2006/main">
   <p:cSld>
     <p:spTree>
@@ -3643,7 +7024,7 @@
 </p:sld>
 </file>
 
-<file path=ppt/slides/slide14.xml><?xml version="1.0" encoding="utf-8"?>
+<file path=ppt/slides/slide22.xml><?xml version="1.0" encoding="utf-8"?>
 <p:sld xmlns:a="http://schemas.openxmlformats.org/drawingml/2006/main" xmlns:r="http://schemas.openxmlformats.org/officeDocument/2006/relationships" xmlns:p="http://schemas.openxmlformats.org/presentationml/2006/main">
   <p:cSld>
     <p:spTree>
@@ -3681,6 +7062,136 @@
             </a:r>
             <a:r>
               <a:rPr lang="en-US" altLang="zh-TW" dirty="0" smtClean="0"/>
+              <a:t>1-4</a:t>
+            </a:r>
+            <a:r>
+              <a:rPr lang="en-US" altLang="zh-TW" dirty="0" smtClean="0"/>
+              <a:t>(</a:t>
+            </a:r>
+            <a:r>
+              <a:rPr lang="zh-TW" altLang="en-US" dirty="0" smtClean="0"/>
+              <a:t>實體驗證</a:t>
+            </a:r>
+            <a:r>
+              <a:rPr lang="en-US" altLang="zh-TW" dirty="0" smtClean="0"/>
+              <a:t>)</a:t>
+            </a:r>
+            <a:endParaRPr lang="zh-TW" altLang="en-US" dirty="0"/>
+          </a:p>
+        </p:txBody>
+      </p:sp>
+      <p:pic>
+        <p:nvPicPr>
+          <p:cNvPr id="3" name="圖片 2"/>
+          <p:cNvPicPr>
+            <a:picLocks noChangeAspect="1"/>
+          </p:cNvPicPr>
+          <p:nvPr/>
+        </p:nvPicPr>
+        <p:blipFill>
+          <a:blip r:embed="rId2"/>
+          <a:stretch>
+            <a:fillRect/>
+          </a:stretch>
+        </p:blipFill>
+        <p:spPr>
+          <a:xfrm>
+            <a:off x="343250" y="1690688"/>
+            <a:ext cx="11505499" cy="983967"/>
+          </a:xfrm>
+          <a:prstGeom prst="rect">
+            <a:avLst/>
+          </a:prstGeom>
+        </p:spPr>
+      </p:pic>
+      <p:pic>
+        <p:nvPicPr>
+          <p:cNvPr id="4" name="圖片 3"/>
+          <p:cNvPicPr>
+            <a:picLocks noChangeAspect="1"/>
+          </p:cNvPicPr>
+          <p:nvPr/>
+        </p:nvPicPr>
+        <p:blipFill>
+          <a:blip r:embed="rId3">
+            <a:extLst>
+              <a:ext uri="{28A0092B-C50C-407E-A947-70E740481C1C}">
+                <a14:useLocalDpi xmlns:a14="http://schemas.microsoft.com/office/drawing/2010/main" val="0"/>
+              </a:ext>
+            </a:extLst>
+          </a:blip>
+          <a:stretch>
+            <a:fillRect/>
+          </a:stretch>
+        </p:blipFill>
+        <p:spPr>
+          <a:xfrm>
+            <a:off x="3773615" y="2812676"/>
+            <a:ext cx="4644768" cy="3840162"/>
+          </a:xfrm>
+          <a:prstGeom prst="rect">
+            <a:avLst/>
+          </a:prstGeom>
+        </p:spPr>
+      </p:pic>
+    </p:spTree>
+    <p:extLst>
+      <p:ext uri="{BB962C8B-B14F-4D97-AF65-F5344CB8AC3E}">
+        <p14:creationId xmlns:p14="http://schemas.microsoft.com/office/powerpoint/2010/main" val="1809571077"/>
+      </p:ext>
+    </p:extLst>
+  </p:cSld>
+  <p:clrMapOvr>
+    <a:masterClrMapping/>
+  </p:clrMapOvr>
+  <p:timing>
+    <p:tnLst>
+      <p:par>
+        <p:cTn id="1" dur="indefinite" restart="never" nodeType="tmRoot"/>
+      </p:par>
+    </p:tnLst>
+  </p:timing>
+</p:sld>
+</file>
+
+<file path=ppt/slides/slide23.xml><?xml version="1.0" encoding="utf-8"?>
+<p:sld xmlns:a="http://schemas.openxmlformats.org/drawingml/2006/main" xmlns:r="http://schemas.openxmlformats.org/officeDocument/2006/relationships" xmlns:p="http://schemas.openxmlformats.org/presentationml/2006/main">
+  <p:cSld>
+    <p:spTree>
+      <p:nvGrpSpPr>
+        <p:cNvPr id="1" name=""/>
+        <p:cNvGrpSpPr/>
+        <p:nvPr/>
+      </p:nvGrpSpPr>
+      <p:grpSpPr>
+        <a:xfrm>
+          <a:off x="0" y="0"/>
+          <a:ext cx="0" cy="0"/>
+          <a:chOff x="0" y="0"/>
+          <a:chExt cx="0" cy="0"/>
+        </a:xfrm>
+      </p:grpSpPr>
+      <p:sp>
+        <p:nvSpPr>
+          <p:cNvPr id="2" name="標題 1"/>
+          <p:cNvSpPr>
+            <a:spLocks noGrp="1"/>
+          </p:cNvSpPr>
+          <p:nvPr>
+            <p:ph type="title"/>
+          </p:nvPr>
+        </p:nvSpPr>
+        <p:spPr/>
+        <p:txBody>
+          <a:bodyPr/>
+          <a:lstStyle/>
+          <a:p>
+            <a:r>
+              <a:rPr lang="zh-TW" altLang="en-US" dirty="0" smtClean="0"/>
+              <a:t>實驗</a:t>
+            </a:r>
+            <a:r>
+              <a:rPr lang="en-US" altLang="zh-TW" dirty="0" smtClean="0"/>
               <a:t>1-4(</a:t>
             </a:r>
             <a:r>
@@ -3721,22 +7232,21 @@
       </p:pic>
       <p:pic>
         <p:nvPicPr>
-          <p:cNvPr id="5" name="圖片 4"/>
+          <p:cNvPr id="3" name="圖片 2"/>
           <p:cNvPicPr>
             <a:picLocks noChangeAspect="1"/>
           </p:cNvPicPr>
           <p:nvPr/>
         </p:nvPicPr>
-        <p:blipFill>
+        <p:blipFill rotWithShape="1">
           <a:blip r:embed="rId3"/>
-          <a:stretch>
-            <a:fillRect/>
-          </a:stretch>
+          <a:srcRect l="-1" t="6941" r="-191"/>
+          <a:stretch/>
         </p:blipFill>
         <p:spPr>
           <a:xfrm>
-            <a:off x="2010913" y="2457824"/>
-            <a:ext cx="7133087" cy="3751535"/>
+            <a:off x="2150669" y="2550695"/>
+            <a:ext cx="7233961" cy="3696972"/>
           </a:xfrm>
           <a:prstGeom prst="rect">
             <a:avLst/>
@@ -3763,7 +7273,7 @@
 </p:sld>
 </file>
 
-<file path=ppt/slides/slide15.xml><?xml version="1.0" encoding="utf-8"?>
+<file path=ppt/slides/slide24.xml><?xml version="1.0" encoding="utf-8"?>
 <p:sld xmlns:a="http://schemas.openxmlformats.org/drawingml/2006/main" xmlns:r="http://schemas.openxmlformats.org/officeDocument/2006/relationships" xmlns:p="http://schemas.openxmlformats.org/presentationml/2006/main">
   <p:cSld>
     <p:spTree>
@@ -3949,7 +7459,7 @@
 </p:sld>
 </file>
 
-<file path=ppt/slides/slide2.xml><?xml version="1.0" encoding="utf-8"?>
+<file path=ppt/slides/slide25.xml><?xml version="1.0" encoding="utf-8"?>
 <p:sld xmlns:a="http://schemas.openxmlformats.org/drawingml/2006/main" xmlns:r="http://schemas.openxmlformats.org/officeDocument/2006/relationships" xmlns:p="http://schemas.openxmlformats.org/presentationml/2006/main">
   <p:cSld>
     <p:spTree>
@@ -3987,20 +7497,119 @@
             </a:r>
             <a:r>
               <a:rPr lang="en-US" altLang="zh-TW" dirty="0" smtClean="0"/>
-              <a:t>1-1</a:t>
+              <a:t>1-4(</a:t>
+            </a:r>
+            <a:r>
+              <a:rPr lang="zh-TW" altLang="en-US" dirty="0" smtClean="0"/>
+              <a:t>軟體模擬</a:t>
+            </a:r>
+            <a:r>
+              <a:rPr lang="en-US" altLang="zh-TW" dirty="0"/>
+              <a:t>)</a:t>
             </a:r>
             <a:endParaRPr lang="zh-TW" altLang="en-US" dirty="0"/>
           </a:p>
         </p:txBody>
       </p:sp>
+      <p:pic>
+        <p:nvPicPr>
+          <p:cNvPr id="4" name="圖片 3"/>
+          <p:cNvPicPr>
+            <a:picLocks noChangeAspect="1"/>
+          </p:cNvPicPr>
+          <p:nvPr/>
+        </p:nvPicPr>
+        <p:blipFill>
+          <a:blip r:embed="rId2"/>
+          <a:stretch>
+            <a:fillRect/>
+          </a:stretch>
+        </p:blipFill>
+        <p:spPr>
+          <a:xfrm>
+            <a:off x="354469" y="1554501"/>
+            <a:ext cx="11163081" cy="903323"/>
+          </a:xfrm>
+          <a:prstGeom prst="rect">
+            <a:avLst/>
+          </a:prstGeom>
+        </p:spPr>
+      </p:pic>
+      <p:pic>
+        <p:nvPicPr>
+          <p:cNvPr id="5" name="圖片 4"/>
+          <p:cNvPicPr>
+            <a:picLocks noChangeAspect="1"/>
+          </p:cNvPicPr>
+          <p:nvPr/>
+        </p:nvPicPr>
+        <p:blipFill>
+          <a:blip r:embed="rId3" cstate="print">
+            <a:extLst>
+              <a:ext uri="{28A0092B-C50C-407E-A947-70E740481C1C}">
+                <a14:useLocalDpi xmlns:a14="http://schemas.microsoft.com/office/drawing/2010/main" val="0"/>
+              </a:ext>
+            </a:extLst>
+          </a:blip>
+          <a:stretch>
+            <a:fillRect/>
+          </a:stretch>
+        </p:blipFill>
+        <p:spPr>
+          <a:xfrm>
+            <a:off x="2926311" y="2595727"/>
+            <a:ext cx="6339377" cy="3831329"/>
+          </a:xfrm>
+          <a:prstGeom prst="rect">
+            <a:avLst/>
+          </a:prstGeom>
+        </p:spPr>
+      </p:pic>
+    </p:spTree>
+    <p:extLst>
+      <p:ext uri="{BB962C8B-B14F-4D97-AF65-F5344CB8AC3E}">
+        <p14:creationId xmlns:p14="http://schemas.microsoft.com/office/powerpoint/2010/main" val="3404445571"/>
+      </p:ext>
+    </p:extLst>
+  </p:cSld>
+  <p:clrMapOvr>
+    <a:masterClrMapping/>
+  </p:clrMapOvr>
+  <p:timing>
+    <p:tnLst>
+      <p:par>
+        <p:cTn id="1" dur="indefinite" restart="never" nodeType="tmRoot"/>
+      </p:par>
+    </p:tnLst>
+  </p:timing>
+</p:sld>
+</file>
+
+<file path=ppt/slides/slide26.xml><?xml version="1.0" encoding="utf-8"?>
+<p:sld xmlns:a="http://schemas.openxmlformats.org/drawingml/2006/main" xmlns:r="http://schemas.openxmlformats.org/officeDocument/2006/relationships" xmlns:p="http://schemas.openxmlformats.org/presentationml/2006/main">
+  <p:cSld>
+    <p:spTree>
+      <p:nvGrpSpPr>
+        <p:cNvPr id="1" name=""/>
+        <p:cNvGrpSpPr/>
+        <p:nvPr/>
+      </p:nvGrpSpPr>
+      <p:grpSpPr>
+        <a:xfrm>
+          <a:off x="0" y="0"/>
+          <a:ext cx="0" cy="0"/>
+          <a:chOff x="0" y="0"/>
+          <a:chExt cx="0" cy="0"/>
+        </a:xfrm>
+      </p:grpSpPr>
       <p:sp>
         <p:nvSpPr>
-          <p:cNvPr id="3" name="內容版面配置區 2"/>
+          <p:cNvPr id="2" name="標題 1"/>
           <p:cNvSpPr>
             <a:spLocks noGrp="1"/>
           </p:cNvSpPr>
           <p:nvPr>
-            <p:ph idx="1"/>
+            <p:ph type="title"/>
           </p:nvPr>
         </p:nvSpPr>
         <p:spPr/>
@@ -4009,23 +7618,532 @@
           <a:lstStyle/>
           <a:p>
             <a:r>
+              <a:rPr lang="zh-TW" altLang="en-US" dirty="0" smtClean="0"/>
+              <a:t>實驗</a:t>
+            </a:r>
+            <a:r>
               <a:rPr lang="en-US" altLang="zh-TW" dirty="0" smtClean="0"/>
-              <a:t>(1)</a:t>
+              <a:t>1-4(</a:t>
+            </a:r>
+            <a:r>
+              <a:rPr lang="zh-TW" altLang="en-US" dirty="0" smtClean="0"/>
+              <a:t>軟體模擬</a:t>
+            </a:r>
+            <a:r>
+              <a:rPr lang="en-US" altLang="zh-TW" dirty="0"/>
+              <a:t>)</a:t>
             </a:r>
             <a:endParaRPr lang="zh-TW" altLang="en-US" dirty="0"/>
           </a:p>
         </p:txBody>
       </p:sp>
+      <p:pic>
+        <p:nvPicPr>
+          <p:cNvPr id="3" name="圖片 2"/>
+          <p:cNvPicPr>
+            <a:picLocks noChangeAspect="1"/>
+          </p:cNvPicPr>
+          <p:nvPr/>
+        </p:nvPicPr>
+        <p:blipFill rotWithShape="1">
+          <a:blip r:embed="rId2"/>
+          <a:srcRect t="8922" r="-51"/>
+          <a:stretch/>
+        </p:blipFill>
+        <p:spPr>
+          <a:xfrm>
+            <a:off x="456270" y="1690688"/>
+            <a:ext cx="8841735" cy="540963"/>
+          </a:xfrm>
+          <a:prstGeom prst="rect">
+            <a:avLst/>
+          </a:prstGeom>
+        </p:spPr>
+      </p:pic>
     </p:spTree>
     <p:extLst>
       <p:ext uri="{BB962C8B-B14F-4D97-AF65-F5344CB8AC3E}">
-        <p14:creationId xmlns:p14="http://schemas.microsoft.com/office/powerpoint/2010/main" val="4087887732"/>
+        <p14:creationId xmlns:p14="http://schemas.microsoft.com/office/powerpoint/2010/main" val="2918753784"/>
       </p:ext>
     </p:extLst>
   </p:cSld>
   <p:clrMapOvr>
     <a:masterClrMapping/>
   </p:clrMapOvr>
+  <p:timing>
+    <p:tnLst>
+      <p:par>
+        <p:cTn id="1" dur="indefinite" restart="never" nodeType="tmRoot"/>
+      </p:par>
+    </p:tnLst>
+  </p:timing>
+</p:sld>
+</file>
+
+<file path=ppt/slides/slide27.xml><?xml version="1.0" encoding="utf-8"?>
+<p:sld xmlns:a="http://schemas.openxmlformats.org/drawingml/2006/main" xmlns:r="http://schemas.openxmlformats.org/officeDocument/2006/relationships" xmlns:p="http://schemas.openxmlformats.org/presentationml/2006/main">
+  <p:cSld>
+    <p:spTree>
+      <p:nvGrpSpPr>
+        <p:cNvPr id="1" name=""/>
+        <p:cNvGrpSpPr/>
+        <p:nvPr/>
+      </p:nvGrpSpPr>
+      <p:grpSpPr>
+        <a:xfrm>
+          <a:off x="0" y="0"/>
+          <a:ext cx="0" cy="0"/>
+          <a:chOff x="0" y="0"/>
+          <a:chExt cx="0" cy="0"/>
+        </a:xfrm>
+      </p:grpSpPr>
+      <p:sp>
+        <p:nvSpPr>
+          <p:cNvPr id="2" name="標題 1"/>
+          <p:cNvSpPr>
+            <a:spLocks noGrp="1"/>
+          </p:cNvSpPr>
+          <p:nvPr>
+            <p:ph type="title"/>
+          </p:nvPr>
+        </p:nvSpPr>
+        <p:spPr/>
+        <p:txBody>
+          <a:bodyPr/>
+          <a:lstStyle/>
+          <a:p>
+            <a:r>
+              <a:rPr lang="zh-TW" altLang="en-US" dirty="0" smtClean="0"/>
+              <a:t>問題討論</a:t>
+            </a:r>
+            <a:endParaRPr lang="zh-TW" altLang="en-US" dirty="0"/>
+          </a:p>
+        </p:txBody>
+      </p:sp>
+      <p:pic>
+        <p:nvPicPr>
+          <p:cNvPr id="4" name="圖片 3"/>
+          <p:cNvPicPr>
+            <a:picLocks noChangeAspect="1"/>
+          </p:cNvPicPr>
+          <p:nvPr/>
+        </p:nvPicPr>
+        <p:blipFill>
+          <a:blip r:embed="rId2"/>
+          <a:stretch>
+            <a:fillRect/>
+          </a:stretch>
+        </p:blipFill>
+        <p:spPr>
+          <a:xfrm>
+            <a:off x="838200" y="1510850"/>
+            <a:ext cx="5922640" cy="359675"/>
+          </a:xfrm>
+          <a:prstGeom prst="rect">
+            <a:avLst/>
+          </a:prstGeom>
+        </p:spPr>
+      </p:pic>
+      <p:sp>
+        <p:nvSpPr>
+          <p:cNvPr id="7" name="文字方塊 6"/>
+          <p:cNvSpPr txBox="1"/>
+          <p:nvPr/>
+        </p:nvSpPr>
+        <p:spPr>
+          <a:xfrm>
+            <a:off x="6946232" y="1501193"/>
+            <a:ext cx="1117600" cy="369332"/>
+          </a:xfrm>
+          <a:prstGeom prst="rect">
+            <a:avLst/>
+          </a:prstGeom>
+          <a:noFill/>
+        </p:spPr>
+        <p:txBody>
+          <a:bodyPr wrap="square" rtlCol="0">
+            <a:spAutoFit/>
+          </a:bodyPr>
+          <a:lstStyle/>
+          <a:p>
+            <a:r>
+              <a:rPr lang="zh-TW" altLang="en-US" dirty="0" smtClean="0"/>
+              <a:t>已完成</a:t>
+            </a:r>
+            <a:endParaRPr lang="zh-TW" altLang="en-US" dirty="0"/>
+          </a:p>
+        </p:txBody>
+      </p:sp>
+      <p:pic>
+        <p:nvPicPr>
+          <p:cNvPr id="9" name="圖片 8"/>
+          <p:cNvPicPr>
+            <a:picLocks noChangeAspect="1"/>
+          </p:cNvPicPr>
+          <p:nvPr/>
+        </p:nvPicPr>
+        <p:blipFill>
+          <a:blip r:embed="rId3"/>
+          <a:stretch>
+            <a:fillRect/>
+          </a:stretch>
+        </p:blipFill>
+        <p:spPr>
+          <a:xfrm>
+            <a:off x="838200" y="2037821"/>
+            <a:ext cx="4485774" cy="483084"/>
+          </a:xfrm>
+          <a:prstGeom prst="rect">
+            <a:avLst/>
+          </a:prstGeom>
+        </p:spPr>
+      </p:pic>
+      <p:pic>
+        <p:nvPicPr>
+          <p:cNvPr id="10" name="圖片 9"/>
+          <p:cNvPicPr>
+            <a:picLocks noChangeAspect="1"/>
+          </p:cNvPicPr>
+          <p:nvPr/>
+        </p:nvPicPr>
+        <p:blipFill>
+          <a:blip r:embed="rId4"/>
+          <a:stretch>
+            <a:fillRect/>
+          </a:stretch>
+        </p:blipFill>
+        <p:spPr>
+          <a:xfrm>
+            <a:off x="3843023" y="3281342"/>
+            <a:ext cx="4505954" cy="295316"/>
+          </a:xfrm>
+          <a:prstGeom prst="rect">
+            <a:avLst/>
+          </a:prstGeom>
+        </p:spPr>
+      </p:pic>
+      <p:pic>
+        <p:nvPicPr>
+          <p:cNvPr id="11" name="圖片 10"/>
+          <p:cNvPicPr>
+            <a:picLocks noChangeAspect="1"/>
+          </p:cNvPicPr>
+          <p:nvPr/>
+        </p:nvPicPr>
+        <p:blipFill>
+          <a:blip r:embed="rId4"/>
+          <a:stretch>
+            <a:fillRect/>
+          </a:stretch>
+        </p:blipFill>
+        <p:spPr>
+          <a:xfrm>
+            <a:off x="4091675" y="4516584"/>
+            <a:ext cx="4505954" cy="295316"/>
+          </a:xfrm>
+          <a:prstGeom prst="rect">
+            <a:avLst/>
+          </a:prstGeom>
+        </p:spPr>
+      </p:pic>
+    </p:spTree>
+    <p:extLst>
+      <p:ext uri="{BB962C8B-B14F-4D97-AF65-F5344CB8AC3E}">
+        <p14:creationId xmlns:p14="http://schemas.microsoft.com/office/powerpoint/2010/main" val="1961476027"/>
+      </p:ext>
+    </p:extLst>
+  </p:cSld>
+  <p:clrMapOvr>
+    <a:masterClrMapping/>
+  </p:clrMapOvr>
+  <p:timing>
+    <p:tnLst>
+      <p:par>
+        <p:cTn id="1" dur="indefinite" restart="never" nodeType="tmRoot"/>
+      </p:par>
+    </p:tnLst>
+  </p:timing>
+</p:sld>
+</file>
+
+<file path=ppt/slides/slide28.xml><?xml version="1.0" encoding="utf-8"?>
+<p:sld xmlns:a="http://schemas.openxmlformats.org/drawingml/2006/main" xmlns:r="http://schemas.openxmlformats.org/officeDocument/2006/relationships" xmlns:p="http://schemas.openxmlformats.org/presentationml/2006/main">
+  <p:cSld>
+    <p:spTree>
+      <p:nvGrpSpPr>
+        <p:cNvPr id="1" name=""/>
+        <p:cNvGrpSpPr/>
+        <p:nvPr/>
+      </p:nvGrpSpPr>
+      <p:grpSpPr>
+        <a:xfrm>
+          <a:off x="0" y="0"/>
+          <a:ext cx="0" cy="0"/>
+          <a:chOff x="0" y="0"/>
+          <a:chExt cx="0" cy="0"/>
+        </a:xfrm>
+      </p:grpSpPr>
+      <p:sp>
+        <p:nvSpPr>
+          <p:cNvPr id="2" name="標題 1"/>
+          <p:cNvSpPr>
+            <a:spLocks noGrp="1"/>
+          </p:cNvSpPr>
+          <p:nvPr>
+            <p:ph type="title"/>
+          </p:nvPr>
+        </p:nvSpPr>
+        <p:spPr/>
+        <p:txBody>
+          <a:bodyPr/>
+          <a:lstStyle/>
+          <a:p>
+            <a:r>
+              <a:rPr lang="zh-TW" altLang="en-US" dirty="0" smtClean="0"/>
+              <a:t>問題討論</a:t>
+            </a:r>
+            <a:endParaRPr lang="zh-TW" altLang="en-US" dirty="0"/>
+          </a:p>
+        </p:txBody>
+      </p:sp>
+      <p:pic>
+        <p:nvPicPr>
+          <p:cNvPr id="13" name="圖片 12"/>
+          <p:cNvPicPr>
+            <a:picLocks noChangeAspect="1"/>
+          </p:cNvPicPr>
+          <p:nvPr/>
+        </p:nvPicPr>
+        <p:blipFill>
+          <a:blip r:embed="rId2"/>
+          <a:stretch>
+            <a:fillRect/>
+          </a:stretch>
+        </p:blipFill>
+        <p:spPr>
+          <a:xfrm>
+            <a:off x="838200" y="1564848"/>
+            <a:ext cx="9183382" cy="809738"/>
+          </a:xfrm>
+          <a:prstGeom prst="rect">
+            <a:avLst/>
+          </a:prstGeom>
+        </p:spPr>
+      </p:pic>
+      <p:pic>
+        <p:nvPicPr>
+          <p:cNvPr id="14" name="圖片 13"/>
+          <p:cNvPicPr>
+            <a:picLocks noChangeAspect="1"/>
+          </p:cNvPicPr>
+          <p:nvPr/>
+        </p:nvPicPr>
+        <p:blipFill rotWithShape="1">
+          <a:blip r:embed="rId3"/>
+          <a:srcRect l="-241" t="4780" r="241" b="-4780"/>
+          <a:stretch/>
+        </p:blipFill>
+        <p:spPr>
+          <a:xfrm>
+            <a:off x="2098935" y="2374586"/>
+            <a:ext cx="7994130" cy="4228345"/>
+          </a:xfrm>
+          <a:prstGeom prst="rect">
+            <a:avLst/>
+          </a:prstGeom>
+        </p:spPr>
+      </p:pic>
+    </p:spTree>
+    <p:extLst>
+      <p:ext uri="{BB962C8B-B14F-4D97-AF65-F5344CB8AC3E}">
+        <p14:creationId xmlns:p14="http://schemas.microsoft.com/office/powerpoint/2010/main" val="130662556"/>
+      </p:ext>
+    </p:extLst>
+  </p:cSld>
+  <p:clrMapOvr>
+    <a:masterClrMapping/>
+  </p:clrMapOvr>
+  <p:timing>
+    <p:tnLst>
+      <p:par>
+        <p:cTn id="1" dur="indefinite" restart="never" nodeType="tmRoot"/>
+      </p:par>
+    </p:tnLst>
+  </p:timing>
+</p:sld>
+</file>
+
+<file path=ppt/slides/slide29.xml><?xml version="1.0" encoding="utf-8"?>
+<p:sld xmlns:a="http://schemas.openxmlformats.org/drawingml/2006/main" xmlns:r="http://schemas.openxmlformats.org/officeDocument/2006/relationships" xmlns:p="http://schemas.openxmlformats.org/presentationml/2006/main">
+  <p:cSld>
+    <p:spTree>
+      <p:nvGrpSpPr>
+        <p:cNvPr id="1" name=""/>
+        <p:cNvGrpSpPr/>
+        <p:nvPr/>
+      </p:nvGrpSpPr>
+      <p:grpSpPr>
+        <a:xfrm>
+          <a:off x="0" y="0"/>
+          <a:ext cx="0" cy="0"/>
+          <a:chOff x="0" y="0"/>
+          <a:chExt cx="0" cy="0"/>
+        </a:xfrm>
+      </p:grpSpPr>
+      <p:sp>
+        <p:nvSpPr>
+          <p:cNvPr id="2" name="標題 1"/>
+          <p:cNvSpPr>
+            <a:spLocks noGrp="1"/>
+          </p:cNvSpPr>
+          <p:nvPr>
+            <p:ph type="title"/>
+          </p:nvPr>
+        </p:nvSpPr>
+        <p:spPr/>
+        <p:txBody>
+          <a:bodyPr/>
+          <a:lstStyle/>
+          <a:p>
+            <a:r>
+              <a:rPr lang="zh-TW" altLang="en-US" dirty="0" smtClean="0"/>
+              <a:t>問題討論</a:t>
+            </a:r>
+            <a:endParaRPr lang="zh-TW" altLang="en-US" dirty="0"/>
+          </a:p>
+        </p:txBody>
+      </p:sp>
+      <p:pic>
+        <p:nvPicPr>
+          <p:cNvPr id="13" name="圖片 12"/>
+          <p:cNvPicPr>
+            <a:picLocks noChangeAspect="1"/>
+          </p:cNvPicPr>
+          <p:nvPr/>
+        </p:nvPicPr>
+        <p:blipFill>
+          <a:blip r:embed="rId2"/>
+          <a:stretch>
+            <a:fillRect/>
+          </a:stretch>
+        </p:blipFill>
+        <p:spPr>
+          <a:xfrm>
+            <a:off x="838200" y="1564848"/>
+            <a:ext cx="9183382" cy="809738"/>
+          </a:xfrm>
+          <a:prstGeom prst="rect">
+            <a:avLst/>
+          </a:prstGeom>
+        </p:spPr>
+      </p:pic>
+      <p:pic>
+        <p:nvPicPr>
+          <p:cNvPr id="3" name="圖片 2"/>
+          <p:cNvPicPr>
+            <a:picLocks noChangeAspect="1"/>
+          </p:cNvPicPr>
+          <p:nvPr/>
+        </p:nvPicPr>
+        <p:blipFill>
+          <a:blip r:embed="rId3" cstate="print">
+            <a:extLst>
+              <a:ext uri="{28A0092B-C50C-407E-A947-70E740481C1C}">
+                <a14:useLocalDpi xmlns:a14="http://schemas.microsoft.com/office/drawing/2010/main" val="0"/>
+              </a:ext>
+            </a:extLst>
+          </a:blip>
+          <a:stretch>
+            <a:fillRect/>
+          </a:stretch>
+        </p:blipFill>
+        <p:spPr>
+          <a:xfrm>
+            <a:off x="447625" y="2890411"/>
+            <a:ext cx="3396715" cy="3128211"/>
+          </a:xfrm>
+          <a:prstGeom prst="rect">
+            <a:avLst/>
+          </a:prstGeom>
+        </p:spPr>
+      </p:pic>
+      <p:pic>
+        <p:nvPicPr>
+          <p:cNvPr id="5" name="圖片 4"/>
+          <p:cNvPicPr>
+            <a:picLocks noChangeAspect="1"/>
+          </p:cNvPicPr>
+          <p:nvPr/>
+        </p:nvPicPr>
+        <p:blipFill>
+          <a:blip r:embed="rId4" cstate="print">
+            <a:extLst>
+              <a:ext uri="{28A0092B-C50C-407E-A947-70E740481C1C}">
+                <a14:useLocalDpi xmlns:a14="http://schemas.microsoft.com/office/drawing/2010/main" val="0"/>
+              </a:ext>
+            </a:extLst>
+          </a:blip>
+          <a:stretch>
+            <a:fillRect/>
+          </a:stretch>
+        </p:blipFill>
+        <p:spPr>
+          <a:xfrm>
+            <a:off x="8077844" y="2890410"/>
+            <a:ext cx="3396716" cy="3128212"/>
+          </a:xfrm>
+          <a:prstGeom prst="rect">
+            <a:avLst/>
+          </a:prstGeom>
+        </p:spPr>
+      </p:pic>
+      <p:pic>
+        <p:nvPicPr>
+          <p:cNvPr id="6" name="圖片 5"/>
+          <p:cNvPicPr>
+            <a:picLocks noChangeAspect="1"/>
+          </p:cNvPicPr>
+          <p:nvPr/>
+        </p:nvPicPr>
+        <p:blipFill>
+          <a:blip r:embed="rId5" cstate="print">
+            <a:extLst>
+              <a:ext uri="{28A0092B-C50C-407E-A947-70E740481C1C}">
+                <a14:useLocalDpi xmlns:a14="http://schemas.microsoft.com/office/drawing/2010/main" val="0"/>
+              </a:ext>
+            </a:extLst>
+          </a:blip>
+          <a:stretch>
+            <a:fillRect/>
+          </a:stretch>
+        </p:blipFill>
+        <p:spPr>
+          <a:xfrm>
+            <a:off x="4297658" y="2890410"/>
+            <a:ext cx="3396717" cy="3128212"/>
+          </a:xfrm>
+          <a:prstGeom prst="rect">
+            <a:avLst/>
+          </a:prstGeom>
+        </p:spPr>
+      </p:pic>
+    </p:spTree>
+    <p:extLst>
+      <p:ext uri="{BB962C8B-B14F-4D97-AF65-F5344CB8AC3E}">
+        <p14:creationId xmlns:p14="http://schemas.microsoft.com/office/powerpoint/2010/main" val="3609114294"/>
+      </p:ext>
+    </p:extLst>
+  </p:cSld>
+  <p:clrMapOvr>
+    <a:masterClrMapping/>
+  </p:clrMapOvr>
+  <p:timing>
+    <p:tnLst>
+      <p:par>
+        <p:cTn id="1" dur="indefinite" restart="never" nodeType="tmRoot"/>
+      </p:par>
+    </p:tnLst>
+  </p:timing>
 </p:sld>
 </file>
 
@@ -4066,39 +8184,21 @@
               <a:t>實驗</a:t>
             </a:r>
             <a:r>
-              <a:rPr lang="en-US" altLang="zh-TW" dirty="0" smtClean="0"/>
-              <a:t>1-1</a:t>
+              <a:rPr lang="en-US" altLang="zh-TW" dirty="0"/>
+              <a:t>1-1 (</a:t>
+            </a:r>
+            <a:r>
+              <a:rPr lang="zh-TW" altLang="en-US" dirty="0"/>
+              <a:t>軟體模擬</a:t>
+            </a:r>
+            <a:r>
+              <a:rPr lang="en-US" altLang="zh-TW" dirty="0"/>
+              <a:t>)</a:t>
             </a:r>
             <a:endParaRPr lang="zh-TW" altLang="en-US" dirty="0"/>
           </a:p>
         </p:txBody>
       </p:sp>
-      <p:pic>
-        <p:nvPicPr>
-          <p:cNvPr id="5" name="內容版面配置區 4"/>
-          <p:cNvPicPr>
-            <a:picLocks noGrp="1" noChangeAspect="1"/>
-          </p:cNvPicPr>
-          <p:nvPr>
-            <p:ph idx="1"/>
-          </p:nvPr>
-        </p:nvPicPr>
-        <p:blipFill>
-          <a:blip r:embed="rId2"/>
-          <a:stretch>
-            <a:fillRect/>
-          </a:stretch>
-        </p:blipFill>
-        <p:spPr>
-          <a:xfrm>
-            <a:off x="1815391" y="2628900"/>
-            <a:ext cx="7192182" cy="3771900"/>
-          </a:xfrm>
-          <a:prstGeom prst="rect">
-            <a:avLst/>
-          </a:prstGeom>
-        </p:spPr>
-      </p:pic>
       <p:pic>
         <p:nvPicPr>
           <p:cNvPr id="4" name="圖片 3"/>
@@ -4123,6 +8223,30 @@
           </a:prstGeom>
         </p:spPr>
       </p:pic>
+      <p:pic>
+        <p:nvPicPr>
+          <p:cNvPr id="6" name="圖片 5"/>
+          <p:cNvPicPr>
+            <a:picLocks noChangeAspect="1"/>
+          </p:cNvPicPr>
+          <p:nvPr/>
+        </p:nvPicPr>
+        <p:blipFill>
+          <a:blip r:embed="rId4"/>
+          <a:stretch>
+            <a:fillRect/>
+          </a:stretch>
+        </p:blipFill>
+        <p:spPr>
+          <a:xfrm>
+            <a:off x="2720972" y="2763837"/>
+            <a:ext cx="6834508" cy="3474278"/>
+          </a:xfrm>
+          <a:prstGeom prst="rect">
+            <a:avLst/>
+          </a:prstGeom>
+        </p:spPr>
+      </p:pic>
     </p:spTree>
     <p:extLst>
       <p:ext uri="{BB962C8B-B14F-4D97-AF65-F5344CB8AC3E}">
@@ -4133,6 +8257,120 @@
   <p:clrMapOvr>
     <a:masterClrMapping/>
   </p:clrMapOvr>
+</p:sld>
+</file>
+
+<file path=ppt/slides/slide30.xml><?xml version="1.0" encoding="utf-8"?>
+<p:sld xmlns:a="http://schemas.openxmlformats.org/drawingml/2006/main" xmlns:r="http://schemas.openxmlformats.org/officeDocument/2006/relationships" xmlns:p="http://schemas.openxmlformats.org/presentationml/2006/main">
+  <p:cSld>
+    <p:spTree>
+      <p:nvGrpSpPr>
+        <p:cNvPr id="1" name=""/>
+        <p:cNvGrpSpPr/>
+        <p:nvPr/>
+      </p:nvGrpSpPr>
+      <p:grpSpPr>
+        <a:xfrm>
+          <a:off x="0" y="0"/>
+          <a:ext cx="0" cy="0"/>
+          <a:chOff x="0" y="0"/>
+          <a:chExt cx="0" cy="0"/>
+        </a:xfrm>
+      </p:grpSpPr>
+      <p:sp>
+        <p:nvSpPr>
+          <p:cNvPr id="2" name="標題 1"/>
+          <p:cNvSpPr>
+            <a:spLocks noGrp="1"/>
+          </p:cNvSpPr>
+          <p:nvPr>
+            <p:ph type="title"/>
+          </p:nvPr>
+        </p:nvSpPr>
+        <p:spPr/>
+        <p:txBody>
+          <a:bodyPr/>
+          <a:lstStyle/>
+          <a:p>
+            <a:r>
+              <a:rPr lang="zh-TW" altLang="en-US" dirty="0" smtClean="0"/>
+              <a:t>問題討論</a:t>
+            </a:r>
+            <a:endParaRPr lang="zh-TW" altLang="en-US" dirty="0"/>
+          </a:p>
+        </p:txBody>
+      </p:sp>
+      <p:pic>
+        <p:nvPicPr>
+          <p:cNvPr id="13" name="圖片 12"/>
+          <p:cNvPicPr>
+            <a:picLocks noChangeAspect="1"/>
+          </p:cNvPicPr>
+          <p:nvPr/>
+        </p:nvPicPr>
+        <p:blipFill>
+          <a:blip r:embed="rId2"/>
+          <a:stretch>
+            <a:fillRect/>
+          </a:stretch>
+        </p:blipFill>
+        <p:spPr>
+          <a:xfrm>
+            <a:off x="838200" y="1564848"/>
+            <a:ext cx="9183382" cy="809738"/>
+          </a:xfrm>
+          <a:prstGeom prst="rect">
+            <a:avLst/>
+          </a:prstGeom>
+        </p:spPr>
+      </p:pic>
+      <p:pic>
+        <p:nvPicPr>
+          <p:cNvPr id="6" name="圖片 5"/>
+          <p:cNvPicPr>
+            <a:picLocks noChangeAspect="1"/>
+          </p:cNvPicPr>
+          <p:nvPr/>
+        </p:nvPicPr>
+        <p:blipFill>
+          <a:blip r:embed="rId3" cstate="print">
+            <a:extLst>
+              <a:ext uri="{28A0092B-C50C-407E-A947-70E740481C1C}">
+                <a14:useLocalDpi xmlns:a14="http://schemas.microsoft.com/office/drawing/2010/main" val="0"/>
+              </a:ext>
+            </a:extLst>
+          </a:blip>
+          <a:stretch>
+            <a:fillRect/>
+          </a:stretch>
+        </p:blipFill>
+        <p:spPr>
+          <a:xfrm>
+            <a:off x="3737928" y="2463800"/>
+            <a:ext cx="4447301" cy="4095750"/>
+          </a:xfrm>
+          <a:prstGeom prst="rect">
+            <a:avLst/>
+          </a:prstGeom>
+        </p:spPr>
+      </p:pic>
+    </p:spTree>
+    <p:extLst>
+      <p:ext uri="{BB962C8B-B14F-4D97-AF65-F5344CB8AC3E}">
+        <p14:creationId xmlns:p14="http://schemas.microsoft.com/office/powerpoint/2010/main" val="2554002471"/>
+      </p:ext>
+    </p:extLst>
+  </p:cSld>
+  <p:clrMapOvr>
+    <a:masterClrMapping/>
+  </p:clrMapOvr>
+  <p:timing>
+    <p:tnLst>
+      <p:par>
+        <p:cTn id="1" dur="indefinite" restart="never" nodeType="tmRoot"/>
+      </p:par>
+    </p:tnLst>
+  </p:timing>
 </p:sld>
 </file>
 
@@ -4352,6 +8590,129 @@
             </a:r>
             <a:r>
               <a:rPr lang="en-US" altLang="zh-TW" dirty="0" smtClean="0"/>
+              <a:t>1-1</a:t>
+            </a:r>
+            <a:r>
+              <a:rPr lang="en-US" altLang="zh-TW" dirty="0" smtClean="0"/>
+              <a:t>(</a:t>
+            </a:r>
+            <a:r>
+              <a:rPr lang="zh-TW" altLang="en-US" dirty="0"/>
+              <a:t>實體驗證</a:t>
+            </a:r>
+            <a:r>
+              <a:rPr lang="en-US" altLang="zh-TW" dirty="0" smtClean="0"/>
+              <a:t>)</a:t>
+            </a:r>
+            <a:endParaRPr lang="zh-TW" altLang="en-US" dirty="0"/>
+          </a:p>
+        </p:txBody>
+      </p:sp>
+      <p:pic>
+        <p:nvPicPr>
+          <p:cNvPr id="4" name="圖片 3"/>
+          <p:cNvPicPr>
+            <a:picLocks noChangeAspect="1"/>
+          </p:cNvPicPr>
+          <p:nvPr/>
+        </p:nvPicPr>
+        <p:blipFill>
+          <a:blip r:embed="rId2"/>
+          <a:stretch>
+            <a:fillRect/>
+          </a:stretch>
+        </p:blipFill>
+        <p:spPr>
+          <a:xfrm>
+            <a:off x="1086771" y="1825625"/>
+            <a:ext cx="10505397" cy="803275"/>
+          </a:xfrm>
+          <a:prstGeom prst="rect">
+            <a:avLst/>
+          </a:prstGeom>
+        </p:spPr>
+      </p:pic>
+      <p:pic>
+        <p:nvPicPr>
+          <p:cNvPr id="5" name="圖片 4"/>
+          <p:cNvPicPr>
+            <a:picLocks noChangeAspect="1"/>
+          </p:cNvPicPr>
+          <p:nvPr/>
+        </p:nvPicPr>
+        <p:blipFill>
+          <a:blip r:embed="rId3">
+            <a:extLst>
+              <a:ext uri="{28A0092B-C50C-407E-A947-70E740481C1C}">
+                <a14:useLocalDpi xmlns:a14="http://schemas.microsoft.com/office/drawing/2010/main" val="0"/>
+              </a:ext>
+            </a:extLst>
+          </a:blip>
+          <a:stretch>
+            <a:fillRect/>
+          </a:stretch>
+        </p:blipFill>
+        <p:spPr>
+          <a:xfrm>
+            <a:off x="3487596" y="2930663"/>
+            <a:ext cx="4638672" cy="3840162"/>
+          </a:xfrm>
+          <a:prstGeom prst="rect">
+            <a:avLst/>
+          </a:prstGeom>
+        </p:spPr>
+      </p:pic>
+    </p:spTree>
+    <p:extLst>
+      <p:ext uri="{BB962C8B-B14F-4D97-AF65-F5344CB8AC3E}">
+        <p14:creationId xmlns:p14="http://schemas.microsoft.com/office/powerpoint/2010/main" val="894006686"/>
+      </p:ext>
+    </p:extLst>
+  </p:cSld>
+  <p:clrMapOvr>
+    <a:masterClrMapping/>
+  </p:clrMapOvr>
+</p:sld>
+</file>
+
+<file path=ppt/slides/slide6.xml><?xml version="1.0" encoding="utf-8"?>
+<p:sld xmlns:a="http://schemas.openxmlformats.org/drawingml/2006/main" xmlns:r="http://schemas.openxmlformats.org/officeDocument/2006/relationships" xmlns:p="http://schemas.openxmlformats.org/presentationml/2006/main">
+  <p:cSld>
+    <p:spTree>
+      <p:nvGrpSpPr>
+        <p:cNvPr id="1" name=""/>
+        <p:cNvGrpSpPr/>
+        <p:nvPr/>
+      </p:nvGrpSpPr>
+      <p:grpSpPr>
+        <a:xfrm>
+          <a:off x="0" y="0"/>
+          <a:ext cx="0" cy="0"/>
+          <a:chOff x="0" y="0"/>
+          <a:chExt cx="0" cy="0"/>
+        </a:xfrm>
+      </p:grpSpPr>
+      <p:sp>
+        <p:nvSpPr>
+          <p:cNvPr id="2" name="標題 1"/>
+          <p:cNvSpPr>
+            <a:spLocks noGrp="1"/>
+          </p:cNvSpPr>
+          <p:nvPr>
+            <p:ph type="title"/>
+          </p:nvPr>
+        </p:nvSpPr>
+        <p:spPr/>
+        <p:txBody>
+          <a:bodyPr/>
+          <a:lstStyle/>
+          <a:p>
+            <a:r>
+              <a:rPr lang="zh-TW" altLang="en-US" dirty="0" smtClean="0"/>
+              <a:t>實驗</a:t>
+            </a:r>
+            <a:r>
+              <a:rPr lang="en-US" altLang="zh-TW" dirty="0" smtClean="0"/>
               <a:t>1-1(</a:t>
             </a:r>
             <a:r>
@@ -4394,7 +8755,7 @@
       </p:pic>
       <p:pic>
         <p:nvPicPr>
-          <p:cNvPr id="13" name="圖片 12"/>
+          <p:cNvPr id="3" name="圖片 2"/>
           <p:cNvPicPr>
             <a:picLocks noChangeAspect="1"/>
           </p:cNvPicPr>
@@ -4408,8 +8769,8 @@
         </p:blipFill>
         <p:spPr>
           <a:xfrm>
-            <a:off x="1450489" y="2762251"/>
-            <a:ext cx="9291021" cy="3722772"/>
+            <a:off x="1128074" y="2457057"/>
+            <a:ext cx="9546343" cy="4160256"/>
           </a:xfrm>
           <a:prstGeom prst="rect">
             <a:avLst/>
@@ -4429,7 +8790,7 @@
 </p:sld>
 </file>
 
-<file path=ppt/slides/slide6.xml><?xml version="1.0" encoding="utf-8"?>
+<file path=ppt/slides/slide7.xml><?xml version="1.0" encoding="utf-8"?>
 <p:sld xmlns:a="http://schemas.openxmlformats.org/drawingml/2006/main" xmlns:r="http://schemas.openxmlformats.org/officeDocument/2006/relationships" xmlns:p="http://schemas.openxmlformats.org/presentationml/2006/main">
   <p:cSld>
     <p:spTree>
@@ -4610,119 +8971,6 @@
 </p:sld>
 </file>
 
-<file path=ppt/slides/slide7.xml><?xml version="1.0" encoding="utf-8"?>
-<p:sld xmlns:a="http://schemas.openxmlformats.org/drawingml/2006/main" xmlns:r="http://schemas.openxmlformats.org/officeDocument/2006/relationships" xmlns:p="http://schemas.openxmlformats.org/presentationml/2006/main">
-  <p:cSld>
-    <p:spTree>
-      <p:nvGrpSpPr>
-        <p:cNvPr id="1" name=""/>
-        <p:cNvGrpSpPr/>
-        <p:nvPr/>
-      </p:nvGrpSpPr>
-      <p:grpSpPr>
-        <a:xfrm>
-          <a:off x="0" y="0"/>
-          <a:ext cx="0" cy="0"/>
-          <a:chOff x="0" y="0"/>
-          <a:chExt cx="0" cy="0"/>
-        </a:xfrm>
-      </p:grpSpPr>
-      <p:sp>
-        <p:nvSpPr>
-          <p:cNvPr id="2" name="標題 1"/>
-          <p:cNvSpPr>
-            <a:spLocks noGrp="1"/>
-          </p:cNvSpPr>
-          <p:nvPr>
-            <p:ph type="title"/>
-          </p:nvPr>
-        </p:nvSpPr>
-        <p:spPr/>
-        <p:txBody>
-          <a:bodyPr/>
-          <a:lstStyle/>
-          <a:p>
-            <a:r>
-              <a:rPr lang="zh-TW" altLang="en-US" dirty="0" smtClean="0"/>
-              <a:t>實驗</a:t>
-            </a:r>
-            <a:r>
-              <a:rPr lang="en-US" altLang="zh-TW" dirty="0" smtClean="0"/>
-              <a:t>1-2(</a:t>
-            </a:r>
-            <a:r>
-              <a:rPr lang="zh-TW" altLang="en-US" dirty="0" smtClean="0"/>
-              <a:t>軟體模擬</a:t>
-            </a:r>
-            <a:r>
-              <a:rPr lang="en-US" altLang="zh-TW" dirty="0"/>
-              <a:t>)</a:t>
-            </a:r>
-            <a:endParaRPr lang="zh-TW" altLang="en-US" dirty="0"/>
-          </a:p>
-        </p:txBody>
-      </p:sp>
-      <p:pic>
-        <p:nvPicPr>
-          <p:cNvPr id="7" name="圖片 6"/>
-          <p:cNvPicPr>
-            <a:picLocks noChangeAspect="1"/>
-          </p:cNvPicPr>
-          <p:nvPr/>
-        </p:nvPicPr>
-        <p:blipFill>
-          <a:blip r:embed="rId2"/>
-          <a:stretch>
-            <a:fillRect/>
-          </a:stretch>
-        </p:blipFill>
-        <p:spPr>
-          <a:xfrm>
-            <a:off x="838200" y="1690688"/>
-            <a:ext cx="7688247" cy="640146"/>
-          </a:xfrm>
-          <a:prstGeom prst="rect">
-            <a:avLst/>
-          </a:prstGeom>
-        </p:spPr>
-      </p:pic>
-      <p:pic>
-        <p:nvPicPr>
-          <p:cNvPr id="10" name="圖片 9"/>
-          <p:cNvPicPr>
-            <a:picLocks noChangeAspect="1"/>
-          </p:cNvPicPr>
-          <p:nvPr/>
-        </p:nvPicPr>
-        <p:blipFill>
-          <a:blip r:embed="rId3"/>
-          <a:stretch>
-            <a:fillRect/>
-          </a:stretch>
-        </p:blipFill>
-        <p:spPr>
-          <a:xfrm>
-            <a:off x="1071967" y="2501325"/>
-            <a:ext cx="7779933" cy="3776327"/>
-          </a:xfrm>
-          <a:prstGeom prst="rect">
-            <a:avLst/>
-          </a:prstGeom>
-        </p:spPr>
-      </p:pic>
-    </p:spTree>
-    <p:extLst>
-      <p:ext uri="{BB962C8B-B14F-4D97-AF65-F5344CB8AC3E}">
-        <p14:creationId xmlns:p14="http://schemas.microsoft.com/office/powerpoint/2010/main" val="1632697292"/>
-      </p:ext>
-    </p:extLst>
-  </p:cSld>
-  <p:clrMapOvr>
-    <a:masterClrMapping/>
-  </p:clrMapOvr>
-</p:sld>
-</file>
-
 <file path=ppt/slides/slide8.xml><?xml version="1.0" encoding="utf-8"?>
 <p:sld xmlns:a="http://schemas.openxmlformats.org/drawingml/2006/main" xmlns:r="http://schemas.openxmlformats.org/officeDocument/2006/relationships" xmlns:p="http://schemas.openxmlformats.org/presentationml/2006/main">
   <p:cSld>
@@ -4761,20 +9009,50 @@
             </a:r>
             <a:r>
               <a:rPr lang="en-US" altLang="zh-TW" dirty="0" smtClean="0"/>
-              <a:t>1-2(</a:t>
-            </a:r>
-            <a:r>
-              <a:rPr lang="zh-TW" altLang="en-US" dirty="0" smtClean="0"/>
-              <a:t>軟體模擬</a:t>
-            </a:r>
-            <a:r>
-              <a:rPr lang="en-US" altLang="zh-TW" dirty="0"/>
+              <a:t>1-1</a:t>
+            </a:r>
+            <a:r>
+              <a:rPr lang="en-US" altLang="zh-TW" dirty="0" smtClean="0"/>
+              <a:t>(</a:t>
+            </a:r>
+            <a:r>
+              <a:rPr lang="zh-TW" altLang="en-US" dirty="0"/>
+              <a:t>實體驗證</a:t>
+            </a:r>
+            <a:r>
+              <a:rPr lang="en-US" altLang="zh-TW" dirty="0" smtClean="0"/>
               <a:t>)</a:t>
             </a:r>
             <a:endParaRPr lang="zh-TW" altLang="en-US" dirty="0"/>
           </a:p>
         </p:txBody>
       </p:sp>
+      <p:pic>
+        <p:nvPicPr>
+          <p:cNvPr id="9" name="內容版面配置區 8"/>
+          <p:cNvPicPr>
+            <a:picLocks noGrp="1" noChangeAspect="1"/>
+          </p:cNvPicPr>
+          <p:nvPr>
+            <p:ph idx="1"/>
+          </p:nvPr>
+        </p:nvPicPr>
+        <p:blipFill>
+          <a:blip r:embed="rId2"/>
+          <a:stretch>
+            <a:fillRect/>
+          </a:stretch>
+        </p:blipFill>
+        <p:spPr>
+          <a:xfrm>
+            <a:off x="838200" y="1436688"/>
+            <a:ext cx="10515600" cy="1020369"/>
+          </a:xfrm>
+          <a:prstGeom prst="rect">
+            <a:avLst/>
+          </a:prstGeom>
+        </p:spPr>
+      </p:pic>
       <p:pic>
         <p:nvPicPr>
           <p:cNvPr id="7" name="圖片 6"/>
@@ -4784,31 +9062,7 @@
           <p:nvPr/>
         </p:nvPicPr>
         <p:blipFill>
-          <a:blip r:embed="rId2"/>
-          <a:stretch>
-            <a:fillRect/>
-          </a:stretch>
-        </p:blipFill>
-        <p:spPr>
-          <a:xfrm>
-            <a:off x="838200" y="1690688"/>
-            <a:ext cx="7688247" cy="640146"/>
-          </a:xfrm>
-          <a:prstGeom prst="rect">
-            <a:avLst/>
-          </a:prstGeom>
-        </p:spPr>
-      </p:pic>
-      <p:pic>
-        <p:nvPicPr>
-          <p:cNvPr id="3" name="圖片 2"/>
-          <p:cNvPicPr>
-            <a:picLocks noChangeAspect="1"/>
-          </p:cNvPicPr>
-          <p:nvPr/>
-        </p:nvPicPr>
-        <p:blipFill>
-          <a:blip r:embed="rId3" cstate="print">
+          <a:blip r:embed="rId3">
             <a:extLst>
               <a:ext uri="{28A0092B-C50C-407E-A947-70E740481C1C}">
                 <a14:useLocalDpi xmlns:a14="http://schemas.microsoft.com/office/drawing/2010/main" val="0"/>
@@ -4821,68 +9075,8 @@
         </p:blipFill>
         <p:spPr>
           <a:xfrm>
-            <a:off x="60325" y="2692400"/>
-            <a:ext cx="3888803" cy="3581400"/>
-          </a:xfrm>
-          <a:prstGeom prst="rect">
-            <a:avLst/>
-          </a:prstGeom>
-        </p:spPr>
-      </p:pic>
-      <p:pic>
-        <p:nvPicPr>
-          <p:cNvPr id="4" name="圖片 3"/>
-          <p:cNvPicPr>
-            <a:picLocks noChangeAspect="1"/>
-          </p:cNvPicPr>
-          <p:nvPr/>
-        </p:nvPicPr>
-        <p:blipFill>
-          <a:blip r:embed="rId4" cstate="print">
-            <a:extLst>
-              <a:ext uri="{28A0092B-C50C-407E-A947-70E740481C1C}">
-                <a14:useLocalDpi xmlns:a14="http://schemas.microsoft.com/office/drawing/2010/main" val="0"/>
-              </a:ext>
-            </a:extLst>
-          </a:blip>
-          <a:stretch>
-            <a:fillRect/>
-          </a:stretch>
-        </p:blipFill>
-        <p:spPr>
-          <a:xfrm>
-            <a:off x="4009453" y="2692400"/>
-            <a:ext cx="3888803" cy="3581400"/>
-          </a:xfrm>
-          <a:prstGeom prst="rect">
-            <a:avLst/>
-          </a:prstGeom>
-        </p:spPr>
-      </p:pic>
-      <p:pic>
-        <p:nvPicPr>
-          <p:cNvPr id="5" name="圖片 4"/>
-          <p:cNvPicPr>
-            <a:picLocks noChangeAspect="1"/>
-          </p:cNvPicPr>
-          <p:nvPr/>
-        </p:nvPicPr>
-        <p:blipFill>
-          <a:blip r:embed="rId5" cstate="print">
-            <a:extLst>
-              <a:ext uri="{28A0092B-C50C-407E-A947-70E740481C1C}">
-                <a14:useLocalDpi xmlns:a14="http://schemas.microsoft.com/office/drawing/2010/main" val="0"/>
-              </a:ext>
-            </a:extLst>
-          </a:blip>
-          <a:stretch>
-            <a:fillRect/>
-          </a:stretch>
-        </p:blipFill>
-        <p:spPr>
-          <a:xfrm>
-            <a:off x="8018906" y="2692400"/>
-            <a:ext cx="4040494" cy="3721100"/>
+            <a:off x="3889536" y="2567572"/>
+            <a:ext cx="4292524" cy="3591354"/>
           </a:xfrm>
           <a:prstGeom prst="rect">
             <a:avLst/>
@@ -4892,7 +9086,7 @@
     </p:spTree>
     <p:extLst>
       <p:ext uri="{BB962C8B-B14F-4D97-AF65-F5344CB8AC3E}">
-        <p14:creationId xmlns:p14="http://schemas.microsoft.com/office/powerpoint/2010/main" val="3495108380"/>
+        <p14:creationId xmlns:p14="http://schemas.microsoft.com/office/powerpoint/2010/main" val="1863973730"/>
       </p:ext>
     </p:extLst>
   </p:cSld>
@@ -4940,15 +9134,7 @@
             </a:r>
             <a:r>
               <a:rPr lang="en-US" altLang="zh-TW" dirty="0" smtClean="0"/>
-              <a:t>1-2(</a:t>
-            </a:r>
-            <a:r>
-              <a:rPr lang="zh-TW" altLang="en-US" dirty="0" smtClean="0"/>
-              <a:t>軟體模擬</a:t>
-            </a:r>
-            <a:r>
-              <a:rPr lang="en-US" altLang="zh-TW" dirty="0"/>
-              <a:t>)</a:t>
+              <a:t>1-2</a:t>
             </a:r>
             <a:endParaRPr lang="zh-TW" altLang="en-US" dirty="0"/>
           </a:p>
@@ -4956,7 +9142,7 @@
       </p:sp>
       <p:pic>
         <p:nvPicPr>
-          <p:cNvPr id="7" name="圖片 6"/>
+          <p:cNvPr id="5" name="圖片 4"/>
           <p:cNvPicPr>
             <a:picLocks noChangeAspect="1"/>
           </p:cNvPicPr>
@@ -4970,8 +9156,8 @@
         </p:blipFill>
         <p:spPr>
           <a:xfrm>
-            <a:off x="838200" y="1690688"/>
-            <a:ext cx="7688247" cy="640146"/>
+            <a:off x="1076260" y="1690688"/>
+            <a:ext cx="7382905" cy="685896"/>
           </a:xfrm>
           <a:prstGeom prst="rect">
             <a:avLst/>
@@ -4987,31 +9173,946 @@
           <p:nvPr/>
         </p:nvPicPr>
         <p:blipFill>
-          <a:blip r:embed="rId3" cstate="print">
-            <a:extLst>
-              <a:ext uri="{28A0092B-C50C-407E-A947-70E740481C1C}">
-                <a14:useLocalDpi xmlns:a14="http://schemas.microsoft.com/office/drawing/2010/main" val="0"/>
-              </a:ext>
-            </a:extLst>
-          </a:blip>
+          <a:blip r:embed="rId3"/>
           <a:stretch>
             <a:fillRect/>
           </a:stretch>
         </p:blipFill>
         <p:spPr>
           <a:xfrm>
-            <a:off x="3375979" y="2451100"/>
-            <a:ext cx="4481776" cy="4127500"/>
+            <a:off x="7339848" y="2376584"/>
+            <a:ext cx="3412235" cy="3803447"/>
           </a:xfrm>
           <a:prstGeom prst="rect">
             <a:avLst/>
           </a:prstGeom>
         </p:spPr>
       </p:pic>
+      <mc:AlternateContent xmlns:mc="http://schemas.openxmlformats.org/markup-compatibility/2006">
+        <mc:Choice xmlns:a14="http://schemas.microsoft.com/office/drawing/2010/main" Requires="a14">
+          <p:sp>
+            <p:nvSpPr>
+              <p:cNvPr id="8" name="文字方塊 7"/>
+              <p:cNvSpPr txBox="1"/>
+              <p:nvPr/>
+            </p:nvSpPr>
+            <p:spPr>
+              <a:xfrm>
+                <a:off x="1344674" y="2694700"/>
+                <a:ext cx="5726760" cy="3444404"/>
+              </a:xfrm>
+              <a:prstGeom prst="rect">
+                <a:avLst/>
+              </a:prstGeom>
+              <a:noFill/>
+            </p:spPr>
+            <p:txBody>
+              <a:bodyPr wrap="square" lIns="0" tIns="0" rIns="0" bIns="0" rtlCol="0">
+                <a:spAutoFit/>
+              </a:bodyPr>
+              <a:lstStyle/>
+              <a:p>
+                <a14:m>
+                  <m:oMathPara xmlns:m="http://schemas.openxmlformats.org/officeDocument/2006/math">
+                    <m:oMathParaPr>
+                      <m:jc m:val="centerGroup"/>
+                    </m:oMathParaPr>
+                    <m:oMath xmlns:m="http://schemas.openxmlformats.org/officeDocument/2006/math">
+                      <m:nary>
+                        <m:naryPr>
+                          <m:chr m:val="∑"/>
+                          <m:ctrlPr>
+                            <a:rPr lang="en-US" altLang="zh-TW" b="0" i="1" smtClean="0">
+                              <a:latin typeface="Cambria Math" panose="02040503050406030204" pitchFamily="18" charset="0"/>
+                            </a:rPr>
+                          </m:ctrlPr>
+                        </m:naryPr>
+                        <m:sub>
+                          <m:r>
+                            <m:rPr>
+                              <m:brk m:alnAt="23"/>
+                            </m:rPr>
+                            <a:rPr lang="en-US" altLang="zh-TW" b="0" i="1" smtClean="0">
+                              <a:latin typeface="Cambria Math" panose="02040503050406030204" pitchFamily="18" charset="0"/>
+                            </a:rPr>
+                            <m:t>𝑖</m:t>
+                          </m:r>
+                          <m:r>
+                            <a:rPr lang="en-US" altLang="zh-TW" b="0" i="1" smtClean="0">
+                              <a:latin typeface="Cambria Math" panose="02040503050406030204" pitchFamily="18" charset="0"/>
+                            </a:rPr>
+                            <m:t>=1</m:t>
+                          </m:r>
+                        </m:sub>
+                        <m:sup>
+                          <m:r>
+                            <a:rPr lang="en-US" altLang="zh-TW" b="0" i="1" smtClean="0">
+                              <a:latin typeface="Cambria Math" panose="02040503050406030204" pitchFamily="18" charset="0"/>
+                            </a:rPr>
+                            <m:t>3</m:t>
+                          </m:r>
+                        </m:sup>
+                        <m:e>
+                          <m:sSub>
+                            <m:sSubPr>
+                              <m:ctrlPr>
+                                <a:rPr lang="en-US" altLang="zh-TW" b="0" i="1" smtClean="0">
+                                  <a:latin typeface="Cambria Math" panose="02040503050406030204" pitchFamily="18" charset="0"/>
+                                </a:rPr>
+                              </m:ctrlPr>
+                            </m:sSubPr>
+                            <m:e>
+                              <m:r>
+                                <a:rPr lang="en-US" altLang="zh-TW" b="0" i="1" smtClean="0">
+                                  <a:latin typeface="Cambria Math" panose="02040503050406030204" pitchFamily="18" charset="0"/>
+                                </a:rPr>
+                                <m:t>𝐼</m:t>
+                              </m:r>
+                            </m:e>
+                            <m:sub>
+                              <m:r>
+                                <a:rPr lang="en-US" altLang="zh-TW" b="0" i="1" smtClean="0">
+                                  <a:latin typeface="Cambria Math" panose="02040503050406030204" pitchFamily="18" charset="0"/>
+                                </a:rPr>
+                                <m:t>1</m:t>
+                              </m:r>
+                              <m:r>
+                                <a:rPr lang="en-US" altLang="zh-TW" b="0" i="1" smtClean="0">
+                                  <a:latin typeface="Cambria Math" panose="02040503050406030204" pitchFamily="18" charset="0"/>
+                                </a:rPr>
+                                <m:t>𝑖</m:t>
+                              </m:r>
+                            </m:sub>
+                          </m:sSub>
+                          <m:r>
+                            <a:rPr lang="en-US" altLang="zh-TW" b="0" i="1" smtClean="0">
+                              <a:latin typeface="Cambria Math" panose="02040503050406030204" pitchFamily="18" charset="0"/>
+                            </a:rPr>
+                            <m:t>=</m:t>
+                          </m:r>
+                          <m:sSub>
+                            <m:sSubPr>
+                              <m:ctrlPr>
+                                <a:rPr lang="en-US" altLang="zh-TW" b="0" i="1" smtClean="0">
+                                  <a:latin typeface="Cambria Math" panose="02040503050406030204" pitchFamily="18" charset="0"/>
+                                </a:rPr>
+                              </m:ctrlPr>
+                            </m:sSubPr>
+                            <m:e>
+                              <m:r>
+                                <a:rPr lang="en-US" altLang="zh-TW" b="0" i="1" smtClean="0">
+                                  <a:latin typeface="Cambria Math" panose="02040503050406030204" pitchFamily="18" charset="0"/>
+                                </a:rPr>
+                                <m:t>𝐼</m:t>
+                              </m:r>
+                            </m:e>
+                            <m:sub>
+                              <m:r>
+                                <a:rPr lang="en-US" altLang="zh-TW" b="0" i="1" smtClean="0">
+                                  <a:latin typeface="Cambria Math" panose="02040503050406030204" pitchFamily="18" charset="0"/>
+                                </a:rPr>
+                                <m:t>2</m:t>
+                              </m:r>
+                            </m:sub>
+                          </m:sSub>
+                        </m:e>
+                      </m:nary>
+                    </m:oMath>
+                  </m:oMathPara>
+                </a14:m>
+                <a:endParaRPr lang="en-US" altLang="zh-TW" b="0" dirty="0" smtClean="0"/>
+              </a:p>
+              <a:p>
+                <a14:m>
+                  <m:oMathPara xmlns:m="http://schemas.openxmlformats.org/officeDocument/2006/math">
+                    <m:oMathParaPr>
+                      <m:jc m:val="centerGroup"/>
+                    </m:oMathParaPr>
+                    <m:oMath xmlns:m="http://schemas.openxmlformats.org/officeDocument/2006/math">
+                      <m:nary>
+                        <m:naryPr>
+                          <m:chr m:val="∑"/>
+                          <m:ctrlPr>
+                            <a:rPr lang="en-US" altLang="zh-TW" b="0" i="1" smtClean="0">
+                              <a:latin typeface="Cambria Math" panose="02040503050406030204" pitchFamily="18" charset="0"/>
+                            </a:rPr>
+                          </m:ctrlPr>
+                        </m:naryPr>
+                        <m:sub>
+                          <m:r>
+                            <m:rPr>
+                              <m:brk m:alnAt="23"/>
+                            </m:rPr>
+                            <a:rPr lang="en-US" altLang="zh-TW" b="0" i="1" smtClean="0">
+                              <a:latin typeface="Cambria Math" panose="02040503050406030204" pitchFamily="18" charset="0"/>
+                            </a:rPr>
+                            <m:t>𝑖</m:t>
+                          </m:r>
+                          <m:r>
+                            <a:rPr lang="en-US" altLang="zh-TW" b="0" i="1" smtClean="0">
+                              <a:latin typeface="Cambria Math" panose="02040503050406030204" pitchFamily="18" charset="0"/>
+                            </a:rPr>
+                            <m:t>=1</m:t>
+                          </m:r>
+                        </m:sub>
+                        <m:sup>
+                          <m:r>
+                            <a:rPr lang="en-US" altLang="zh-TW" b="0" i="1" smtClean="0">
+                              <a:latin typeface="Cambria Math" panose="02040503050406030204" pitchFamily="18" charset="0"/>
+                            </a:rPr>
+                            <m:t>3</m:t>
+                          </m:r>
+                        </m:sup>
+                        <m:e>
+                          <m:f>
+                            <m:fPr>
+                              <m:ctrlPr>
+                                <a:rPr lang="en-US" altLang="zh-TW" b="0" i="1" smtClean="0">
+                                  <a:latin typeface="Cambria Math" panose="02040503050406030204" pitchFamily="18" charset="0"/>
+                                </a:rPr>
+                              </m:ctrlPr>
+                            </m:fPr>
+                            <m:num>
+                              <m:sSub>
+                                <m:sSubPr>
+                                  <m:ctrlPr>
+                                    <a:rPr lang="en-US" altLang="zh-TW" b="0" i="1" smtClean="0">
+                                      <a:latin typeface="Cambria Math" panose="02040503050406030204" pitchFamily="18" charset="0"/>
+                                    </a:rPr>
+                                  </m:ctrlPr>
+                                </m:sSubPr>
+                                <m:e>
+                                  <m:r>
+                                    <a:rPr lang="en-US" altLang="zh-TW" b="0" i="1" smtClean="0">
+                                      <a:latin typeface="Cambria Math" panose="02040503050406030204" pitchFamily="18" charset="0"/>
+                                    </a:rPr>
+                                    <m:t>𝑉</m:t>
+                                  </m:r>
+                                </m:e>
+                                <m:sub>
+                                  <m:r>
+                                    <a:rPr lang="en-US" altLang="zh-TW" b="0" i="1" smtClean="0">
+                                      <a:latin typeface="Cambria Math" panose="02040503050406030204" pitchFamily="18" charset="0"/>
+                                    </a:rPr>
+                                    <m:t>𝑖</m:t>
+                                  </m:r>
+                                </m:sub>
+                              </m:sSub>
+                              <m:r>
+                                <a:rPr lang="en-US" altLang="zh-TW" b="0" i="1" smtClean="0">
+                                  <a:latin typeface="Cambria Math" panose="02040503050406030204" pitchFamily="18" charset="0"/>
+                                </a:rPr>
+                                <m:t>−0</m:t>
+                              </m:r>
+                            </m:num>
+                            <m:den>
+                              <m:sSub>
+                                <m:sSubPr>
+                                  <m:ctrlPr>
+                                    <a:rPr lang="en-US" altLang="zh-TW" b="0" i="1" smtClean="0">
+                                      <a:latin typeface="Cambria Math" panose="02040503050406030204" pitchFamily="18" charset="0"/>
+                                    </a:rPr>
+                                  </m:ctrlPr>
+                                </m:sSubPr>
+                                <m:e>
+                                  <m:r>
+                                    <a:rPr lang="en-US" altLang="zh-TW" b="0" i="1" smtClean="0">
+                                      <a:latin typeface="Cambria Math" panose="02040503050406030204" pitchFamily="18" charset="0"/>
+                                    </a:rPr>
+                                    <m:t>𝑅</m:t>
+                                  </m:r>
+                                </m:e>
+                                <m:sub>
+                                  <m:r>
+                                    <a:rPr lang="en-US" altLang="zh-TW" b="0" i="1" smtClean="0">
+                                      <a:latin typeface="Cambria Math" panose="02040503050406030204" pitchFamily="18" charset="0"/>
+                                    </a:rPr>
+                                    <m:t>𝑖</m:t>
+                                  </m:r>
+                                </m:sub>
+                              </m:sSub>
+                            </m:den>
+                          </m:f>
+                        </m:e>
+                      </m:nary>
+                      <m:r>
+                        <a:rPr lang="en-US" altLang="zh-TW" i="1">
+                          <a:latin typeface="Cambria Math" panose="02040503050406030204" pitchFamily="18" charset="0"/>
+                        </a:rPr>
+                        <m:t>=</m:t>
+                      </m:r>
+                      <m:nary>
+                        <m:naryPr>
+                          <m:chr m:val="∑"/>
+                          <m:ctrlPr>
+                            <a:rPr lang="en-US" altLang="zh-TW" i="1">
+                              <a:latin typeface="Cambria Math" panose="02040503050406030204" pitchFamily="18" charset="0"/>
+                            </a:rPr>
+                          </m:ctrlPr>
+                        </m:naryPr>
+                        <m:sub>
+                          <m:r>
+                            <a:rPr lang="en-US" altLang="zh-TW" i="1">
+                              <a:latin typeface="Cambria Math" panose="02040503050406030204" pitchFamily="18" charset="0"/>
+                            </a:rPr>
+                            <m:t>𝑖</m:t>
+                          </m:r>
+                          <m:r>
+                            <a:rPr lang="en-US" altLang="zh-TW" i="1">
+                              <a:latin typeface="Cambria Math" panose="02040503050406030204" pitchFamily="18" charset="0"/>
+                            </a:rPr>
+                            <m:t>=1</m:t>
+                          </m:r>
+                        </m:sub>
+                        <m:sup>
+                          <m:r>
+                            <a:rPr lang="en-US" altLang="zh-TW" i="1">
+                              <a:latin typeface="Cambria Math" panose="02040503050406030204" pitchFamily="18" charset="0"/>
+                            </a:rPr>
+                            <m:t>3</m:t>
+                          </m:r>
+                        </m:sup>
+                        <m:e>
+                          <m:f>
+                            <m:fPr>
+                              <m:ctrlPr>
+                                <a:rPr lang="en-US" altLang="zh-TW" i="1">
+                                  <a:latin typeface="Cambria Math" panose="02040503050406030204" pitchFamily="18" charset="0"/>
+                                </a:rPr>
+                              </m:ctrlPr>
+                            </m:fPr>
+                            <m:num>
+                              <m:sSub>
+                                <m:sSubPr>
+                                  <m:ctrlPr>
+                                    <a:rPr lang="en-US" altLang="zh-TW" i="1">
+                                      <a:latin typeface="Cambria Math" panose="02040503050406030204" pitchFamily="18" charset="0"/>
+                                    </a:rPr>
+                                  </m:ctrlPr>
+                                </m:sSubPr>
+                                <m:e>
+                                  <m:r>
+                                    <a:rPr lang="en-US" altLang="zh-TW" i="1">
+                                      <a:latin typeface="Cambria Math" panose="02040503050406030204" pitchFamily="18" charset="0"/>
+                                    </a:rPr>
+                                    <m:t>𝑉</m:t>
+                                  </m:r>
+                                </m:e>
+                                <m:sub>
+                                  <m:r>
+                                    <a:rPr lang="en-US" altLang="zh-TW" i="1">
+                                      <a:latin typeface="Cambria Math" panose="02040503050406030204" pitchFamily="18" charset="0"/>
+                                    </a:rPr>
+                                    <m:t>𝑖</m:t>
+                                  </m:r>
+                                </m:sub>
+                              </m:sSub>
+                            </m:num>
+                            <m:den>
+                              <m:sSub>
+                                <m:sSubPr>
+                                  <m:ctrlPr>
+                                    <a:rPr lang="en-US" altLang="zh-TW" i="1">
+                                      <a:latin typeface="Cambria Math" panose="02040503050406030204" pitchFamily="18" charset="0"/>
+                                    </a:rPr>
+                                  </m:ctrlPr>
+                                </m:sSubPr>
+                                <m:e>
+                                  <m:r>
+                                    <a:rPr lang="en-US" altLang="zh-TW" i="1">
+                                      <a:latin typeface="Cambria Math" panose="02040503050406030204" pitchFamily="18" charset="0"/>
+                                    </a:rPr>
+                                    <m:t>𝑅</m:t>
+                                  </m:r>
+                                </m:e>
+                                <m:sub>
+                                  <m:r>
+                                    <a:rPr lang="en-US" altLang="zh-TW" i="1">
+                                      <a:latin typeface="Cambria Math" panose="02040503050406030204" pitchFamily="18" charset="0"/>
+                                    </a:rPr>
+                                    <m:t>𝑖</m:t>
+                                  </m:r>
+                                </m:sub>
+                              </m:sSub>
+                            </m:den>
+                          </m:f>
+                        </m:e>
+                      </m:nary>
+                      <m:r>
+                        <a:rPr lang="en-US" altLang="zh-TW" i="1">
+                          <a:latin typeface="Cambria Math" panose="02040503050406030204" pitchFamily="18" charset="0"/>
+                        </a:rPr>
+                        <m:t>=</m:t>
+                      </m:r>
+                      <m:f>
+                        <m:fPr>
+                          <m:ctrlPr>
+                            <a:rPr lang="en-US" altLang="zh-TW" i="1">
+                              <a:latin typeface="Cambria Math" panose="02040503050406030204" pitchFamily="18" charset="0"/>
+                            </a:rPr>
+                          </m:ctrlPr>
+                        </m:fPr>
+                        <m:num>
+                          <m:r>
+                            <a:rPr lang="en-US" altLang="zh-TW" i="1">
+                              <a:latin typeface="Cambria Math" panose="02040503050406030204" pitchFamily="18" charset="0"/>
+                            </a:rPr>
+                            <m:t>0−</m:t>
+                          </m:r>
+                          <m:sSub>
+                            <m:sSubPr>
+                              <m:ctrlPr>
+                                <a:rPr lang="en-US" altLang="zh-TW" i="1">
+                                  <a:latin typeface="Cambria Math" panose="02040503050406030204" pitchFamily="18" charset="0"/>
+                                </a:rPr>
+                              </m:ctrlPr>
+                            </m:sSubPr>
+                            <m:e>
+                              <m:r>
+                                <a:rPr lang="en-US" altLang="zh-TW" i="1">
+                                  <a:latin typeface="Cambria Math" panose="02040503050406030204" pitchFamily="18" charset="0"/>
+                                </a:rPr>
+                                <m:t>𝑉</m:t>
+                              </m:r>
+                            </m:e>
+                            <m:sub>
+                              <m:r>
+                                <a:rPr lang="en-US" altLang="zh-TW" i="1">
+                                  <a:latin typeface="Cambria Math" panose="02040503050406030204" pitchFamily="18" charset="0"/>
+                                </a:rPr>
+                                <m:t>𝑜</m:t>
+                              </m:r>
+                            </m:sub>
+                          </m:sSub>
+                        </m:num>
+                        <m:den>
+                          <m:sSub>
+                            <m:sSubPr>
+                              <m:ctrlPr>
+                                <a:rPr lang="en-US" altLang="zh-TW" i="1">
+                                  <a:latin typeface="Cambria Math" panose="02040503050406030204" pitchFamily="18" charset="0"/>
+                                </a:rPr>
+                              </m:ctrlPr>
+                            </m:sSubPr>
+                            <m:e>
+                              <m:r>
+                                <a:rPr lang="en-US" altLang="zh-TW" i="1">
+                                  <a:latin typeface="Cambria Math" panose="02040503050406030204" pitchFamily="18" charset="0"/>
+                                </a:rPr>
+                                <m:t>𝑅</m:t>
+                              </m:r>
+                            </m:e>
+                            <m:sub>
+                              <m:r>
+                                <a:rPr lang="en-US" altLang="zh-TW" i="1">
+                                  <a:latin typeface="Cambria Math" panose="02040503050406030204" pitchFamily="18" charset="0"/>
+                                </a:rPr>
+                                <m:t>𝑓</m:t>
+                              </m:r>
+                            </m:sub>
+                          </m:sSub>
+                        </m:den>
+                      </m:f>
+                      <m:r>
+                        <a:rPr lang="en-US" altLang="zh-TW" i="1">
+                          <a:latin typeface="Cambria Math" panose="02040503050406030204" pitchFamily="18" charset="0"/>
+                        </a:rPr>
+                        <m:t>=−</m:t>
+                      </m:r>
+                      <m:f>
+                        <m:fPr>
+                          <m:ctrlPr>
+                            <a:rPr lang="en-US" altLang="zh-TW" i="1">
+                              <a:latin typeface="Cambria Math" panose="02040503050406030204" pitchFamily="18" charset="0"/>
+                            </a:rPr>
+                          </m:ctrlPr>
+                        </m:fPr>
+                        <m:num>
+                          <m:sSub>
+                            <m:sSubPr>
+                              <m:ctrlPr>
+                                <a:rPr lang="en-US" altLang="zh-TW" i="1">
+                                  <a:latin typeface="Cambria Math" panose="02040503050406030204" pitchFamily="18" charset="0"/>
+                                </a:rPr>
+                              </m:ctrlPr>
+                            </m:sSubPr>
+                            <m:e>
+                              <m:r>
+                                <a:rPr lang="en-US" altLang="zh-TW" i="1">
+                                  <a:latin typeface="Cambria Math" panose="02040503050406030204" pitchFamily="18" charset="0"/>
+                                </a:rPr>
+                                <m:t>𝑉</m:t>
+                              </m:r>
+                            </m:e>
+                            <m:sub>
+                              <m:r>
+                                <a:rPr lang="en-US" altLang="zh-TW" i="1">
+                                  <a:latin typeface="Cambria Math" panose="02040503050406030204" pitchFamily="18" charset="0"/>
+                                </a:rPr>
+                                <m:t>0</m:t>
+                              </m:r>
+                            </m:sub>
+                          </m:sSub>
+                        </m:num>
+                        <m:den>
+                          <m:sSub>
+                            <m:sSubPr>
+                              <m:ctrlPr>
+                                <a:rPr lang="en-US" altLang="zh-TW" i="1">
+                                  <a:latin typeface="Cambria Math" panose="02040503050406030204" pitchFamily="18" charset="0"/>
+                                </a:rPr>
+                              </m:ctrlPr>
+                            </m:sSubPr>
+                            <m:e>
+                              <m:r>
+                                <a:rPr lang="en-US" altLang="zh-TW" i="1">
+                                  <a:latin typeface="Cambria Math" panose="02040503050406030204" pitchFamily="18" charset="0"/>
+                                </a:rPr>
+                                <m:t>𝑅</m:t>
+                              </m:r>
+                            </m:e>
+                            <m:sub>
+                              <m:r>
+                                <a:rPr lang="en-US" altLang="zh-TW" i="1">
+                                  <a:latin typeface="Cambria Math" panose="02040503050406030204" pitchFamily="18" charset="0"/>
+                                </a:rPr>
+                                <m:t>𝑓</m:t>
+                              </m:r>
+                            </m:sub>
+                          </m:sSub>
+                        </m:den>
+                      </m:f>
+                    </m:oMath>
+                  </m:oMathPara>
+                </a14:m>
+                <a:endParaRPr lang="en-US" altLang="zh-TW" b="0" dirty="0" smtClean="0"/>
+              </a:p>
+              <a:p>
+                <a14:m>
+                  <m:oMathPara xmlns:m="http://schemas.openxmlformats.org/officeDocument/2006/math">
+                    <m:oMathParaPr>
+                      <m:jc m:val="centerGroup"/>
+                    </m:oMathParaPr>
+                    <m:oMath xmlns:m="http://schemas.openxmlformats.org/officeDocument/2006/math">
+                      <m:sSub>
+                        <m:sSubPr>
+                          <m:ctrlPr>
+                            <a:rPr lang="en-US" altLang="zh-TW" b="0" i="1" smtClean="0">
+                              <a:latin typeface="Cambria Math" panose="02040503050406030204" pitchFamily="18" charset="0"/>
+                            </a:rPr>
+                          </m:ctrlPr>
+                        </m:sSubPr>
+                        <m:e>
+                          <m:r>
+                            <a:rPr lang="en-US" altLang="zh-TW" b="0" i="1" smtClean="0">
+                              <a:latin typeface="Cambria Math" panose="02040503050406030204" pitchFamily="18" charset="0"/>
+                            </a:rPr>
+                            <m:t>𝑉</m:t>
+                          </m:r>
+                        </m:e>
+                        <m:sub>
+                          <m:r>
+                            <a:rPr lang="en-US" altLang="zh-TW" b="0" i="1" smtClean="0">
+                              <a:latin typeface="Cambria Math" panose="02040503050406030204" pitchFamily="18" charset="0"/>
+                            </a:rPr>
+                            <m:t>𝑜</m:t>
+                          </m:r>
+                        </m:sub>
+                      </m:sSub>
+                      <m:r>
+                        <a:rPr lang="en-US" altLang="zh-TW" b="0" i="1" smtClean="0">
+                          <a:latin typeface="Cambria Math" panose="02040503050406030204" pitchFamily="18" charset="0"/>
+                        </a:rPr>
+                        <m:t>=−</m:t>
+                      </m:r>
+                      <m:sSub>
+                        <m:sSubPr>
+                          <m:ctrlPr>
+                            <a:rPr lang="en-US" altLang="zh-TW" b="0" i="1" smtClean="0">
+                              <a:latin typeface="Cambria Math" panose="02040503050406030204" pitchFamily="18" charset="0"/>
+                            </a:rPr>
+                          </m:ctrlPr>
+                        </m:sSubPr>
+                        <m:e>
+                          <m:r>
+                            <a:rPr lang="en-US" altLang="zh-TW" b="0" i="1" smtClean="0">
+                              <a:latin typeface="Cambria Math" panose="02040503050406030204" pitchFamily="18" charset="0"/>
+                            </a:rPr>
+                            <m:t>𝑅</m:t>
+                          </m:r>
+                        </m:e>
+                        <m:sub>
+                          <m:r>
+                            <a:rPr lang="en-US" altLang="zh-TW" b="0" i="1" smtClean="0">
+                              <a:latin typeface="Cambria Math" panose="02040503050406030204" pitchFamily="18" charset="0"/>
+                            </a:rPr>
+                            <m:t>𝑓</m:t>
+                          </m:r>
+                        </m:sub>
+                      </m:sSub>
+                      <m:nary>
+                        <m:naryPr>
+                          <m:chr m:val="∑"/>
+                          <m:ctrlPr>
+                            <a:rPr lang="en-US" altLang="zh-TW" b="0" i="1" smtClean="0">
+                              <a:latin typeface="Cambria Math" panose="02040503050406030204" pitchFamily="18" charset="0"/>
+                            </a:rPr>
+                          </m:ctrlPr>
+                        </m:naryPr>
+                        <m:sub>
+                          <m:r>
+                            <a:rPr lang="en-US" altLang="zh-TW" b="0" i="1" smtClean="0">
+                              <a:latin typeface="Cambria Math" panose="02040503050406030204" pitchFamily="18" charset="0"/>
+                            </a:rPr>
+                            <m:t>𝑖</m:t>
+                          </m:r>
+                          <m:r>
+                            <a:rPr lang="en-US" altLang="zh-TW" b="0" i="1" smtClean="0">
+                              <a:latin typeface="Cambria Math" panose="02040503050406030204" pitchFamily="18" charset="0"/>
+                            </a:rPr>
+                            <m:t>=1</m:t>
+                          </m:r>
+                        </m:sub>
+                        <m:sup>
+                          <m:r>
+                            <a:rPr lang="en-US" altLang="zh-TW" b="0" i="1" smtClean="0">
+                              <a:latin typeface="Cambria Math" panose="02040503050406030204" pitchFamily="18" charset="0"/>
+                            </a:rPr>
+                            <m:t>3</m:t>
+                          </m:r>
+                        </m:sup>
+                        <m:e>
+                          <m:f>
+                            <m:fPr>
+                              <m:ctrlPr>
+                                <a:rPr lang="en-US" altLang="zh-TW" b="0" i="1" smtClean="0">
+                                  <a:latin typeface="Cambria Math" panose="02040503050406030204" pitchFamily="18" charset="0"/>
+                                </a:rPr>
+                              </m:ctrlPr>
+                            </m:fPr>
+                            <m:num>
+                              <m:sSub>
+                                <m:sSubPr>
+                                  <m:ctrlPr>
+                                    <a:rPr lang="en-US" altLang="zh-TW" b="0" i="1" smtClean="0">
+                                      <a:latin typeface="Cambria Math" panose="02040503050406030204" pitchFamily="18" charset="0"/>
+                                    </a:rPr>
+                                  </m:ctrlPr>
+                                </m:sSubPr>
+                                <m:e>
+                                  <m:r>
+                                    <a:rPr lang="en-US" altLang="zh-TW" b="0" i="1" smtClean="0">
+                                      <a:latin typeface="Cambria Math" panose="02040503050406030204" pitchFamily="18" charset="0"/>
+                                    </a:rPr>
+                                    <m:t>𝑉</m:t>
+                                  </m:r>
+                                </m:e>
+                                <m:sub>
+                                  <m:r>
+                                    <a:rPr lang="en-US" altLang="zh-TW" b="0" i="1" smtClean="0">
+                                      <a:latin typeface="Cambria Math" panose="02040503050406030204" pitchFamily="18" charset="0"/>
+                                    </a:rPr>
+                                    <m:t>𝑖</m:t>
+                                  </m:r>
+                                </m:sub>
+                              </m:sSub>
+                            </m:num>
+                            <m:den>
+                              <m:sSub>
+                                <m:sSubPr>
+                                  <m:ctrlPr>
+                                    <a:rPr lang="en-US" altLang="zh-TW" b="0" i="1" smtClean="0">
+                                      <a:latin typeface="Cambria Math" panose="02040503050406030204" pitchFamily="18" charset="0"/>
+                                    </a:rPr>
+                                  </m:ctrlPr>
+                                </m:sSubPr>
+                                <m:e>
+                                  <m:r>
+                                    <a:rPr lang="en-US" altLang="zh-TW" b="0" i="1" smtClean="0">
+                                      <a:latin typeface="Cambria Math" panose="02040503050406030204" pitchFamily="18" charset="0"/>
+                                    </a:rPr>
+                                    <m:t>𝑅</m:t>
+                                  </m:r>
+                                </m:e>
+                                <m:sub>
+                                  <m:r>
+                                    <a:rPr lang="en-US" altLang="zh-TW" b="0" i="1" smtClean="0">
+                                      <a:latin typeface="Cambria Math" panose="02040503050406030204" pitchFamily="18" charset="0"/>
+                                    </a:rPr>
+                                    <m:t>𝑖</m:t>
+                                  </m:r>
+                                </m:sub>
+                              </m:sSub>
+                            </m:den>
+                          </m:f>
+                          <m:r>
+                            <a:rPr lang="en-US" altLang="zh-TW" b="0" i="1" smtClean="0">
+                              <a:latin typeface="Cambria Math" panose="02040503050406030204" pitchFamily="18" charset="0"/>
+                            </a:rPr>
+                            <m:t> </m:t>
+                          </m:r>
+                        </m:e>
+                      </m:nary>
+                      <m:r>
+                        <a:rPr lang="en-US" altLang="zh-TW" b="0" i="1" smtClean="0">
+                          <a:latin typeface="Cambria Math" panose="02040503050406030204" pitchFamily="18" charset="0"/>
+                        </a:rPr>
+                        <m:t>=−</m:t>
+                      </m:r>
+                      <m:nary>
+                        <m:naryPr>
+                          <m:chr m:val="∑"/>
+                          <m:ctrlPr>
+                            <a:rPr lang="en-US" altLang="zh-TW" b="0" i="1" smtClean="0">
+                              <a:latin typeface="Cambria Math" panose="02040503050406030204" pitchFamily="18" charset="0"/>
+                            </a:rPr>
+                          </m:ctrlPr>
+                        </m:naryPr>
+                        <m:sub>
+                          <m:r>
+                            <a:rPr lang="en-US" altLang="zh-TW" b="0" i="1" smtClean="0">
+                              <a:latin typeface="Cambria Math" panose="02040503050406030204" pitchFamily="18" charset="0"/>
+                            </a:rPr>
+                            <m:t>𝑖</m:t>
+                          </m:r>
+                          <m:r>
+                            <a:rPr lang="en-US" altLang="zh-TW" b="0" i="1" smtClean="0">
+                              <a:latin typeface="Cambria Math" panose="02040503050406030204" pitchFamily="18" charset="0"/>
+                            </a:rPr>
+                            <m:t>=1</m:t>
+                          </m:r>
+                        </m:sub>
+                        <m:sup>
+                          <m:r>
+                            <a:rPr lang="en-US" altLang="zh-TW" b="0" i="1" smtClean="0">
+                              <a:latin typeface="Cambria Math" panose="02040503050406030204" pitchFamily="18" charset="0"/>
+                            </a:rPr>
+                            <m:t>3</m:t>
+                          </m:r>
+                        </m:sup>
+                        <m:e>
+                          <m:f>
+                            <m:fPr>
+                              <m:ctrlPr>
+                                <a:rPr lang="en-US" altLang="zh-TW" b="0" i="1" smtClean="0">
+                                  <a:latin typeface="Cambria Math" panose="02040503050406030204" pitchFamily="18" charset="0"/>
+                                </a:rPr>
+                              </m:ctrlPr>
+                            </m:fPr>
+                            <m:num>
+                              <m:sSub>
+                                <m:sSubPr>
+                                  <m:ctrlPr>
+                                    <a:rPr lang="en-US" altLang="zh-TW" b="0" i="1" smtClean="0">
+                                      <a:latin typeface="Cambria Math" panose="02040503050406030204" pitchFamily="18" charset="0"/>
+                                    </a:rPr>
+                                  </m:ctrlPr>
+                                </m:sSubPr>
+                                <m:e>
+                                  <m:r>
+                                    <a:rPr lang="en-US" altLang="zh-TW" b="0" i="1" smtClean="0">
+                                      <a:latin typeface="Cambria Math" panose="02040503050406030204" pitchFamily="18" charset="0"/>
+                                    </a:rPr>
+                                    <m:t>𝑅</m:t>
+                                  </m:r>
+                                </m:e>
+                                <m:sub>
+                                  <m:r>
+                                    <a:rPr lang="en-US" altLang="zh-TW" b="0" i="1" smtClean="0">
+                                      <a:latin typeface="Cambria Math" panose="02040503050406030204" pitchFamily="18" charset="0"/>
+                                    </a:rPr>
+                                    <m:t>𝑓</m:t>
+                                  </m:r>
+                                </m:sub>
+                              </m:sSub>
+                            </m:num>
+                            <m:den>
+                              <m:sSub>
+                                <m:sSubPr>
+                                  <m:ctrlPr>
+                                    <a:rPr lang="en-US" altLang="zh-TW" b="0" i="1" smtClean="0">
+                                      <a:latin typeface="Cambria Math" panose="02040503050406030204" pitchFamily="18" charset="0"/>
+                                    </a:rPr>
+                                  </m:ctrlPr>
+                                </m:sSubPr>
+                                <m:e>
+                                  <m:r>
+                                    <a:rPr lang="en-US" altLang="zh-TW" b="0" i="1" smtClean="0">
+                                      <a:latin typeface="Cambria Math" panose="02040503050406030204" pitchFamily="18" charset="0"/>
+                                    </a:rPr>
+                                    <m:t>𝑅</m:t>
+                                  </m:r>
+                                </m:e>
+                                <m:sub>
+                                  <m:r>
+                                    <a:rPr lang="en-US" altLang="zh-TW" b="0" i="1" smtClean="0">
+                                      <a:latin typeface="Cambria Math" panose="02040503050406030204" pitchFamily="18" charset="0"/>
+                                    </a:rPr>
+                                    <m:t>𝑖</m:t>
+                                  </m:r>
+                                </m:sub>
+                              </m:sSub>
+                            </m:den>
+                          </m:f>
+                          <m:sSub>
+                            <m:sSubPr>
+                              <m:ctrlPr>
+                                <a:rPr lang="en-US" altLang="zh-TW" b="0" i="1" smtClean="0">
+                                  <a:latin typeface="Cambria Math" panose="02040503050406030204" pitchFamily="18" charset="0"/>
+                                </a:rPr>
+                              </m:ctrlPr>
+                            </m:sSubPr>
+                            <m:e>
+                              <m:r>
+                                <a:rPr lang="en-US" altLang="zh-TW" b="0" i="1" smtClean="0">
+                                  <a:latin typeface="Cambria Math" panose="02040503050406030204" pitchFamily="18" charset="0"/>
+                                </a:rPr>
+                                <m:t>𝑉</m:t>
+                              </m:r>
+                            </m:e>
+                            <m:sub>
+                              <m:r>
+                                <a:rPr lang="en-US" altLang="zh-TW" b="0" i="1" smtClean="0">
+                                  <a:latin typeface="Cambria Math" panose="02040503050406030204" pitchFamily="18" charset="0"/>
+                                </a:rPr>
+                                <m:t>𝑖</m:t>
+                              </m:r>
+                            </m:sub>
+                          </m:sSub>
+                        </m:e>
+                      </m:nary>
+                    </m:oMath>
+                  </m:oMathPara>
+                </a14:m>
+                <a:endParaRPr lang="en-US" altLang="zh-TW" b="0" dirty="0" smtClean="0"/>
+              </a:p>
+              <a:p>
+                <a:endParaRPr lang="en-US" altLang="zh-TW" b="0" dirty="0" smtClean="0"/>
+              </a:p>
+              <a:p>
+                <a14:m>
+                  <m:oMath xmlns:m="http://schemas.openxmlformats.org/officeDocument/2006/math">
+                    <m:sSub>
+                      <m:sSubPr>
+                        <m:ctrlPr>
+                          <a:rPr lang="en-US" altLang="zh-TW" b="0" i="1" smtClean="0">
+                            <a:latin typeface="Cambria Math" panose="02040503050406030204" pitchFamily="18" charset="0"/>
+                          </a:rPr>
+                        </m:ctrlPr>
+                      </m:sSubPr>
+                      <m:e>
+                        <m:r>
+                          <a:rPr lang="en-US" altLang="zh-TW" b="0" i="1" smtClean="0">
+                            <a:latin typeface="Cambria Math" panose="02040503050406030204" pitchFamily="18" charset="0"/>
+                          </a:rPr>
+                          <m:t>𝑉</m:t>
+                        </m:r>
+                      </m:e>
+                      <m:sub>
+                        <m:r>
+                          <a:rPr lang="en-US" altLang="zh-TW" b="0" i="1" smtClean="0">
+                            <a:latin typeface="Cambria Math" panose="02040503050406030204" pitchFamily="18" charset="0"/>
+                          </a:rPr>
+                          <m:t>𝑜</m:t>
+                        </m:r>
+                      </m:sub>
+                    </m:sSub>
+                  </m:oMath>
+                </a14:m>
+                <a:r>
+                  <a:rPr lang="zh-TW" altLang="en-US" b="0" dirty="0" smtClean="0"/>
+                  <a:t>的值即是將</a:t>
+                </a:r>
+                <a14:m>
+                  <m:oMath xmlns:m="http://schemas.openxmlformats.org/officeDocument/2006/math">
+                    <m:sSub>
+                      <m:sSubPr>
+                        <m:ctrlPr>
+                          <a:rPr lang="en-US" altLang="zh-TW" b="0" i="1" smtClean="0">
+                            <a:latin typeface="Cambria Math" panose="02040503050406030204" pitchFamily="18" charset="0"/>
+                          </a:rPr>
+                        </m:ctrlPr>
+                      </m:sSubPr>
+                      <m:e>
+                        <m:r>
+                          <a:rPr lang="en-US" altLang="zh-TW" b="0" i="1" smtClean="0">
+                            <a:latin typeface="Cambria Math" panose="02040503050406030204" pitchFamily="18" charset="0"/>
+                          </a:rPr>
+                          <m:t>𝑉</m:t>
+                        </m:r>
+                      </m:e>
+                      <m:sub>
+                        <m:r>
+                          <a:rPr lang="en-US" altLang="zh-TW" b="0" i="1" smtClean="0">
+                            <a:latin typeface="Cambria Math" panose="02040503050406030204" pitchFamily="18" charset="0"/>
+                          </a:rPr>
+                          <m:t>𝑖</m:t>
+                        </m:r>
+                      </m:sub>
+                    </m:sSub>
+                    <m:r>
+                      <a:rPr lang="zh-TW" altLang="en-US" i="1">
+                        <a:latin typeface="Cambria Math" panose="02040503050406030204" pitchFamily="18" charset="0"/>
+                      </a:rPr>
+                      <m:t> </m:t>
+                    </m:r>
+                  </m:oMath>
+                </a14:m>
+                <a:r>
+                  <a:rPr lang="zh-TW" altLang="en-US" b="0" dirty="0" smtClean="0"/>
+                  <a:t>的值依照不同的電阻進行線性組合並取負號的結果。</a:t>
+                </a:r>
+                <a:endParaRPr lang="en-US" altLang="zh-TW" b="0" dirty="0" smtClean="0"/>
+              </a:p>
+              <a:p>
+                <a:endParaRPr lang="zh-TW" altLang="en-US" dirty="0"/>
+              </a:p>
+            </p:txBody>
+          </p:sp>
+        </mc:Choice>
+        <mc:Fallback>
+          <p:sp>
+            <p:nvSpPr>
+              <p:cNvPr id="8" name="文字方塊 7"/>
+              <p:cNvSpPr txBox="1">
+                <a:spLocks noRot="1" noChangeAspect="1" noMove="1" noResize="1" noEditPoints="1" noAdjustHandles="1" noChangeArrowheads="1" noChangeShapeType="1" noTextEdit="1"/>
+              </p:cNvSpPr>
+              <p:nvPr/>
+            </p:nvSpPr>
+            <p:spPr>
+              <a:xfrm>
+                <a:off x="1344674" y="2694700"/>
+                <a:ext cx="5726760" cy="3444404"/>
+              </a:xfrm>
+              <a:prstGeom prst="rect">
+                <a:avLst/>
+              </a:prstGeom>
+              <a:blipFill>
+                <a:blip r:embed="rId4"/>
+                <a:stretch>
+                  <a:fillRect l="-2556" r="-2236"/>
+                </a:stretch>
+              </a:blipFill>
+            </p:spPr>
+            <p:txBody>
+              <a:bodyPr/>
+              <a:lstStyle/>
+              <a:p>
+                <a:r>
+                  <a:rPr lang="zh-TW" altLang="en-US">
+                    <a:noFill/>
+                  </a:rPr>
+                  <a:t> </a:t>
+                </a:r>
+              </a:p>
+            </p:txBody>
+          </p:sp>
+        </mc:Fallback>
+      </mc:AlternateContent>
     </p:spTree>
     <p:extLst>
       <p:ext uri="{BB962C8B-B14F-4D97-AF65-F5344CB8AC3E}">
-        <p14:creationId xmlns:p14="http://schemas.microsoft.com/office/powerpoint/2010/main" val="3153904139"/>
+        <p14:creationId xmlns:p14="http://schemas.microsoft.com/office/powerpoint/2010/main" val="1632697292"/>
       </p:ext>
     </p:extLst>
   </p:cSld>
@@ -5280,4 +10381,265 @@
     </a:ext>
   </a:extLst>
 </a:theme>
+</file>
+
+<file path=ppt/theme/theme2.xml><?xml version="1.0" encoding="utf-8"?>
+<a:theme xmlns:a="http://schemas.openxmlformats.org/drawingml/2006/main" name="Office 佈景主題">
+  <a:themeElements>
+    <a:clrScheme name="Office">
+      <a:dk1>
+        <a:sysClr val="windowText" lastClr="000000"/>
+      </a:dk1>
+      <a:lt1>
+        <a:sysClr val="window" lastClr="FFFFFF"/>
+      </a:lt1>
+      <a:dk2>
+        <a:srgbClr val="44546A"/>
+      </a:dk2>
+      <a:lt2>
+        <a:srgbClr val="E7E6E6"/>
+      </a:lt2>
+      <a:accent1>
+        <a:srgbClr val="5B9BD5"/>
+      </a:accent1>
+      <a:accent2>
+        <a:srgbClr val="ED7D31"/>
+      </a:accent2>
+      <a:accent3>
+        <a:srgbClr val="A5A5A5"/>
+      </a:accent3>
+      <a:accent4>
+        <a:srgbClr val="FFC000"/>
+      </a:accent4>
+      <a:accent5>
+        <a:srgbClr val="4472C4"/>
+      </a:accent5>
+      <a:accent6>
+        <a:srgbClr val="70AD47"/>
+      </a:accent6>
+      <a:hlink>
+        <a:srgbClr val="0563C1"/>
+      </a:hlink>
+      <a:folHlink>
+        <a:srgbClr val="954F72"/>
+      </a:folHlink>
+    </a:clrScheme>
+    <a:fontScheme name="Office">
+      <a:majorFont>
+        <a:latin typeface="Calibri Light" panose="020F0302020204030204"/>
+        <a:ea typeface=""/>
+        <a:cs typeface=""/>
+        <a:font script="Jpan" typeface="游ゴシック Light"/>
+        <a:font script="Hang" typeface="맑은 고딕"/>
+        <a:font script="Hans" typeface="等线 Light"/>
+        <a:font script="Hant" typeface="新細明體"/>
+        <a:font script="Arab" typeface="Times New Roman"/>
+        <a:font script="Hebr" typeface="Times New Roman"/>
+        <a:font script="Thai" typeface="Angsana New"/>
+        <a:font script="Ethi" typeface="Nyala"/>
+        <a:font script="Beng" typeface="Vrinda"/>
+        <a:font script="Gujr" typeface="Shruti"/>
+        <a:font script="Khmr" typeface="MoolBoran"/>
+        <a:font script="Knda" typeface="Tunga"/>
+        <a:font script="Guru" typeface="Raavi"/>
+        <a:font script="Cans" typeface="Euphemia"/>
+        <a:font script="Cher" typeface="Plantagenet Cherokee"/>
+        <a:font script="Yiii" typeface="Microsoft Yi Baiti"/>
+        <a:font script="Tibt" typeface="Microsoft Himalaya"/>
+        <a:font script="Thaa" typeface="MV Boli"/>
+        <a:font script="Deva" typeface="Mangal"/>
+        <a:font script="Telu" typeface="Gautami"/>
+        <a:font script="Taml" typeface="Latha"/>
+        <a:font script="Syrc" typeface="Estrangelo Edessa"/>
+        <a:font script="Orya" typeface="Kalinga"/>
+        <a:font script="Mlym" typeface="Kartika"/>
+        <a:font script="Laoo" typeface="DokChampa"/>
+        <a:font script="Sinh" typeface="Iskoola Pota"/>
+        <a:font script="Mong" typeface="Mongolian Baiti"/>
+        <a:font script="Viet" typeface="Times New Roman"/>
+        <a:font script="Uigh" typeface="Microsoft Uighur"/>
+        <a:font script="Geor" typeface="Sylfaen"/>
+      </a:majorFont>
+      <a:minorFont>
+        <a:latin typeface="Calibri" panose="020F0502020204030204"/>
+        <a:ea typeface=""/>
+        <a:cs typeface=""/>
+        <a:font script="Jpan" typeface="游ゴシック"/>
+        <a:font script="Hang" typeface="맑은 고딕"/>
+        <a:font script="Hans" typeface="等线"/>
+        <a:font script="Hant" typeface="新細明體"/>
+        <a:font script="Arab" typeface="Arial"/>
+        <a:font script="Hebr" typeface="Arial"/>
+        <a:font script="Thai" typeface="Cordia New"/>
+        <a:font script="Ethi" typeface="Nyala"/>
+        <a:font script="Beng" typeface="Vrinda"/>
+        <a:font script="Gujr" typeface="Shruti"/>
+        <a:font script="Khmr" typeface="DaunPenh"/>
+        <a:font script="Knda" typeface="Tunga"/>
+        <a:font script="Guru" typeface="Raavi"/>
+        <a:font script="Cans" typeface="Euphemia"/>
+        <a:font script="Cher" typeface="Plantagenet Cherokee"/>
+        <a:font script="Yiii" typeface="Microsoft Yi Baiti"/>
+        <a:font script="Tibt" typeface="Microsoft Himalaya"/>
+        <a:font script="Thaa" typeface="MV Boli"/>
+        <a:font script="Deva" typeface="Mangal"/>
+        <a:font script="Telu" typeface="Gautami"/>
+        <a:font script="Taml" typeface="Latha"/>
+        <a:font script="Syrc" typeface="Estrangelo Edessa"/>
+        <a:font script="Orya" typeface="Kalinga"/>
+        <a:font script="Mlym" typeface="Kartika"/>
+        <a:font script="Laoo" typeface="DokChampa"/>
+        <a:font script="Sinh" typeface="Iskoola Pota"/>
+        <a:font script="Mong" typeface="Mongolian Baiti"/>
+        <a:font script="Viet" typeface="Arial"/>
+        <a:font script="Uigh" typeface="Microsoft Uighur"/>
+        <a:font script="Geor" typeface="Sylfaen"/>
+      </a:minorFont>
+    </a:fontScheme>
+    <a:fmtScheme name="Office">
+      <a:fillStyleLst>
+        <a:solidFill>
+          <a:schemeClr val="phClr"/>
+        </a:solidFill>
+        <a:gradFill rotWithShape="1">
+          <a:gsLst>
+            <a:gs pos="0">
+              <a:schemeClr val="phClr">
+                <a:lumMod val="110000"/>
+                <a:satMod val="105000"/>
+                <a:tint val="67000"/>
+              </a:schemeClr>
+            </a:gs>
+            <a:gs pos="50000">
+              <a:schemeClr val="phClr">
+                <a:lumMod val="105000"/>
+                <a:satMod val="103000"/>
+                <a:tint val="73000"/>
+              </a:schemeClr>
+            </a:gs>
+            <a:gs pos="100000">
+              <a:schemeClr val="phClr">
+                <a:lumMod val="105000"/>
+                <a:satMod val="109000"/>
+                <a:tint val="81000"/>
+              </a:schemeClr>
+            </a:gs>
+          </a:gsLst>
+          <a:lin ang="5400000" scaled="0"/>
+        </a:gradFill>
+        <a:gradFill rotWithShape="1">
+          <a:gsLst>
+            <a:gs pos="0">
+              <a:schemeClr val="phClr">
+                <a:satMod val="103000"/>
+                <a:lumMod val="102000"/>
+                <a:tint val="94000"/>
+              </a:schemeClr>
+            </a:gs>
+            <a:gs pos="50000">
+              <a:schemeClr val="phClr">
+                <a:satMod val="110000"/>
+                <a:lumMod val="100000"/>
+                <a:shade val="100000"/>
+              </a:schemeClr>
+            </a:gs>
+            <a:gs pos="100000">
+              <a:schemeClr val="phClr">
+                <a:lumMod val="99000"/>
+                <a:satMod val="120000"/>
+                <a:shade val="78000"/>
+              </a:schemeClr>
+            </a:gs>
+          </a:gsLst>
+          <a:lin ang="5400000" scaled="0"/>
+        </a:gradFill>
+      </a:fillStyleLst>
+      <a:lnStyleLst>
+        <a:ln w="6350" cap="flat" cmpd="sng" algn="ctr">
+          <a:solidFill>
+            <a:schemeClr val="phClr"/>
+          </a:solidFill>
+          <a:prstDash val="solid"/>
+          <a:miter lim="800000"/>
+        </a:ln>
+        <a:ln w="12700" cap="flat" cmpd="sng" algn="ctr">
+          <a:solidFill>
+            <a:schemeClr val="phClr"/>
+          </a:solidFill>
+          <a:prstDash val="solid"/>
+          <a:miter lim="800000"/>
+        </a:ln>
+        <a:ln w="19050" cap="flat" cmpd="sng" algn="ctr">
+          <a:solidFill>
+            <a:schemeClr val="phClr"/>
+          </a:solidFill>
+          <a:prstDash val="solid"/>
+          <a:miter lim="800000"/>
+        </a:ln>
+      </a:lnStyleLst>
+      <a:effectStyleLst>
+        <a:effectStyle>
+          <a:effectLst/>
+        </a:effectStyle>
+        <a:effectStyle>
+          <a:effectLst/>
+        </a:effectStyle>
+        <a:effectStyle>
+          <a:effectLst>
+            <a:outerShdw blurRad="57150" dist="19050" dir="5400000" algn="ctr" rotWithShape="0">
+              <a:srgbClr val="000000">
+                <a:alpha val="63000"/>
+              </a:srgbClr>
+            </a:outerShdw>
+          </a:effectLst>
+        </a:effectStyle>
+      </a:effectStyleLst>
+      <a:bgFillStyleLst>
+        <a:solidFill>
+          <a:schemeClr val="phClr"/>
+        </a:solidFill>
+        <a:solidFill>
+          <a:schemeClr val="phClr">
+            <a:tint val="95000"/>
+            <a:satMod val="170000"/>
+          </a:schemeClr>
+        </a:solidFill>
+        <a:gradFill rotWithShape="1">
+          <a:gsLst>
+            <a:gs pos="0">
+              <a:schemeClr val="phClr">
+                <a:tint val="93000"/>
+                <a:satMod val="150000"/>
+                <a:shade val="98000"/>
+                <a:lumMod val="102000"/>
+              </a:schemeClr>
+            </a:gs>
+            <a:gs pos="50000">
+              <a:schemeClr val="phClr">
+                <a:tint val="98000"/>
+                <a:satMod val="130000"/>
+                <a:shade val="90000"/>
+                <a:lumMod val="103000"/>
+              </a:schemeClr>
+            </a:gs>
+            <a:gs pos="100000">
+              <a:schemeClr val="phClr">
+                <a:shade val="63000"/>
+                <a:satMod val="120000"/>
+              </a:schemeClr>
+            </a:gs>
+          </a:gsLst>
+          <a:lin ang="5400000" scaled="0"/>
+        </a:gradFill>
+      </a:bgFillStyleLst>
+    </a:fmtScheme>
+  </a:themeElements>
+  <a:objectDefaults/>
+  <a:extraClrSchemeLst/>
+  <a:extLst>
+    <a:ext uri="{05A4C25C-085E-4340-85A3-A5531E510DB2}">
+      <thm15:themeFamily xmlns:thm15="http://schemas.microsoft.com/office/thememl/2012/main" name="Office Theme" id="{62F939B6-93AF-4DB8-9C6B-D6C7DFDC589F}" vid="{4A3C46E8-61CC-4603-A589-7422A47A8E4A}"/>
+    </a:ext>
+  </a:extLst>
+</a:theme>
 </file>